--- a/presentation.pptx
+++ b/presentation.pptx
@@ -665,6 +665,277 @@
 </p:notesMaster>
 </file>
 
+<file path=ppt/notesSlides/notesSlide1.xml><?xml version="1.0" encoding="utf-8"?>
+<p:notes xmlns:a="http://schemas.openxmlformats.org/drawingml/2006/main" xmlns:r="http://schemas.openxmlformats.org/officeDocument/2006/relationships" xmlns:p="http://schemas.openxmlformats.org/presentationml/2006/main">
+  <p:cSld>
+    <p:spTree>
+      <p:nvGrpSpPr>
+        <p:cNvPr id="1" name=""/>
+        <p:cNvGrpSpPr/>
+        <p:nvPr/>
+      </p:nvGrpSpPr>
+      <p:grpSpPr>
+        <a:xfrm>
+          <a:off x="0" y="0"/>
+          <a:ext cx="0" cy="0"/>
+          <a:chOff x="0" y="0"/>
+          <a:chExt cx="0" cy="0"/>
+        </a:xfrm>
+      </p:grpSpPr>
+      <p:sp>
+        <p:nvSpPr>
+          <p:cNvPr id="2" name="Slide Image Placeholder 1"/>
+          <p:cNvSpPr>
+            <a:spLocks noGrp="1" noRot="1" noChangeAspect="1"/>
+          </p:cNvSpPr>
+          <p:nvPr>
+            <p:ph type="sldImg"/>
+          </p:nvPr>
+        </p:nvSpPr>
+        <p:spPr/>
+      </p:sp>
+      <p:sp>
+        <p:nvSpPr>
+          <p:cNvPr id="3" name="Notes Placeholder 2"/>
+          <p:cNvSpPr>
+            <a:spLocks noGrp="1"/>
+          </p:cNvSpPr>
+          <p:nvPr>
+            <p:ph type="body" idx="1"/>
+          </p:nvPr>
+        </p:nvSpPr>
+        <p:spPr/>
+        <p:txBody>
+          <a:bodyPr/>
+          <a:lstStyle/>
+          <a:p>
+            <a:r>
+              <a:rPr lang="en-GB" dirty="0"/>
+              <a:t>Traffic is annoying for everyone involved.</a:t>
+            </a:r>
+          </a:p>
+          <a:p>
+            <a:r>
+              <a:rPr lang="en-GB" dirty="0"/>
+              <a:t>Example Graz Glacis at rush-hour.</a:t>
+            </a:r>
+          </a:p>
+          <a:p>
+            <a:endParaRPr lang="en-GB" dirty="0"/>
+          </a:p>
+          <a:p>
+            <a:r>
+              <a:rPr lang="en-GB" dirty="0"/>
+              <a:t>Plan-&gt; Expand current existing road network</a:t>
+            </a:r>
+          </a:p>
+          <a:p>
+            <a:pPr marL="285750" indent="-285750">
+              <a:buFont typeface="Wingdings" panose="05000000000000000000" pitchFamily="2" charset="2"/>
+              <a:buChar char="è"/>
+            </a:pPr>
+            <a:r>
+              <a:rPr lang="en-GB" dirty="0"/>
+              <a:t>Create big highway </a:t>
+            </a:r>
+            <a:r>
+              <a:rPr lang="en-GB" dirty="0" err="1"/>
+              <a:t>f.e</a:t>
+            </a:r>
+            <a:r>
+              <a:rPr lang="en-GB" dirty="0"/>
+              <a:t>. through the city</a:t>
+            </a:r>
+          </a:p>
+          <a:p>
+            <a:pPr marL="285750" indent="-285750">
+              <a:buFont typeface="Wingdings" panose="05000000000000000000" pitchFamily="2" charset="2"/>
+              <a:buChar char="è"/>
+            </a:pPr>
+            <a:r>
+              <a:rPr lang="en-GB" dirty="0"/>
+              <a:t>Where would it be placed to maximize throughput</a:t>
+            </a:r>
+          </a:p>
+          <a:p>
+            <a:pPr marL="0" indent="0">
+              <a:buFont typeface="Wingdings" panose="05000000000000000000" pitchFamily="2" charset="2"/>
+              <a:buNone/>
+            </a:pPr>
+            <a:r>
+              <a:rPr lang="en-GB" dirty="0"/>
+              <a:t>Most likely not realistic to put a highway through the city centre</a:t>
+            </a:r>
+          </a:p>
+          <a:p>
+            <a:pPr marL="285750" indent="-285750">
+              <a:buFont typeface="Wingdings" panose="05000000000000000000" pitchFamily="2" charset="2"/>
+              <a:buChar char="è"/>
+            </a:pPr>
+            <a:r>
+              <a:rPr lang="en-GB" dirty="0"/>
+              <a:t>Maybe we get a result like the </a:t>
+            </a:r>
+            <a:r>
+              <a:rPr lang="en-GB" dirty="0" err="1"/>
+              <a:t>Plabutsch</a:t>
+            </a:r>
+            <a:r>
+              <a:rPr lang="en-GB" dirty="0"/>
+              <a:t> tunnel for Graz (lifesaver)</a:t>
+            </a:r>
+          </a:p>
+          <a:p>
+            <a:pPr marL="0" indent="0">
+              <a:buFont typeface="Wingdings" panose="05000000000000000000" pitchFamily="2" charset="2"/>
+              <a:buNone/>
+            </a:pPr>
+            <a:endParaRPr lang="en-GB" dirty="0"/>
+          </a:p>
+          <a:p>
+            <a:endParaRPr lang="en-AT" dirty="0"/>
+          </a:p>
+        </p:txBody>
+      </p:sp>
+      <p:sp>
+        <p:nvSpPr>
+          <p:cNvPr id="4" name="Slide Number Placeholder 3"/>
+          <p:cNvSpPr>
+            <a:spLocks noGrp="1"/>
+          </p:cNvSpPr>
+          <p:nvPr>
+            <p:ph type="sldNum" sz="quarter" idx="5"/>
+          </p:nvPr>
+        </p:nvSpPr>
+        <p:spPr/>
+        <p:txBody>
+          <a:bodyPr/>
+          <a:lstStyle/>
+          <a:p>
+            <a:fld id="{5DACABA8-235B-9747-A3D2-12573A6AFA9D}" type="slidenum">
+              <a:rPr lang="de-DE" smtClean="0"/>
+              <a:t>2</a:t>
+            </a:fld>
+            <a:endParaRPr lang="de-DE"/>
+          </a:p>
+        </p:txBody>
+      </p:sp>
+    </p:spTree>
+    <p:extLst>
+      <p:ext uri="{BB962C8B-B14F-4D97-AF65-F5344CB8AC3E}">
+        <p14:creationId xmlns:p14="http://schemas.microsoft.com/office/powerpoint/2010/main" val="1515686237"/>
+      </p:ext>
+    </p:extLst>
+  </p:cSld>
+  <p:clrMapOvr>
+    <a:masterClrMapping/>
+  </p:clrMapOvr>
+</p:notes>
+</file>
+
+<file path=ppt/notesSlides/notesSlide2.xml><?xml version="1.0" encoding="utf-8"?>
+<p:notes xmlns:a="http://schemas.openxmlformats.org/drawingml/2006/main" xmlns:r="http://schemas.openxmlformats.org/officeDocument/2006/relationships" xmlns:p="http://schemas.openxmlformats.org/presentationml/2006/main">
+  <p:cSld>
+    <p:spTree>
+      <p:nvGrpSpPr>
+        <p:cNvPr id="1" name=""/>
+        <p:cNvGrpSpPr/>
+        <p:nvPr/>
+      </p:nvGrpSpPr>
+      <p:grpSpPr>
+        <a:xfrm>
+          <a:off x="0" y="0"/>
+          <a:ext cx="0" cy="0"/>
+          <a:chOff x="0" y="0"/>
+          <a:chExt cx="0" cy="0"/>
+        </a:xfrm>
+      </p:grpSpPr>
+      <p:sp>
+        <p:nvSpPr>
+          <p:cNvPr id="2" name="Slide Image Placeholder 1"/>
+          <p:cNvSpPr>
+            <a:spLocks noGrp="1" noRot="1" noChangeAspect="1"/>
+          </p:cNvSpPr>
+          <p:nvPr>
+            <p:ph type="sldImg"/>
+          </p:nvPr>
+        </p:nvSpPr>
+        <p:spPr/>
+      </p:sp>
+      <p:sp>
+        <p:nvSpPr>
+          <p:cNvPr id="3" name="Notes Placeholder 2"/>
+          <p:cNvSpPr>
+            <a:spLocks noGrp="1"/>
+          </p:cNvSpPr>
+          <p:nvPr>
+            <p:ph type="body" idx="1"/>
+          </p:nvPr>
+        </p:nvSpPr>
+        <p:spPr/>
+        <p:txBody>
+          <a:bodyPr/>
+          <a:lstStyle/>
+          <a:p>
+            <a:r>
+              <a:rPr lang="en-GB" dirty="0"/>
+              <a:t>Inhabitants Oldenburg 2005 158k, 2019 168k</a:t>
+            </a:r>
+          </a:p>
+          <a:p>
+            <a:r>
+              <a:rPr lang="en-GB" dirty="0"/>
+              <a:t>Inhabitants Salzburg 2017 152k</a:t>
+            </a:r>
+          </a:p>
+          <a:p>
+            <a:endParaRPr lang="en-GB" dirty="0"/>
+          </a:p>
+          <a:p>
+            <a:r>
+              <a:rPr lang="en-GB" dirty="0"/>
+              <a:t>https://users.cs.utah.edu/~lifeifei/SpatialDataset.htm</a:t>
+            </a:r>
+            <a:endParaRPr lang="en-AT" dirty="0"/>
+          </a:p>
+        </p:txBody>
+      </p:sp>
+      <p:sp>
+        <p:nvSpPr>
+          <p:cNvPr id="4" name="Slide Number Placeholder 3"/>
+          <p:cNvSpPr>
+            <a:spLocks noGrp="1"/>
+          </p:cNvSpPr>
+          <p:nvPr>
+            <p:ph type="sldNum" sz="quarter" idx="5"/>
+          </p:nvPr>
+        </p:nvSpPr>
+        <p:spPr/>
+        <p:txBody>
+          <a:bodyPr/>
+          <a:lstStyle/>
+          <a:p>
+            <a:fld id="{5DACABA8-235B-9747-A3D2-12573A6AFA9D}" type="slidenum">
+              <a:rPr lang="de-DE" smtClean="0"/>
+              <a:t>3</a:t>
+            </a:fld>
+            <a:endParaRPr lang="de-DE"/>
+          </a:p>
+        </p:txBody>
+      </p:sp>
+    </p:spTree>
+    <p:extLst>
+      <p:ext uri="{BB962C8B-B14F-4D97-AF65-F5344CB8AC3E}">
+        <p14:creationId xmlns:p14="http://schemas.microsoft.com/office/powerpoint/2010/main" val="1307268794"/>
+      </p:ext>
+    </p:extLst>
+  </p:cSld>
+  <p:clrMapOvr>
+    <a:masterClrMapping/>
+  </p:clrMapOvr>
+</p:notes>
+</file>
+
 <file path=ppt/slideLayouts/slideLayout1.xml><?xml version="1.0" encoding="utf-8"?>
 <p:sldLayout xmlns:a="http://schemas.openxmlformats.org/drawingml/2006/main" xmlns:r="http://schemas.openxmlformats.org/officeDocument/2006/relationships" xmlns:p="http://schemas.openxmlformats.org/presentationml/2006/main" showMasterSp="0" preserve="1" userDrawn="1">
   <p:cSld name="Cover Slide">
@@ -879,14 +1150,14 @@
           </a:ln>
           <a:extLst>
             <a:ext uri="{909E8E84-426E-40dd-AFC4-6F175D3DCCD1}">
-              <a14:hiddenFill xmlns="" xmlns:a14="http://schemas.microsoft.com/office/drawing/2010/main">
+              <a14:hiddenFill xmlns:a14="http://schemas.microsoft.com/office/drawing/2010/main" xmlns="">
                 <a:solidFill>
                   <a:srgbClr val="FFFFFF"/>
                 </a:solidFill>
               </a14:hiddenFill>
             </a:ext>
             <a:ext uri="{91240B29-F687-4f45-9708-019B960494DF}">
-              <a14:hiddenLine xmlns="" xmlns:a14="http://schemas.microsoft.com/office/drawing/2010/main" w="9525">
+              <a14:hiddenLine xmlns:a14="http://schemas.microsoft.com/office/drawing/2010/main" xmlns="" w="9525">
                 <a:solidFill>
                   <a:srgbClr val="000000"/>
                 </a:solidFill>
@@ -2178,6 +2449,130 @@
           </a:p>
         </p:txBody>
       </p:sp>
+      <p:sp>
+        <p:nvSpPr>
+          <p:cNvPr id="3" name="TextBox 2">
+            <a:extLst>
+              <a:ext uri="{FF2B5EF4-FFF2-40B4-BE49-F238E27FC236}">
+                <a16:creationId xmlns:a16="http://schemas.microsoft.com/office/drawing/2014/main" id="{239F63D5-E3CC-020E-79AE-E5A37A06BAC3}"/>
+              </a:ext>
+            </a:extLst>
+          </p:cNvPr>
+          <p:cNvSpPr txBox="1"/>
+          <p:nvPr/>
+        </p:nvSpPr>
+        <p:spPr>
+          <a:xfrm>
+            <a:off x="1377108" y="1591671"/>
+            <a:ext cx="10653311" cy="3170099"/>
+          </a:xfrm>
+          <a:prstGeom prst="rect">
+            <a:avLst/>
+          </a:prstGeom>
+          <a:noFill/>
+        </p:spPr>
+        <p:txBody>
+          <a:bodyPr wrap="square" lIns="0" rtlCol="0">
+            <a:spAutoFit/>
+          </a:bodyPr>
+          <a:lstStyle/>
+          <a:p>
+            <a:pPr marL="342900" indent="-342900">
+              <a:buFont typeface="Arial" panose="020B0604020202020204" pitchFamily="34" charset="0"/>
+              <a:buChar char="•"/>
+            </a:pPr>
+            <a:r>
+              <a:rPr lang="en-GB" sz="2000" dirty="0"/>
+              <a:t>Simulate traffic congestion in an urban area</a:t>
+            </a:r>
+          </a:p>
+          <a:p>
+            <a:pPr marL="990981" lvl="1" indent="-342900">
+              <a:buFont typeface="Arial" panose="020B0604020202020204" pitchFamily="34" charset="0"/>
+              <a:buChar char="•"/>
+            </a:pPr>
+            <a:r>
+              <a:rPr lang="en-GB" sz="2000" dirty="0"/>
+              <a:t>Predominately in smaller city</a:t>
+            </a:r>
+          </a:p>
+          <a:p>
+            <a:pPr marL="990981" lvl="1" indent="-342900">
+              <a:buFont typeface="Arial" panose="020B0604020202020204" pitchFamily="34" charset="0"/>
+              <a:buChar char="•"/>
+            </a:pPr>
+            <a:endParaRPr lang="en-GB" sz="2000" dirty="0"/>
+          </a:p>
+          <a:p>
+            <a:pPr marL="342900" indent="-342900">
+              <a:buFont typeface="Arial" panose="020B0604020202020204" pitchFamily="34" charset="0"/>
+              <a:buChar char="•"/>
+            </a:pPr>
+            <a:r>
+              <a:rPr lang="en-GB" sz="2000" dirty="0"/>
+              <a:t>Simulate a possible improvement to the traffic problem</a:t>
+            </a:r>
+          </a:p>
+          <a:p>
+            <a:pPr marL="990981" lvl="1" indent="-342900">
+              <a:buFont typeface="Arial" panose="020B0604020202020204" pitchFamily="34" charset="0"/>
+              <a:buChar char="•"/>
+            </a:pPr>
+            <a:r>
+              <a:rPr lang="en-GB" sz="2000" dirty="0"/>
+              <a:t>Expansion of already existing roads</a:t>
+            </a:r>
+          </a:p>
+          <a:p>
+            <a:pPr marL="990981" lvl="1" indent="-342900">
+              <a:buFont typeface="Arial" panose="020B0604020202020204" pitchFamily="34" charset="0"/>
+              <a:buChar char="•"/>
+            </a:pPr>
+            <a:endParaRPr lang="en-GB" sz="2000" dirty="0"/>
+          </a:p>
+          <a:p>
+            <a:pPr marL="342900" indent="-342900">
+              <a:buFont typeface="Arial" panose="020B0604020202020204" pitchFamily="34" charset="0"/>
+              <a:buChar char="•"/>
+            </a:pPr>
+            <a:r>
+              <a:rPr lang="en-GB" sz="2000" dirty="0"/>
+              <a:t>Potential benefit of improved infrastructure</a:t>
+            </a:r>
+          </a:p>
+          <a:p>
+            <a:pPr marL="990981" lvl="1" indent="-342900">
+              <a:buFont typeface="Arial" panose="020B0604020202020204" pitchFamily="34" charset="0"/>
+              <a:buChar char="•"/>
+            </a:pPr>
+            <a:r>
+              <a:rPr lang="en-GB" sz="2000" dirty="0"/>
+              <a:t>Less travel time</a:t>
+            </a:r>
+          </a:p>
+          <a:p>
+            <a:pPr marL="990981" lvl="1" indent="-342900">
+              <a:buFont typeface="Arial" panose="020B0604020202020204" pitchFamily="34" charset="0"/>
+              <a:buChar char="•"/>
+            </a:pPr>
+            <a:r>
+              <a:rPr lang="en-GB" sz="2000" dirty="0"/>
+              <a:t>Enhanced transportation network</a:t>
+            </a:r>
+          </a:p>
+          <a:p>
+            <a:pPr marL="990981" lvl="1" indent="-342900">
+              <a:buFont typeface="Arial" panose="020B0604020202020204" pitchFamily="34" charset="0"/>
+              <a:buChar char="•"/>
+            </a:pPr>
+            <a:r>
+              <a:rPr lang="en-GB" sz="2000" dirty="0"/>
+              <a:t>Positive Influence on the city's development</a:t>
+            </a:r>
+            <a:endParaRPr lang="en-AT" sz="2000" dirty="0" err="1"/>
+          </a:p>
+        </p:txBody>
+      </p:sp>
     </p:spTree>
     <p:extLst>
       <p:ext uri="{BB962C8B-B14F-4D97-AF65-F5344CB8AC3E}">
@@ -2281,7 +2676,7 @@
           <p:nvPr/>
         </p:nvPicPr>
         <p:blipFill rotWithShape="1">
-          <a:blip r:embed="rId2"/>
+          <a:blip r:embed="rId3"/>
           <a:srcRect l="11263" t="8571" r="9347" b="8346"/>
           <a:stretch/>
         </p:blipFill>
@@ -2310,7 +2705,7 @@
           <p:nvPr/>
         </p:nvPicPr>
         <p:blipFill rotWithShape="1">
-          <a:blip r:embed="rId2"/>
+          <a:blip r:embed="rId3"/>
           <a:srcRect l="18567" t="17412" r="15978" b="16596"/>
           <a:stretch/>
         </p:blipFill>
@@ -2324,6 +2719,160 @@
           </a:prstGeom>
         </p:spPr>
       </p:pic>
+      <p:sp>
+        <p:nvSpPr>
+          <p:cNvPr id="3" name="TextBox 2">
+            <a:extLst>
+              <a:ext uri="{FF2B5EF4-FFF2-40B4-BE49-F238E27FC236}">
+                <a16:creationId xmlns:a16="http://schemas.microsoft.com/office/drawing/2014/main" id="{78685FFE-A86F-D1EB-B5C6-CE25AF8225E0}"/>
+              </a:ext>
+            </a:extLst>
+          </p:cNvPr>
+          <p:cNvSpPr txBox="1"/>
+          <p:nvPr/>
+        </p:nvSpPr>
+        <p:spPr>
+          <a:xfrm>
+            <a:off x="1255923" y="1591671"/>
+            <a:ext cx="6290631" cy="5016758"/>
+          </a:xfrm>
+          <a:prstGeom prst="rect">
+            <a:avLst/>
+          </a:prstGeom>
+          <a:noFill/>
+        </p:spPr>
+        <p:txBody>
+          <a:bodyPr wrap="square" lIns="0" rtlCol="0">
+            <a:spAutoFit/>
+          </a:bodyPr>
+          <a:lstStyle/>
+          <a:p>
+            <a:pPr marL="342900" indent="-342900">
+              <a:buFont typeface="Arial" panose="020B0604020202020204" pitchFamily="34" charset="0"/>
+              <a:buChar char="•"/>
+            </a:pPr>
+            <a:r>
+              <a:rPr lang="en-GB" sz="2000" dirty="0"/>
+              <a:t>City of Oldenburg (2005) </a:t>
+            </a:r>
+          </a:p>
+          <a:p>
+            <a:pPr marL="990981" lvl="1" indent="-342900">
+              <a:buFont typeface="Arial" panose="020B0604020202020204" pitchFamily="34" charset="0"/>
+              <a:buChar char="•"/>
+            </a:pPr>
+            <a:r>
+              <a:rPr lang="en-GB" sz="2000" dirty="0"/>
+              <a:t>6105 Nodes (Crossings)</a:t>
+            </a:r>
+          </a:p>
+          <a:p>
+            <a:pPr marL="990981" lvl="1" indent="-342900">
+              <a:buFont typeface="Arial" panose="020B0604020202020204" pitchFamily="34" charset="0"/>
+              <a:buChar char="•"/>
+            </a:pPr>
+            <a:r>
+              <a:rPr lang="en-GB" sz="2000" dirty="0"/>
+              <a:t>7029 Edges (Roads)</a:t>
+            </a:r>
+          </a:p>
+          <a:p>
+            <a:pPr marL="990981" lvl="1" indent="-342900">
+              <a:buFont typeface="Arial" panose="020B0604020202020204" pitchFamily="34" charset="0"/>
+              <a:buChar char="•"/>
+            </a:pPr>
+            <a:r>
+              <a:rPr lang="en-GB" sz="2000" dirty="0"/>
+              <a:t>About the size (inhabitants) of Salzburg</a:t>
+            </a:r>
+          </a:p>
+          <a:p>
+            <a:pPr marL="990981" lvl="1" indent="-342900">
+              <a:buFont typeface="Arial" panose="020B0604020202020204" pitchFamily="34" charset="0"/>
+              <a:buChar char="•"/>
+            </a:pPr>
+            <a:endParaRPr lang="en-GB" sz="2000" dirty="0"/>
+          </a:p>
+          <a:p>
+            <a:pPr marL="342900" indent="-342900">
+              <a:buFont typeface="Arial" panose="020B0604020202020204" pitchFamily="34" charset="0"/>
+              <a:buChar char="•"/>
+            </a:pPr>
+            <a:r>
+              <a:rPr lang="en-GB" sz="2000" dirty="0"/>
+              <a:t>Agent based simulation</a:t>
+            </a:r>
+          </a:p>
+          <a:p>
+            <a:pPr marL="342900" indent="-342900">
+              <a:buFont typeface="Arial" panose="020B0604020202020204" pitchFamily="34" charset="0"/>
+              <a:buChar char="•"/>
+            </a:pPr>
+            <a:endParaRPr lang="en-GB" sz="2000" dirty="0"/>
+          </a:p>
+          <a:p>
+            <a:pPr marL="342900" indent="-342900">
+              <a:buFont typeface="Arial" panose="020B0604020202020204" pitchFamily="34" charset="0"/>
+              <a:buChar char="•"/>
+            </a:pPr>
+            <a:r>
+              <a:rPr lang="en-GB" sz="2000" dirty="0"/>
+              <a:t>Baseline analysis on the unmodified dataset</a:t>
+            </a:r>
+          </a:p>
+          <a:p>
+            <a:pPr marL="990981" lvl="1" indent="-342900">
+              <a:buFont typeface="Arial" panose="020B0604020202020204" pitchFamily="34" charset="0"/>
+              <a:buChar char="•"/>
+            </a:pPr>
+            <a:r>
+              <a:rPr lang="en-GB" sz="2000" dirty="0"/>
+              <a:t>Identify bottlenecks</a:t>
+            </a:r>
+          </a:p>
+          <a:p>
+            <a:pPr marL="990981" lvl="1" indent="-342900">
+              <a:buFont typeface="Arial" panose="020B0604020202020204" pitchFamily="34" charset="0"/>
+              <a:buChar char="•"/>
+            </a:pPr>
+            <a:r>
+              <a:rPr lang="en-GB" sz="2000" dirty="0"/>
+              <a:t>Determine which roads to expand</a:t>
+            </a:r>
+          </a:p>
+          <a:p>
+            <a:pPr marL="990981" lvl="1" indent="-342900">
+              <a:buFont typeface="Arial" panose="020B0604020202020204" pitchFamily="34" charset="0"/>
+              <a:buChar char="•"/>
+            </a:pPr>
+            <a:endParaRPr lang="en-GB" sz="2000" dirty="0"/>
+          </a:p>
+          <a:p>
+            <a:pPr marL="342900" indent="-342900">
+              <a:buFont typeface="Arial" panose="020B0604020202020204" pitchFamily="34" charset="0"/>
+              <a:buChar char="•"/>
+            </a:pPr>
+            <a:r>
+              <a:rPr lang="en-GB" sz="2000" dirty="0"/>
+              <a:t>Determine if the efficiency has been improved with the expansion of the road to a highway</a:t>
+            </a:r>
+          </a:p>
+          <a:p>
+            <a:endParaRPr lang="en-GB" sz="2000" dirty="0"/>
+          </a:p>
+          <a:p>
+            <a:pPr lvl="1"/>
+            <a:endParaRPr lang="en-GB" sz="2000" dirty="0"/>
+          </a:p>
+          <a:p>
+            <a:pPr marL="990981" lvl="1" indent="-342900">
+              <a:buFont typeface="Arial" panose="020B0604020202020204" pitchFamily="34" charset="0"/>
+              <a:buChar char="•"/>
+            </a:pPr>
+            <a:endParaRPr lang="en-GB" sz="2000" dirty="0"/>
+          </a:p>
+        </p:txBody>
+      </p:sp>
     </p:spTree>
     <p:extLst>
       <p:ext uri="{BB962C8B-B14F-4D97-AF65-F5344CB8AC3E}">

--- a/presentation.pptx
+++ b/presentation.pptx
@@ -5,10 +5,10 @@
     <p:sldMasterId id="2147483648" r:id="rId1"/>
   </p:sldMasterIdLst>
   <p:notesMasterIdLst>
-    <p:notesMasterId r:id="rId12"/>
+    <p:notesMasterId r:id="rId10"/>
   </p:notesMasterIdLst>
   <p:handoutMasterIdLst>
-    <p:handoutMasterId r:id="rId13"/>
+    <p:handoutMasterId r:id="rId11"/>
   </p:handoutMasterIdLst>
   <p:sldIdLst>
     <p:sldId id="266" r:id="rId2"/>
@@ -19,8 +19,6 @@
     <p:sldId id="421" r:id="rId7"/>
     <p:sldId id="423" r:id="rId8"/>
     <p:sldId id="422" r:id="rId9"/>
-    <p:sldId id="418" r:id="rId10"/>
-    <p:sldId id="416" r:id="rId11"/>
   </p:sldIdLst>
   <p:sldSz cx="12938125" cy="7315200"/>
   <p:notesSz cx="6858000" cy="9144000"/>
@@ -1150,14 +1148,14 @@
           </a:ln>
           <a:extLst>
             <a:ext uri="{909E8E84-426E-40dd-AFC4-6F175D3DCCD1}">
-              <a14:hiddenFill xmlns:a14="http://schemas.microsoft.com/office/drawing/2010/main" xmlns="">
+              <a14:hiddenFill xmlns="" xmlns:a14="http://schemas.microsoft.com/office/drawing/2010/main">
                 <a:solidFill>
                   <a:srgbClr val="FFFFFF"/>
                 </a:solidFill>
               </a14:hiddenFill>
             </a:ext>
             <a:ext uri="{91240B29-F687-4f45-9708-019B960494DF}">
-              <a14:hiddenLine xmlns:a14="http://schemas.microsoft.com/office/drawing/2010/main" xmlns="" w="9525">
+              <a14:hiddenLine xmlns="" xmlns:a14="http://schemas.microsoft.com/office/drawing/2010/main" w="9525">
                 <a:solidFill>
                   <a:srgbClr val="000000"/>
                 </a:solidFill>
@@ -2133,11 +2131,7 @@
             <a:pPr algn="l"/>
             <a:r>
               <a:rPr lang="en-AT" dirty="0"/>
-              <a:t>Highway </a:t>
-            </a:r>
-            <a:r>
-              <a:rPr lang="en-AT" dirty="0" err="1"/>
-              <a:t>Modeling</a:t>
+              <a:t>Highway Design</a:t>
             </a:r>
             <a:endParaRPr lang="de-DE" dirty="0"/>
           </a:p>
@@ -2211,166 +2205,18 @@
   <p:clrMapOvr>
     <a:masterClrMapping/>
   </p:clrMapOvr>
-</p:sld>
-</file>
-
-<file path=ppt/slides/slide10.xml><?xml version="1.0" encoding="utf-8"?>
-<p:sld xmlns:a="http://schemas.openxmlformats.org/drawingml/2006/main" xmlns:r="http://schemas.openxmlformats.org/officeDocument/2006/relationships" xmlns:p="http://schemas.openxmlformats.org/presentationml/2006/main">
-  <p:cSld>
-    <p:spTree>
-      <p:nvGrpSpPr>
-        <p:cNvPr id="1" name=""/>
-        <p:cNvGrpSpPr/>
-        <p:nvPr/>
-      </p:nvGrpSpPr>
-      <p:grpSpPr>
-        <a:xfrm>
-          <a:off x="0" y="0"/>
-          <a:ext cx="0" cy="0"/>
-          <a:chOff x="0" y="0"/>
-          <a:chExt cx="0" cy="0"/>
-        </a:xfrm>
-      </p:grpSpPr>
-      <p:sp>
-        <p:nvSpPr>
-          <p:cNvPr id="2" name="Title 1">
-            <a:extLst>
-              <a:ext uri="{FF2B5EF4-FFF2-40B4-BE49-F238E27FC236}">
-                <a16:creationId xmlns:a16="http://schemas.microsoft.com/office/drawing/2014/main" id="{0A39B26F-5187-4B71-D442-12D260D7EF6A}"/>
-              </a:ext>
-            </a:extLst>
-          </p:cNvPr>
-          <p:cNvSpPr>
-            <a:spLocks noGrp="1"/>
-          </p:cNvSpPr>
-          <p:nvPr>
-            <p:ph type="title"/>
-          </p:nvPr>
-        </p:nvSpPr>
-        <p:spPr/>
-        <p:txBody>
-          <a:bodyPr/>
-          <a:lstStyle/>
-          <a:p>
-            <a:r>
-              <a:rPr lang="bs-Latn-BA" dirty="0"/>
-              <a:t>One side</a:t>
-            </a:r>
-            <a:endParaRPr lang="en-US" dirty="0"/>
-          </a:p>
-        </p:txBody>
-      </p:sp>
-      <p:sp>
-        <p:nvSpPr>
-          <p:cNvPr id="4" name="Slide Number Placeholder 3">
-            <a:extLst>
-              <a:ext uri="{FF2B5EF4-FFF2-40B4-BE49-F238E27FC236}">
-                <a16:creationId xmlns:a16="http://schemas.microsoft.com/office/drawing/2014/main" id="{7658BEF0-F774-4A14-846F-7ADB9625F36B}"/>
-              </a:ext>
-            </a:extLst>
-          </p:cNvPr>
-          <p:cNvSpPr>
-            <a:spLocks noGrp="1"/>
-          </p:cNvSpPr>
-          <p:nvPr>
-            <p:ph type="sldNum" sz="quarter" idx="12"/>
-          </p:nvPr>
-        </p:nvSpPr>
-        <p:spPr/>
-        <p:txBody>
-          <a:bodyPr/>
-          <a:lstStyle/>
-          <a:p>
-            <a:fld id="{4B64EC4D-37E3-EF42-B9AB-6337577588CB}" type="slidenum">
-              <a:rPr lang="de-DE" smtClean="0"/>
-              <a:t>10</a:t>
-            </a:fld>
-            <a:endParaRPr lang="de-DE" dirty="0"/>
-          </a:p>
-        </p:txBody>
-      </p:sp>
-      <p:sp>
-        <p:nvSpPr>
-          <p:cNvPr id="5" name="TextBox 4">
-            <a:extLst>
-              <a:ext uri="{FF2B5EF4-FFF2-40B4-BE49-F238E27FC236}">
-                <a16:creationId xmlns:a16="http://schemas.microsoft.com/office/drawing/2014/main" id="{E16D99A2-2CB5-9D2C-48F9-DBC316765A11}"/>
-              </a:ext>
-            </a:extLst>
-          </p:cNvPr>
-          <p:cNvSpPr txBox="1"/>
-          <p:nvPr/>
-        </p:nvSpPr>
-        <p:spPr>
-          <a:xfrm>
-            <a:off x="949990" y="1870479"/>
-            <a:ext cx="11038143" cy="369332"/>
-          </a:xfrm>
-          <a:prstGeom prst="rect">
-            <a:avLst/>
-          </a:prstGeom>
-          <a:noFill/>
-        </p:spPr>
-        <p:txBody>
-          <a:bodyPr wrap="square" lIns="0" rtlCol="0">
-            <a:spAutoFit/>
-          </a:bodyPr>
-          <a:lstStyle/>
-          <a:p>
-            <a:pPr algn="just"/>
-            <a:r>
-              <a:rPr lang="bs-Latn-BA" sz="1800" b="1" dirty="0"/>
-              <a:t>Subtitle 1</a:t>
-            </a:r>
-            <a:endParaRPr lang="en-AT" sz="1800" b="1" dirty="0"/>
-          </a:p>
-        </p:txBody>
-      </p:sp>
-      <p:sp>
-        <p:nvSpPr>
-          <p:cNvPr id="6" name="TextBox 5">
-            <a:extLst>
-              <a:ext uri="{FF2B5EF4-FFF2-40B4-BE49-F238E27FC236}">
-                <a16:creationId xmlns:a16="http://schemas.microsoft.com/office/drawing/2014/main" id="{45914E06-DDB8-FAD8-463F-C19D58E50133}"/>
-              </a:ext>
-            </a:extLst>
-          </p:cNvPr>
-          <p:cNvSpPr txBox="1"/>
-          <p:nvPr/>
-        </p:nvSpPr>
-        <p:spPr>
-          <a:xfrm>
-            <a:off x="949990" y="2250575"/>
-            <a:ext cx="11038143" cy="584775"/>
-          </a:xfrm>
-          <a:prstGeom prst="rect">
-            <a:avLst/>
-          </a:prstGeom>
-          <a:noFill/>
-        </p:spPr>
-        <p:txBody>
-          <a:bodyPr wrap="square" lIns="0" rtlCol="0">
-            <a:spAutoFit/>
-          </a:bodyPr>
-          <a:lstStyle/>
-          <a:p>
-            <a:r>
-              <a:rPr lang="bs-Latn-BA" sz="1600" dirty="0"/>
-              <a:t>Lorem ipsum dolor sit amet, consectetur adipiscing elit, sed do eiusmod tempor incididunt ut labore et dolore magna aliqua. Ut enim ad minim veniam, quis nostrud exercitation ullamco laboris nisi ut aliquip ex ea commodo consequat.</a:t>
-            </a:r>
-          </a:p>
-        </p:txBody>
-      </p:sp>
-    </p:spTree>
-    <p:extLst>
-      <p:ext uri="{BB962C8B-B14F-4D97-AF65-F5344CB8AC3E}">
-        <p14:creationId xmlns:p14="http://schemas.microsoft.com/office/powerpoint/2010/main" val="2491974060"/>
-      </p:ext>
-    </p:extLst>
-  </p:cSld>
-  <p:clrMapOvr>
-    <a:masterClrMapping/>
-  </p:clrMapOvr>
+  <mc:AlternateContent xmlns:mc="http://schemas.openxmlformats.org/markup-compatibility/2006">
+    <mc:Choice xmlns:p159="http://schemas.microsoft.com/office/powerpoint/2015/09/main" Requires="p159">
+      <p:transition xmlns:p14="http://schemas.microsoft.com/office/powerpoint/2010/main" spd="slow" p14:dur="2000">
+        <p159:morph option="byObject"/>
+      </p:transition>
+    </mc:Choice>
+    <mc:Fallback>
+      <p:transition spd="slow">
+        <p:fade/>
+      </p:transition>
+    </mc:Fallback>
+  </mc:AlternateContent>
 </p:sld>
 </file>
 
@@ -2583,6 +2429,18 @@
   <p:clrMapOvr>
     <a:masterClrMapping/>
   </p:clrMapOvr>
+  <mc:AlternateContent xmlns:mc="http://schemas.openxmlformats.org/markup-compatibility/2006">
+    <mc:Choice xmlns:p159="http://schemas.microsoft.com/office/powerpoint/2015/09/main" Requires="p159">
+      <p:transition xmlns:p14="http://schemas.microsoft.com/office/powerpoint/2010/main" spd="slow" p14:dur="2000">
+        <p159:morph option="byObject"/>
+      </p:transition>
+    </mc:Choice>
+    <mc:Fallback>
+      <p:transition spd="slow">
+        <p:fade/>
+      </p:transition>
+    </mc:Fallback>
+  </mc:AlternateContent>
 </p:sld>
 </file>
 
@@ -2883,13 +2741,13 @@
   <p:clrMapOvr>
     <a:masterClrMapping/>
   </p:clrMapOvr>
-  <mc:AlternateContent xmlns:mc="http://schemas.openxmlformats.org/markup-compatibility/2006" xmlns:p159="http://schemas.microsoft.com/office/powerpoint/2015/09/main">
-    <mc:Choice Requires="p159">
+  <mc:AlternateContent xmlns:mc="http://schemas.openxmlformats.org/markup-compatibility/2006">
+    <mc:Choice xmlns:p159="http://schemas.microsoft.com/office/powerpoint/2015/09/main" Requires="p159">
       <p:transition xmlns:p14="http://schemas.microsoft.com/office/powerpoint/2010/main" spd="slow" p14:dur="2000">
         <p159:morph option="byObject"/>
       </p:transition>
     </mc:Choice>
-    <mc:Fallback xmlns="">
+    <mc:Fallback>
       <p:transition spd="slow">
         <p:fade/>
       </p:transition>
@@ -4494,13 +4352,13 @@
   <p:clrMapOvr>
     <a:masterClrMapping/>
   </p:clrMapOvr>
-  <mc:AlternateContent xmlns:mc="http://schemas.openxmlformats.org/markup-compatibility/2006" xmlns:p159="http://schemas.microsoft.com/office/powerpoint/2015/09/main">
-    <mc:Choice Requires="p159">
+  <mc:AlternateContent xmlns:mc="http://schemas.openxmlformats.org/markup-compatibility/2006">
+    <mc:Choice xmlns:p159="http://schemas.microsoft.com/office/powerpoint/2015/09/main" Requires="p159">
       <p:transition xmlns:p14="http://schemas.microsoft.com/office/powerpoint/2010/main" spd="slow" p14:dur="2000">
         <p159:morph option="byObject"/>
       </p:transition>
     </mc:Choice>
-    <mc:Fallback xmlns="">
+    <mc:Fallback>
       <p:transition spd="slow">
         <p:fade/>
       </p:transition>
@@ -5100,6 +4958,18 @@
   <p:clrMapOvr>
     <a:masterClrMapping/>
   </p:clrMapOvr>
+  <mc:AlternateContent xmlns:mc="http://schemas.openxmlformats.org/markup-compatibility/2006">
+    <mc:Choice xmlns:p159="http://schemas.microsoft.com/office/powerpoint/2015/09/main" Requires="p159">
+      <p:transition xmlns:p14="http://schemas.microsoft.com/office/powerpoint/2010/main" spd="slow" p14:dur="2000">
+        <p159:morph option="byObject"/>
+      </p:transition>
+    </mc:Choice>
+    <mc:Fallback>
+      <p:transition spd="slow">
+        <p:fade/>
+      </p:transition>
+    </mc:Fallback>
+  </mc:AlternateContent>
   <p:timing>
     <p:tnLst>
       <p:par>
@@ -5765,13 +5635,13 @@
   <p:clrMapOvr>
     <a:masterClrMapping/>
   </p:clrMapOvr>
-  <mc:AlternateContent xmlns:mc="http://schemas.openxmlformats.org/markup-compatibility/2006" xmlns:p159="http://schemas.microsoft.com/office/powerpoint/2015/09/main">
-    <mc:Choice Requires="p159">
+  <mc:AlternateContent xmlns:mc="http://schemas.openxmlformats.org/markup-compatibility/2006">
+    <mc:Choice xmlns:p159="http://schemas.microsoft.com/office/powerpoint/2015/09/main" Requires="p159">
       <p:transition xmlns:p14="http://schemas.microsoft.com/office/powerpoint/2010/main" spd="slow" p14:dur="2000">
         <p159:morph option="byObject"/>
       </p:transition>
     </mc:Choice>
-    <mc:Fallback xmlns="">
+    <mc:Fallback>
       <p:transition spd="slow">
         <p:fade/>
       </p:transition>
@@ -5883,28 +5753,19 @@
           </a:bodyPr>
           <a:lstStyle/>
           <a:p>
-            <a:r>
-              <a:rPr lang="en-AT" sz="1600" dirty="0"/>
-              <a:t>Algorithm based on shortest paths</a:t>
-            </a:r>
-          </a:p>
-          <a:p>
             <a:endParaRPr lang="en-AT" sz="1600" dirty="0"/>
           </a:p>
           <a:p>
-            <a:r>
-              <a:rPr lang="en-AT" sz="1600" dirty="0"/>
-              <a:t>The algorithm is able to redirect traffic to the most used edges</a:t>
-            </a:r>
-          </a:p>
-          <a:p>
             <a:endParaRPr lang="en-AT" sz="1600" dirty="0"/>
           </a:p>
           <a:p>
-            <a:r>
-              <a:rPr lang="en-AT" sz="1600" dirty="0"/>
-              <a:t>Lower travel time on average</a:t>
-            </a:r>
+            <a:endParaRPr lang="en-AT" sz="1600" dirty="0"/>
+          </a:p>
+          <a:p>
+            <a:endParaRPr lang="en-AT" sz="1600" dirty="0"/>
+          </a:p>
+          <a:p>
+            <a:endParaRPr lang="en-AT" sz="1600" dirty="0"/>
           </a:p>
           <a:p>
             <a:endParaRPr lang="en-AT" sz="1600" dirty="0"/>
@@ -6414,6 +6275,59 @@
           </a:p>
         </p:txBody>
       </p:sp>
+      <p:sp>
+        <p:nvSpPr>
+          <p:cNvPr id="7" name="TextBox 6">
+            <a:extLst>
+              <a:ext uri="{FF2B5EF4-FFF2-40B4-BE49-F238E27FC236}">
+                <a16:creationId xmlns:a16="http://schemas.microsoft.com/office/drawing/2014/main" id="{87A64CE7-CBC6-A4F7-3B20-619C2C69D421}"/>
+              </a:ext>
+            </a:extLst>
+          </p:cNvPr>
+          <p:cNvSpPr txBox="1"/>
+          <p:nvPr/>
+        </p:nvSpPr>
+        <p:spPr>
+          <a:xfrm>
+            <a:off x="4312685" y="2427774"/>
+            <a:ext cx="5711833" cy="1323439"/>
+          </a:xfrm>
+          <a:prstGeom prst="rect">
+            <a:avLst/>
+          </a:prstGeom>
+          <a:noFill/>
+        </p:spPr>
+        <p:txBody>
+          <a:bodyPr wrap="square" lIns="0" rtlCol="0">
+            <a:spAutoFit/>
+          </a:bodyPr>
+          <a:lstStyle/>
+          <a:p>
+            <a:r>
+              <a:rPr lang="en-AT" sz="1600" dirty="0"/>
+              <a:t>Algorithm based on shortest paths</a:t>
+            </a:r>
+          </a:p>
+          <a:p>
+            <a:endParaRPr lang="en-AT" sz="1600" dirty="0"/>
+          </a:p>
+          <a:p>
+            <a:r>
+              <a:rPr lang="en-AT" sz="1600" dirty="0"/>
+              <a:t>The algorithm can redirect traffic to the most used edges</a:t>
+            </a:r>
+          </a:p>
+          <a:p>
+            <a:endParaRPr lang="en-AT" sz="1600" dirty="0"/>
+          </a:p>
+          <a:p>
+            <a:r>
+              <a:rPr lang="en-AT" sz="1600" dirty="0"/>
+              <a:t>Lower travel time on average</a:t>
+            </a:r>
+          </a:p>
+        </p:txBody>
+      </p:sp>
     </p:spTree>
     <p:extLst>
       <p:ext uri="{BB962C8B-B14F-4D97-AF65-F5344CB8AC3E}">
@@ -6424,235 +6338,18 @@
   <p:clrMapOvr>
     <a:masterClrMapping/>
   </p:clrMapOvr>
-</p:sld>
-</file>
-
-<file path=ppt/slides/slide9.xml><?xml version="1.0" encoding="utf-8"?>
-<p:sld xmlns:a="http://schemas.openxmlformats.org/drawingml/2006/main" xmlns:r="http://schemas.openxmlformats.org/officeDocument/2006/relationships" xmlns:p="http://schemas.openxmlformats.org/presentationml/2006/main">
-  <p:cSld>
-    <p:spTree>
-      <p:nvGrpSpPr>
-        <p:cNvPr id="1" name=""/>
-        <p:cNvGrpSpPr/>
-        <p:nvPr/>
-      </p:nvGrpSpPr>
-      <p:grpSpPr>
-        <a:xfrm>
-          <a:off x="0" y="0"/>
-          <a:ext cx="0" cy="0"/>
-          <a:chOff x="0" y="0"/>
-          <a:chExt cx="0" cy="0"/>
-        </a:xfrm>
-      </p:grpSpPr>
-      <p:sp>
-        <p:nvSpPr>
-          <p:cNvPr id="2" name="Title 1">
-            <a:extLst>
-              <a:ext uri="{FF2B5EF4-FFF2-40B4-BE49-F238E27FC236}">
-                <a16:creationId xmlns:a16="http://schemas.microsoft.com/office/drawing/2014/main" id="{0A39B26F-5187-4B71-D442-12D260D7EF6A}"/>
-              </a:ext>
-            </a:extLst>
-          </p:cNvPr>
-          <p:cNvSpPr>
-            <a:spLocks noGrp="1"/>
-          </p:cNvSpPr>
-          <p:nvPr>
-            <p:ph type="title"/>
-          </p:nvPr>
-        </p:nvSpPr>
-        <p:spPr/>
-        <p:txBody>
-          <a:bodyPr/>
-          <a:lstStyle/>
-          <a:p>
-            <a:r>
-              <a:rPr lang="bs-Latn-BA" dirty="0"/>
-              <a:t>Two sides</a:t>
-            </a:r>
-            <a:endParaRPr lang="en-US" dirty="0"/>
-          </a:p>
-        </p:txBody>
-      </p:sp>
-      <p:sp>
-        <p:nvSpPr>
-          <p:cNvPr id="4" name="Slide Number Placeholder 3">
-            <a:extLst>
-              <a:ext uri="{FF2B5EF4-FFF2-40B4-BE49-F238E27FC236}">
-                <a16:creationId xmlns:a16="http://schemas.microsoft.com/office/drawing/2014/main" id="{7658BEF0-F774-4A14-846F-7ADB9625F36B}"/>
-              </a:ext>
-            </a:extLst>
-          </p:cNvPr>
-          <p:cNvSpPr>
-            <a:spLocks noGrp="1"/>
-          </p:cNvSpPr>
-          <p:nvPr>
-            <p:ph type="sldNum" sz="quarter" idx="12"/>
-          </p:nvPr>
-        </p:nvSpPr>
-        <p:spPr/>
-        <p:txBody>
-          <a:bodyPr/>
-          <a:lstStyle/>
-          <a:p>
-            <a:fld id="{4B64EC4D-37E3-EF42-B9AB-6337577588CB}" type="slidenum">
-              <a:rPr lang="de-DE" smtClean="0"/>
-              <a:t>9</a:t>
-            </a:fld>
-            <a:endParaRPr lang="de-DE" dirty="0"/>
-          </a:p>
-        </p:txBody>
-      </p:sp>
-      <p:sp>
-        <p:nvSpPr>
-          <p:cNvPr id="5" name="TextBox 4">
-            <a:extLst>
-              <a:ext uri="{FF2B5EF4-FFF2-40B4-BE49-F238E27FC236}">
-                <a16:creationId xmlns:a16="http://schemas.microsoft.com/office/drawing/2014/main" id="{1515D4BF-C476-FD96-7322-1EDC1F4F3FB0}"/>
-              </a:ext>
-            </a:extLst>
-          </p:cNvPr>
-          <p:cNvSpPr txBox="1"/>
-          <p:nvPr/>
-        </p:nvSpPr>
-        <p:spPr>
-          <a:xfrm>
-            <a:off x="1545544" y="2273080"/>
-            <a:ext cx="4600075" cy="369332"/>
-          </a:xfrm>
-          <a:prstGeom prst="rect">
-            <a:avLst/>
-          </a:prstGeom>
-          <a:noFill/>
-        </p:spPr>
-        <p:txBody>
-          <a:bodyPr wrap="square" lIns="0" rtlCol="0">
-            <a:spAutoFit/>
-          </a:bodyPr>
-          <a:lstStyle/>
-          <a:p>
-            <a:r>
-              <a:rPr lang="bs-Latn-BA" sz="1800" b="1" dirty="0"/>
-              <a:t>Title 1</a:t>
-            </a:r>
-          </a:p>
-        </p:txBody>
-      </p:sp>
-      <p:sp>
-        <p:nvSpPr>
-          <p:cNvPr id="6" name="TextBox 5">
-            <a:extLst>
-              <a:ext uri="{FF2B5EF4-FFF2-40B4-BE49-F238E27FC236}">
-                <a16:creationId xmlns:a16="http://schemas.microsoft.com/office/drawing/2014/main" id="{FBBEEA48-4584-776D-6ED2-7BAEBD5DCD1D}"/>
-              </a:ext>
-            </a:extLst>
-          </p:cNvPr>
-          <p:cNvSpPr txBox="1"/>
-          <p:nvPr/>
-        </p:nvSpPr>
-        <p:spPr>
-          <a:xfrm>
-            <a:off x="1545544" y="2717867"/>
-            <a:ext cx="4600075" cy="1323439"/>
-          </a:xfrm>
-          <a:prstGeom prst="rect">
-            <a:avLst/>
-          </a:prstGeom>
-          <a:noFill/>
-        </p:spPr>
-        <p:txBody>
-          <a:bodyPr wrap="square" lIns="0" rtlCol="0">
-            <a:spAutoFit/>
-          </a:bodyPr>
-          <a:lstStyle/>
-          <a:p>
-            <a:r>
-              <a:rPr lang="bs-Latn-BA" sz="1600" dirty="0"/>
-              <a:t>Lorem ipsum dolor sit amet, consectetur adipiscing elit, sed do eiusmod tempor incididunt ut labore et dolore magna aliqua. Ut enim ad minim veniam, quis nostrud exercitation ullamco laboris nisi ut aliquip ex ea commodo consequat.</a:t>
-            </a:r>
-          </a:p>
-        </p:txBody>
-      </p:sp>
-      <p:sp>
-        <p:nvSpPr>
-          <p:cNvPr id="9" name="TextBox 8">
-            <a:extLst>
-              <a:ext uri="{FF2B5EF4-FFF2-40B4-BE49-F238E27FC236}">
-                <a16:creationId xmlns:a16="http://schemas.microsoft.com/office/drawing/2014/main" id="{79640C16-BA81-9A67-F37F-4170CE8645B3}"/>
-              </a:ext>
-            </a:extLst>
-          </p:cNvPr>
-          <p:cNvSpPr txBox="1"/>
-          <p:nvPr/>
-        </p:nvSpPr>
-        <p:spPr>
-          <a:xfrm>
-            <a:off x="6792506" y="2273080"/>
-            <a:ext cx="4600075" cy="369332"/>
-          </a:xfrm>
-          <a:prstGeom prst="rect">
-            <a:avLst/>
-          </a:prstGeom>
-          <a:noFill/>
-        </p:spPr>
-        <p:txBody>
-          <a:bodyPr wrap="square" lIns="0" rtlCol="0">
-            <a:spAutoFit/>
-          </a:bodyPr>
-          <a:lstStyle/>
-          <a:p>
-            <a:r>
-              <a:rPr lang="bs-Latn-BA" sz="1800" b="1" dirty="0"/>
-              <a:t>Title 2</a:t>
-            </a:r>
-          </a:p>
-        </p:txBody>
-      </p:sp>
-      <p:sp>
-        <p:nvSpPr>
-          <p:cNvPr id="10" name="TextBox 9">
-            <a:extLst>
-              <a:ext uri="{FF2B5EF4-FFF2-40B4-BE49-F238E27FC236}">
-                <a16:creationId xmlns:a16="http://schemas.microsoft.com/office/drawing/2014/main" id="{71A273AC-67E5-0422-FA07-85CEAB4C2824}"/>
-              </a:ext>
-            </a:extLst>
-          </p:cNvPr>
-          <p:cNvSpPr txBox="1"/>
-          <p:nvPr/>
-        </p:nvSpPr>
-        <p:spPr>
-          <a:xfrm>
-            <a:off x="6792506" y="2717867"/>
-            <a:ext cx="4600075" cy="1323439"/>
-          </a:xfrm>
-          <a:prstGeom prst="rect">
-            <a:avLst/>
-          </a:prstGeom>
-          <a:noFill/>
-        </p:spPr>
-        <p:txBody>
-          <a:bodyPr wrap="square" lIns="0" rtlCol="0">
-            <a:spAutoFit/>
-          </a:bodyPr>
-          <a:lstStyle/>
-          <a:p>
-            <a:r>
-              <a:rPr lang="bs-Latn-BA" sz="1600"/>
-              <a:t>Lorem ipsum dolor sit amet, consectetur adipiscing elit, sed do eiusmod tempor incididunt ut labore et dolore magna aliqua. Ut enim ad minim veniam, quis nostrud exercitation ullamco laboris nisi ut aliquip ex ea commodo consequat.</a:t>
-            </a:r>
-            <a:endParaRPr lang="bs-Latn-BA" sz="1600" dirty="0"/>
-          </a:p>
-        </p:txBody>
-      </p:sp>
-    </p:spTree>
-    <p:extLst>
-      <p:ext uri="{BB962C8B-B14F-4D97-AF65-F5344CB8AC3E}">
-        <p14:creationId xmlns:p14="http://schemas.microsoft.com/office/powerpoint/2010/main" val="10497992"/>
-      </p:ext>
-    </p:extLst>
-  </p:cSld>
-  <p:clrMapOvr>
-    <a:masterClrMapping/>
-  </p:clrMapOvr>
+  <mc:AlternateContent xmlns:mc="http://schemas.openxmlformats.org/markup-compatibility/2006">
+    <mc:Choice xmlns:p159="http://schemas.microsoft.com/office/powerpoint/2015/09/main" Requires="p159">
+      <p:transition xmlns:p14="http://schemas.microsoft.com/office/powerpoint/2010/main" spd="slow" p14:dur="2000">
+        <p159:morph option="byObject"/>
+      </p:transition>
+    </mc:Choice>
+    <mc:Fallback>
+      <p:transition spd="slow">
+        <p:fade/>
+      </p:transition>
+    </mc:Fallback>
+  </mc:AlternateContent>
   <p:timing>
     <p:tnLst>
       <p:par>
@@ -6687,7 +6384,7 @@
                                           </p:stCondLst>
                                         </p:cTn>
                                         <p:tgtEl>
-                                          <p:spTgt spid="5"/>
+                                          <p:spTgt spid="16"/>
                                         </p:tgtEl>
                                         <p:attrNameLst>
                                           <p:attrName>style.visibility</p:attrName>
@@ -6701,7 +6398,7 @@
                                       <p:cBhvr>
                                         <p:cTn id="7" dur="500"/>
                                         <p:tgtEl>
-                                          <p:spTgt spid="5"/>
+                                          <p:spTgt spid="16"/>
                                         </p:tgtEl>
                                       </p:cBhvr>
                                     </p:animEffect>
@@ -6722,7 +6419,7 @@
                                           </p:stCondLst>
                                         </p:cTn>
                                         <p:tgtEl>
-                                          <p:spTgt spid="6"/>
+                                          <p:spTgt spid="17"/>
                                         </p:tgtEl>
                                         <p:attrNameLst>
                                           <p:attrName>style.visibility</p:attrName>
@@ -6736,40 +6433,57 @@
                                       <p:cBhvr>
                                         <p:cTn id="10" dur="500"/>
                                         <p:tgtEl>
-                                          <p:spTgt spid="6"/>
+                                          <p:spTgt spid="17"/>
                                         </p:tgtEl>
                                       </p:cBhvr>
                                     </p:animEffect>
                                   </p:childTnLst>
                                 </p:cTn>
                               </p:par>
-                            </p:childTnLst>
-                          </p:cTn>
-                        </p:par>
-                      </p:childTnLst>
-                    </p:cTn>
-                  </p:par>
-                  <p:par>
-                    <p:cTn id="11" fill="hold">
-                      <p:stCondLst>
-                        <p:cond delay="indefinite"/>
-                      </p:stCondLst>
-                      <p:childTnLst>
-                        <p:par>
-                          <p:cTn id="12" fill="hold">
-                            <p:stCondLst>
-                              <p:cond delay="0"/>
-                            </p:stCondLst>
-                            <p:childTnLst>
                               <p:par>
-                                <p:cTn id="13" presetID="10" presetClass="entr" presetSubtype="0" fill="hold" grpId="0" nodeType="clickEffect">
+                                <p:cTn id="11" presetID="10" presetClass="entr" presetSubtype="0" fill="hold" grpId="0" nodeType="withEffect">
                                   <p:stCondLst>
                                     <p:cond delay="0"/>
                                   </p:stCondLst>
                                   <p:childTnLst>
                                     <p:set>
                                       <p:cBhvr>
-                                        <p:cTn id="14" dur="1" fill="hold">
+                                        <p:cTn id="12" dur="1" fill="hold">
+                                          <p:stCondLst>
+                                            <p:cond delay="0"/>
+                                          </p:stCondLst>
+                                        </p:cTn>
+                                        <p:tgtEl>
+                                          <p:spTgt spid="18"/>
+                                        </p:tgtEl>
+                                        <p:attrNameLst>
+                                          <p:attrName>style.visibility</p:attrName>
+                                        </p:attrNameLst>
+                                      </p:cBhvr>
+                                      <p:to>
+                                        <p:strVal val="visible"/>
+                                      </p:to>
+                                    </p:set>
+                                    <p:animEffect transition="in" filter="fade">
+                                      <p:cBhvr>
+                                        <p:cTn id="13" dur="500"/>
+                                        <p:tgtEl>
+                                          <p:spTgt spid="18"/>
+                                        </p:tgtEl>
+                                      </p:cBhvr>
+                                    </p:animEffect>
+                                  </p:childTnLst>
+                                </p:cTn>
+                              </p:par>
+                              <p:par>
+                                <p:cTn id="14" presetID="10" presetClass="entr" presetSubtype="0" fill="hold" grpId="0" nodeType="withEffect">
+                                  <p:stCondLst>
+                                    <p:cond delay="0"/>
+                                  </p:stCondLst>
+                                  <p:childTnLst>
+                                    <p:set>
+                                      <p:cBhvr>
+                                        <p:cTn id="15" dur="1" fill="hold">
                                           <p:stCondLst>
                                             <p:cond delay="0"/>
                                           </p:stCondLst>
@@ -6787,44 +6501,9 @@
                                     </p:set>
                                     <p:animEffect transition="in" filter="fade">
                                       <p:cBhvr>
-                                        <p:cTn id="15" dur="500"/>
+                                        <p:cTn id="16" dur="500"/>
                                         <p:tgtEl>
                                           <p:spTgt spid="9"/>
-                                        </p:tgtEl>
-                                      </p:cBhvr>
-                                    </p:animEffect>
-                                  </p:childTnLst>
-                                </p:cTn>
-                              </p:par>
-                              <p:par>
-                                <p:cTn id="16" presetID="10" presetClass="entr" presetSubtype="0" fill="hold" grpId="0" nodeType="withEffect">
-                                  <p:stCondLst>
-                                    <p:cond delay="0"/>
-                                  </p:stCondLst>
-                                  <p:childTnLst>
-                                    <p:set>
-                                      <p:cBhvr>
-                                        <p:cTn id="17" dur="1" fill="hold">
-                                          <p:stCondLst>
-                                            <p:cond delay="0"/>
-                                          </p:stCondLst>
-                                        </p:cTn>
-                                        <p:tgtEl>
-                                          <p:spTgt spid="10"/>
-                                        </p:tgtEl>
-                                        <p:attrNameLst>
-                                          <p:attrName>style.visibility</p:attrName>
-                                        </p:attrNameLst>
-                                      </p:cBhvr>
-                                      <p:to>
-                                        <p:strVal val="visible"/>
-                                      </p:to>
-                                    </p:set>
-                                    <p:animEffect transition="in" filter="fade">
-                                      <p:cBhvr>
-                                        <p:cTn id="18" dur="500"/>
-                                        <p:tgtEl>
-                                          <p:spTgt spid="10"/>
                                         </p:tgtEl>
                                       </p:cBhvr>
                                     </p:animEffect>
@@ -6859,10 +6538,10 @@
       </p:par>
     </p:tnLst>
     <p:bldLst>
-      <p:bldP spid="5" grpId="0"/>
-      <p:bldP spid="6" grpId="0"/>
       <p:bldP spid="9" grpId="0"/>
-      <p:bldP spid="10" grpId="0"/>
+      <p:bldP spid="16" grpId="0"/>
+      <p:bldP spid="17" grpId="0"/>
+      <p:bldP spid="18" grpId="0"/>
     </p:bldLst>
   </p:timing>
 </p:sld>

--- a/presentation.pptx
+++ b/presentation.pptx
@@ -5,20 +5,19 @@
     <p:sldMasterId id="2147483648" r:id="rId1"/>
   </p:sldMasterIdLst>
   <p:notesMasterIdLst>
-    <p:notesMasterId r:id="rId10"/>
+    <p:notesMasterId r:id="rId9"/>
   </p:notesMasterIdLst>
   <p:handoutMasterIdLst>
-    <p:handoutMasterId r:id="rId11"/>
+    <p:handoutMasterId r:id="rId10"/>
   </p:handoutMasterIdLst>
   <p:sldIdLst>
     <p:sldId id="266" r:id="rId2"/>
     <p:sldId id="413" r:id="rId3"/>
     <p:sldId id="420" r:id="rId4"/>
     <p:sldId id="424" r:id="rId5"/>
-    <p:sldId id="419" r:id="rId6"/>
-    <p:sldId id="421" r:id="rId7"/>
-    <p:sldId id="423" r:id="rId8"/>
-    <p:sldId id="422" r:id="rId9"/>
+    <p:sldId id="421" r:id="rId6"/>
+    <p:sldId id="423" r:id="rId7"/>
+    <p:sldId id="422" r:id="rId8"/>
   </p:sldIdLst>
   <p:sldSz cx="12938125" cy="7315200"/>
   <p:notesSz cx="6858000" cy="9144000"/>
@@ -294,7 +293,7 @@
           <a:p>
             <a:fld id="{250C9E9C-1806-3D45-8625-F0002340C4C2}" type="slidenum">
               <a:rPr lang="de-DE" smtClean="0"/>
-              <a:t>‹#›</a:t>
+              <a:t>‹Nr.›</a:t>
             </a:fld>
             <a:endParaRPr lang="de-DE"/>
           </a:p>
@@ -553,7 +552,7 @@
           <a:p>
             <a:fld id="{5DACABA8-235B-9747-A3D2-12573A6AFA9D}" type="slidenum">
               <a:rPr lang="de-DE" smtClean="0"/>
-              <a:t>‹#›</a:t>
+              <a:t>‹Nr.›</a:t>
             </a:fld>
             <a:endParaRPr lang="de-DE"/>
           </a:p>
@@ -1148,14 +1147,14 @@
           </a:ln>
           <a:extLst>
             <a:ext uri="{909E8E84-426E-40dd-AFC4-6F175D3DCCD1}">
-              <a14:hiddenFill xmlns="" xmlns:a14="http://schemas.microsoft.com/office/drawing/2010/main">
+              <a14:hiddenFill xmlns:a14="http://schemas.microsoft.com/office/drawing/2010/main" xmlns="">
                 <a:solidFill>
                   <a:srgbClr val="FFFFFF"/>
                 </a:solidFill>
               </a14:hiddenFill>
             </a:ext>
             <a:ext uri="{91240B29-F687-4f45-9708-019B960494DF}">
-              <a14:hiddenLine xmlns="" xmlns:a14="http://schemas.microsoft.com/office/drawing/2010/main" w="9525">
+              <a14:hiddenLine xmlns:a14="http://schemas.microsoft.com/office/drawing/2010/main" xmlns="" w="9525">
                 <a:solidFill>
                   <a:srgbClr val="000000"/>
                 </a:solidFill>
@@ -1439,7 +1438,7 @@
           <a:p>
             <a:fld id="{4B64EC4D-37E3-EF42-B9AB-6337577588CB}" type="slidenum">
               <a:rPr lang="de-DE" smtClean="0"/>
-              <a:t>‹#›</a:t>
+              <a:t>‹Nr.›</a:t>
             </a:fld>
             <a:endParaRPr lang="de-DE"/>
           </a:p>
@@ -1811,7 +1810,7 @@
             <a:fld id="{4B64EC4D-37E3-EF42-B9AB-6337577588CB}" type="slidenum">
               <a:rPr lang="de-DE" smtClean="0"/>
               <a:pPr/>
-              <a:t>‹#›</a:t>
+              <a:t>‹Nr.›</a:t>
             </a:fld>
             <a:endParaRPr lang="de-DE" dirty="0"/>
           </a:p>
@@ -2205,13 +2204,13 @@
   <p:clrMapOvr>
     <a:masterClrMapping/>
   </p:clrMapOvr>
-  <mc:AlternateContent xmlns:mc="http://schemas.openxmlformats.org/markup-compatibility/2006">
-    <mc:Choice xmlns:p159="http://schemas.microsoft.com/office/powerpoint/2015/09/main" Requires="p159">
+  <mc:AlternateContent xmlns:mc="http://schemas.openxmlformats.org/markup-compatibility/2006" xmlns:p159="http://schemas.microsoft.com/office/powerpoint/2015/09/main">
+    <mc:Choice Requires="p159">
       <p:transition xmlns:p14="http://schemas.microsoft.com/office/powerpoint/2010/main" spd="slow" p14:dur="2000">
         <p159:morph option="byObject"/>
       </p:transition>
     </mc:Choice>
-    <mc:Fallback>
+    <mc:Fallback xmlns="">
       <p:transition spd="slow">
         <p:fade/>
       </p:transition>
@@ -2310,7 +2309,7 @@
         <p:spPr>
           <a:xfrm>
             <a:off x="1377108" y="1591671"/>
-            <a:ext cx="10653311" cy="3170099"/>
+            <a:ext cx="10653311" cy="2862322"/>
           </a:xfrm>
           <a:prstGeom prst="rect">
             <a:avLst/>
@@ -2324,98 +2323,98 @@
           <a:lstStyle/>
           <a:p>
             <a:pPr marL="342900" indent="-342900">
-              <a:buFont typeface="Arial" panose="020B0604020202020204" pitchFamily="34" charset="0"/>
-              <a:buChar char="•"/>
+              <a:buFont typeface="Wingdings" panose="05000000000000000000" pitchFamily="2" charset="2"/>
+              <a:buChar char="§"/>
             </a:pPr>
             <a:r>
-              <a:rPr lang="en-GB" sz="2000" dirty="0"/>
+              <a:rPr lang="en-GB" sz="1800" dirty="0"/>
               <a:t>Simulate traffic congestion in an urban area</a:t>
             </a:r>
           </a:p>
           <a:p>
             <a:pPr marL="990981" lvl="1" indent="-342900">
-              <a:buFont typeface="Arial" panose="020B0604020202020204" pitchFamily="34" charset="0"/>
-              <a:buChar char="•"/>
+              <a:buFont typeface="Wingdings" panose="05000000000000000000" pitchFamily="2" charset="2"/>
+              <a:buChar char="§"/>
             </a:pPr>
             <a:r>
-              <a:rPr lang="en-GB" sz="2000" dirty="0"/>
+              <a:rPr lang="en-GB" sz="1800" dirty="0"/>
               <a:t>Predominately in smaller city</a:t>
             </a:r>
           </a:p>
           <a:p>
             <a:pPr marL="990981" lvl="1" indent="-342900">
-              <a:buFont typeface="Arial" panose="020B0604020202020204" pitchFamily="34" charset="0"/>
-              <a:buChar char="•"/>
+              <a:buFont typeface="Wingdings" panose="05000000000000000000" pitchFamily="2" charset="2"/>
+              <a:buChar char="§"/>
             </a:pPr>
-            <a:endParaRPr lang="en-GB" sz="2000" dirty="0"/>
+            <a:endParaRPr lang="en-GB" sz="1800" dirty="0"/>
           </a:p>
           <a:p>
             <a:pPr marL="342900" indent="-342900">
-              <a:buFont typeface="Arial" panose="020B0604020202020204" pitchFamily="34" charset="0"/>
-              <a:buChar char="•"/>
+              <a:buFont typeface="Wingdings" panose="05000000000000000000" pitchFamily="2" charset="2"/>
+              <a:buChar char="§"/>
             </a:pPr>
             <a:r>
-              <a:rPr lang="en-GB" sz="2000" dirty="0"/>
+              <a:rPr lang="en-GB" sz="1800" dirty="0"/>
               <a:t>Simulate a possible improvement to the traffic problem</a:t>
             </a:r>
           </a:p>
           <a:p>
             <a:pPr marL="990981" lvl="1" indent="-342900">
-              <a:buFont typeface="Arial" panose="020B0604020202020204" pitchFamily="34" charset="0"/>
-              <a:buChar char="•"/>
+              <a:buFont typeface="Wingdings" panose="05000000000000000000" pitchFamily="2" charset="2"/>
+              <a:buChar char="§"/>
             </a:pPr>
             <a:r>
-              <a:rPr lang="en-GB" sz="2000" dirty="0"/>
+              <a:rPr lang="en-GB" sz="1800" dirty="0"/>
               <a:t>Expansion of already existing roads</a:t>
             </a:r>
           </a:p>
           <a:p>
             <a:pPr marL="990981" lvl="1" indent="-342900">
-              <a:buFont typeface="Arial" panose="020B0604020202020204" pitchFamily="34" charset="0"/>
-              <a:buChar char="•"/>
+              <a:buFont typeface="Wingdings" panose="05000000000000000000" pitchFamily="2" charset="2"/>
+              <a:buChar char="§"/>
             </a:pPr>
-            <a:endParaRPr lang="en-GB" sz="2000" dirty="0"/>
+            <a:endParaRPr lang="en-GB" sz="1800" dirty="0"/>
           </a:p>
           <a:p>
             <a:pPr marL="342900" indent="-342900">
-              <a:buFont typeface="Arial" panose="020B0604020202020204" pitchFamily="34" charset="0"/>
-              <a:buChar char="•"/>
+              <a:buFont typeface="Wingdings" panose="05000000000000000000" pitchFamily="2" charset="2"/>
+              <a:buChar char="§"/>
             </a:pPr>
             <a:r>
-              <a:rPr lang="en-GB" sz="2000" dirty="0"/>
+              <a:rPr lang="en-GB" sz="1800" dirty="0"/>
               <a:t>Potential benefit of improved infrastructure</a:t>
             </a:r>
           </a:p>
           <a:p>
             <a:pPr marL="990981" lvl="1" indent="-342900">
-              <a:buFont typeface="Arial" panose="020B0604020202020204" pitchFamily="34" charset="0"/>
-              <a:buChar char="•"/>
+              <a:buFont typeface="Wingdings" panose="05000000000000000000" pitchFamily="2" charset="2"/>
+              <a:buChar char="§"/>
             </a:pPr>
             <a:r>
-              <a:rPr lang="en-GB" sz="2000" dirty="0"/>
+              <a:rPr lang="en-GB" sz="1800" dirty="0"/>
               <a:t>Less travel time</a:t>
             </a:r>
           </a:p>
           <a:p>
             <a:pPr marL="990981" lvl="1" indent="-342900">
-              <a:buFont typeface="Arial" panose="020B0604020202020204" pitchFamily="34" charset="0"/>
-              <a:buChar char="•"/>
+              <a:buFont typeface="Wingdings" panose="05000000000000000000" pitchFamily="2" charset="2"/>
+              <a:buChar char="§"/>
             </a:pPr>
             <a:r>
-              <a:rPr lang="en-GB" sz="2000" dirty="0"/>
+              <a:rPr lang="en-GB" sz="1800" dirty="0"/>
               <a:t>Enhanced transportation network</a:t>
             </a:r>
           </a:p>
           <a:p>
             <a:pPr marL="990981" lvl="1" indent="-342900">
-              <a:buFont typeface="Arial" panose="020B0604020202020204" pitchFamily="34" charset="0"/>
-              <a:buChar char="•"/>
+              <a:buFont typeface="Wingdings" panose="05000000000000000000" pitchFamily="2" charset="2"/>
+              <a:buChar char="§"/>
             </a:pPr>
             <a:r>
-              <a:rPr lang="en-GB" sz="2000" dirty="0"/>
+              <a:rPr lang="en-GB" sz="1800" dirty="0"/>
               <a:t>Positive Influence on the city's development</a:t>
             </a:r>
-            <a:endParaRPr lang="en-AT" sz="2000" dirty="0" err="1"/>
+            <a:endParaRPr lang="en-AT" sz="1800" dirty="0" err="1"/>
           </a:p>
         </p:txBody>
       </p:sp>
@@ -2429,13 +2428,13 @@
   <p:clrMapOvr>
     <a:masterClrMapping/>
   </p:clrMapOvr>
-  <mc:AlternateContent xmlns:mc="http://schemas.openxmlformats.org/markup-compatibility/2006">
-    <mc:Choice xmlns:p159="http://schemas.microsoft.com/office/powerpoint/2015/09/main" Requires="p159">
+  <mc:AlternateContent xmlns:mc="http://schemas.openxmlformats.org/markup-compatibility/2006" xmlns:p159="http://schemas.microsoft.com/office/powerpoint/2015/09/main">
+    <mc:Choice Requires="p159">
       <p:transition xmlns:p14="http://schemas.microsoft.com/office/powerpoint/2010/main" spd="slow" p14:dur="2000">
         <p159:morph option="byObject"/>
       </p:transition>
     </mc:Choice>
-    <mc:Fallback>
+    <mc:Fallback xmlns="">
       <p:transition spd="slow">
         <p:fade/>
       </p:transition>
@@ -2592,7 +2591,7 @@
         <p:spPr>
           <a:xfrm>
             <a:off x="1255923" y="1591671"/>
-            <a:ext cx="6290631" cy="5016758"/>
+            <a:ext cx="6290631" cy="4524315"/>
           </a:xfrm>
           <a:prstGeom prst="rect">
             <a:avLst/>
@@ -2606,128 +2605,135 @@
           <a:lstStyle/>
           <a:p>
             <a:pPr marL="342900" indent="-342900">
-              <a:buFont typeface="Arial" panose="020B0604020202020204" pitchFamily="34" charset="0"/>
-              <a:buChar char="•"/>
+              <a:buFont typeface="Wingdings" panose="05000000000000000000" pitchFamily="2" charset="2"/>
+              <a:buChar char="§"/>
             </a:pPr>
             <a:r>
-              <a:rPr lang="en-GB" sz="2000" dirty="0"/>
+              <a:rPr lang="en-GB" sz="1800" dirty="0"/>
               <a:t>City of Oldenburg (2005) </a:t>
             </a:r>
           </a:p>
           <a:p>
             <a:pPr marL="990981" lvl="1" indent="-342900">
-              <a:buFont typeface="Arial" panose="020B0604020202020204" pitchFamily="34" charset="0"/>
-              <a:buChar char="•"/>
+              <a:buFont typeface="Wingdings" panose="05000000000000000000" pitchFamily="2" charset="2"/>
+              <a:buChar char="§"/>
             </a:pPr>
             <a:r>
-              <a:rPr lang="en-GB" sz="2000" dirty="0"/>
+              <a:rPr lang="en-GB" sz="1800" dirty="0"/>
               <a:t>6105 Nodes (Crossings)</a:t>
             </a:r>
           </a:p>
           <a:p>
             <a:pPr marL="990981" lvl="1" indent="-342900">
-              <a:buFont typeface="Arial" panose="020B0604020202020204" pitchFamily="34" charset="0"/>
-              <a:buChar char="•"/>
+              <a:buFont typeface="Wingdings" panose="05000000000000000000" pitchFamily="2" charset="2"/>
+              <a:buChar char="§"/>
             </a:pPr>
             <a:r>
-              <a:rPr lang="en-GB" sz="2000" dirty="0"/>
+              <a:rPr lang="en-GB" sz="1800" dirty="0"/>
               <a:t>7029 Edges (Roads)</a:t>
             </a:r>
           </a:p>
           <a:p>
             <a:pPr marL="990981" lvl="1" indent="-342900">
-              <a:buFont typeface="Arial" panose="020B0604020202020204" pitchFamily="34" charset="0"/>
-              <a:buChar char="•"/>
+              <a:buFont typeface="Wingdings" panose="05000000000000000000" pitchFamily="2" charset="2"/>
+              <a:buChar char="§"/>
             </a:pPr>
             <a:r>
-              <a:rPr lang="en-GB" sz="2000" dirty="0"/>
+              <a:rPr lang="en-GB" sz="1800" dirty="0"/>
               <a:t>About the size (inhabitants) of Salzburg</a:t>
             </a:r>
           </a:p>
           <a:p>
             <a:pPr marL="990981" lvl="1" indent="-342900">
-              <a:buFont typeface="Arial" panose="020B0604020202020204" pitchFamily="34" charset="0"/>
-              <a:buChar char="•"/>
+              <a:buFont typeface="Wingdings" panose="05000000000000000000" pitchFamily="2" charset="2"/>
+              <a:buChar char="§"/>
             </a:pPr>
-            <a:endParaRPr lang="en-GB" sz="2000" dirty="0"/>
+            <a:endParaRPr lang="en-GB" sz="1800" dirty="0"/>
           </a:p>
           <a:p>
             <a:pPr marL="342900" indent="-342900">
-              <a:buFont typeface="Arial" panose="020B0604020202020204" pitchFamily="34" charset="0"/>
-              <a:buChar char="•"/>
+              <a:buFont typeface="Wingdings" panose="05000000000000000000" pitchFamily="2" charset="2"/>
+              <a:buChar char="§"/>
             </a:pPr>
             <a:r>
-              <a:rPr lang="en-GB" sz="2000" dirty="0"/>
+              <a:rPr lang="en-GB" sz="1800" dirty="0"/>
               <a:t>Agent based simulation</a:t>
             </a:r>
           </a:p>
           <a:p>
             <a:pPr marL="342900" indent="-342900">
-              <a:buFont typeface="Arial" panose="020B0604020202020204" pitchFamily="34" charset="0"/>
-              <a:buChar char="•"/>
+              <a:buFont typeface="Wingdings" panose="05000000000000000000" pitchFamily="2" charset="2"/>
+              <a:buChar char="§"/>
             </a:pPr>
-            <a:endParaRPr lang="en-GB" sz="2000" dirty="0"/>
+            <a:endParaRPr lang="en-GB" sz="1800" dirty="0"/>
           </a:p>
           <a:p>
             <a:pPr marL="342900" indent="-342900">
-              <a:buFont typeface="Arial" panose="020B0604020202020204" pitchFamily="34" charset="0"/>
-              <a:buChar char="•"/>
+              <a:buFont typeface="Wingdings" panose="05000000000000000000" pitchFamily="2" charset="2"/>
+              <a:buChar char="§"/>
             </a:pPr>
             <a:r>
-              <a:rPr lang="en-GB" sz="2000" dirty="0"/>
+              <a:rPr lang="en-GB" sz="1800" dirty="0"/>
               <a:t>Baseline analysis on the unmodified dataset</a:t>
             </a:r>
           </a:p>
           <a:p>
             <a:pPr marL="990981" lvl="1" indent="-342900">
-              <a:buFont typeface="Arial" panose="020B0604020202020204" pitchFamily="34" charset="0"/>
-              <a:buChar char="•"/>
+              <a:buFont typeface="Wingdings" panose="05000000000000000000" pitchFamily="2" charset="2"/>
+              <a:buChar char="§"/>
             </a:pPr>
             <a:r>
-              <a:rPr lang="en-GB" sz="2000" dirty="0"/>
+              <a:rPr lang="en-GB" sz="1800" dirty="0"/>
               <a:t>Identify bottlenecks</a:t>
             </a:r>
           </a:p>
           <a:p>
             <a:pPr marL="990981" lvl="1" indent="-342900">
-              <a:buFont typeface="Arial" panose="020B0604020202020204" pitchFamily="34" charset="0"/>
-              <a:buChar char="•"/>
+              <a:buFont typeface="Wingdings" panose="05000000000000000000" pitchFamily="2" charset="2"/>
+              <a:buChar char="§"/>
             </a:pPr>
             <a:r>
-              <a:rPr lang="en-GB" sz="2000" dirty="0"/>
+              <a:rPr lang="en-GB" sz="1800" dirty="0"/>
               <a:t>Determine which roads to expand</a:t>
             </a:r>
           </a:p>
           <a:p>
             <a:pPr marL="990981" lvl="1" indent="-342900">
-              <a:buFont typeface="Arial" panose="020B0604020202020204" pitchFamily="34" charset="0"/>
-              <a:buChar char="•"/>
+              <a:buFont typeface="Wingdings" panose="05000000000000000000" pitchFamily="2" charset="2"/>
+              <a:buChar char="§"/>
             </a:pPr>
-            <a:endParaRPr lang="en-GB" sz="2000" dirty="0"/>
+            <a:endParaRPr lang="en-GB" sz="1800" dirty="0"/>
           </a:p>
           <a:p>
             <a:pPr marL="342900" indent="-342900">
-              <a:buFont typeface="Arial" panose="020B0604020202020204" pitchFamily="34" charset="0"/>
-              <a:buChar char="•"/>
+              <a:buFont typeface="Wingdings" panose="05000000000000000000" pitchFamily="2" charset="2"/>
+              <a:buChar char="§"/>
             </a:pPr>
             <a:r>
-              <a:rPr lang="en-GB" sz="2000" dirty="0"/>
+              <a:rPr lang="en-GB" sz="1800" dirty="0"/>
               <a:t>Determine if the efficiency has been improved with the expansion of the road to a highway</a:t>
             </a:r>
           </a:p>
           <a:p>
-            <a:endParaRPr lang="en-GB" sz="2000" dirty="0"/>
-          </a:p>
-          <a:p>
-            <a:pPr lvl="1"/>
-            <a:endParaRPr lang="en-GB" sz="2000" dirty="0"/>
+            <a:pPr marL="342900" indent="-342900">
+              <a:buFont typeface="Wingdings" panose="05000000000000000000" pitchFamily="2" charset="2"/>
+              <a:buChar char="§"/>
+            </a:pPr>
+            <a:endParaRPr lang="en-GB" sz="1800" dirty="0"/>
           </a:p>
           <a:p>
             <a:pPr marL="990981" lvl="1" indent="-342900">
-              <a:buFont typeface="Arial" panose="020B0604020202020204" pitchFamily="34" charset="0"/>
-              <a:buChar char="•"/>
+              <a:buFont typeface="Wingdings" panose="05000000000000000000" pitchFamily="2" charset="2"/>
+              <a:buChar char="§"/>
             </a:pPr>
-            <a:endParaRPr lang="en-GB" sz="2000" dirty="0"/>
+            <a:endParaRPr lang="en-GB" sz="1800" dirty="0"/>
+          </a:p>
+          <a:p>
+            <a:pPr marL="990981" lvl="1" indent="-342900">
+              <a:buFont typeface="Wingdings" panose="05000000000000000000" pitchFamily="2" charset="2"/>
+              <a:buChar char="§"/>
+            </a:pPr>
+            <a:endParaRPr lang="en-GB" sz="1800" dirty="0"/>
           </a:p>
         </p:txBody>
       </p:sp>
@@ -2741,13 +2747,13 @@
   <p:clrMapOvr>
     <a:masterClrMapping/>
   </p:clrMapOvr>
-  <mc:AlternateContent xmlns:mc="http://schemas.openxmlformats.org/markup-compatibility/2006">
-    <mc:Choice xmlns:p159="http://schemas.microsoft.com/office/powerpoint/2015/09/main" Requires="p159">
+  <mc:AlternateContent xmlns:mc="http://schemas.openxmlformats.org/markup-compatibility/2006" xmlns:p159="http://schemas.microsoft.com/office/powerpoint/2015/09/main">
+    <mc:Choice Requires="p159">
       <p:transition xmlns:p14="http://schemas.microsoft.com/office/powerpoint/2010/main" spd="slow" p14:dur="2000">
         <p159:morph option="byObject"/>
       </p:transition>
     </mc:Choice>
-    <mc:Fallback>
+    <mc:Fallback xmlns="">
       <p:transition spd="slow">
         <p:fade/>
       </p:transition>
@@ -2862,10 +2868,10 @@
       </p:pic>
       <p:sp>
         <p:nvSpPr>
-          <p:cNvPr id="5" name="TextBox 4">
+          <p:cNvPr id="6" name="TextBox 5">
             <a:extLst>
               <a:ext uri="{FF2B5EF4-FFF2-40B4-BE49-F238E27FC236}">
-                <a16:creationId xmlns:a16="http://schemas.microsoft.com/office/drawing/2014/main" id="{F4883D65-779E-A74D-9EF7-221862032848}"/>
+                <a16:creationId xmlns:a16="http://schemas.microsoft.com/office/drawing/2014/main" id="{D4B5C24B-A148-3A50-3DA2-6B751F6A0773}"/>
               </a:ext>
             </a:extLst>
           </p:cNvPr>
@@ -2874,8 +2880,8 @@
         </p:nvSpPr>
         <p:spPr>
           <a:xfrm>
-            <a:off x="1545544" y="2273080"/>
-            <a:ext cx="4600075" cy="369332"/>
+            <a:off x="1545544" y="2717867"/>
+            <a:ext cx="4600075" cy="584775"/>
           </a:xfrm>
           <a:prstGeom prst="rect">
             <a:avLst/>
@@ -2888,42 +2894,6 @@
           </a:bodyPr>
           <a:lstStyle/>
           <a:p>
-            <a:r>
-              <a:rPr lang="en-AT" sz="1800" b="1" dirty="0"/>
-              <a:t>Algorithm</a:t>
-            </a:r>
-            <a:endParaRPr lang="bs-Latn-BA" sz="1800" b="1" dirty="0"/>
-          </a:p>
-        </p:txBody>
-      </p:sp>
-      <p:sp>
-        <p:nvSpPr>
-          <p:cNvPr id="6" name="TextBox 5">
-            <a:extLst>
-              <a:ext uri="{FF2B5EF4-FFF2-40B4-BE49-F238E27FC236}">
-                <a16:creationId xmlns:a16="http://schemas.microsoft.com/office/drawing/2014/main" id="{D4B5C24B-A148-3A50-3DA2-6B751F6A0773}"/>
-              </a:ext>
-            </a:extLst>
-          </p:cNvPr>
-          <p:cNvSpPr txBox="1"/>
-          <p:nvPr/>
-        </p:nvSpPr>
-        <p:spPr>
-          <a:xfrm>
-            <a:off x="1545544" y="2717867"/>
-            <a:ext cx="4600075" cy="830997"/>
-          </a:xfrm>
-          <a:prstGeom prst="rect">
-            <a:avLst/>
-          </a:prstGeom>
-          <a:noFill/>
-        </p:spPr>
-        <p:txBody>
-          <a:bodyPr wrap="square" lIns="0" rtlCol="0">
-            <a:spAutoFit/>
-          </a:bodyPr>
-          <a:lstStyle/>
-          <a:p>
             <a:pPr marL="285750" indent="-285750">
               <a:buFont typeface="Wingdings" panose="05000000000000000000" pitchFamily="2" charset="2"/>
               <a:buChar char="§"/>
@@ -2936,28 +2906,6 @@
               <a:buChar char="§"/>
             </a:pPr>
             <a:endParaRPr lang="en-AT" sz="1600" dirty="0"/>
-          </a:p>
-          <a:p>
-            <a:pPr marL="285750" indent="-285750">
-              <a:buFont typeface="Wingdings" panose="05000000000000000000" pitchFamily="2" charset="2"/>
-              <a:buChar char="§"/>
-            </a:pPr>
-            <a:r>
-              <a:rPr lang="en-AT" sz="1600" dirty="0"/>
-              <a:t>Find the </a:t>
-            </a:r>
-            <a:r>
-              <a:rPr lang="en-AT" sz="1600" dirty="0">
-                <a:solidFill>
-                  <a:srgbClr val="FF0000"/>
-                </a:solidFill>
-              </a:rPr>
-              <a:t>shortest paths</a:t>
-            </a:r>
-            <a:r>
-              <a:rPr lang="en-AT" sz="1600" dirty="0"/>
-              <a:t> between the pairs</a:t>
-            </a:r>
           </a:p>
         </p:txBody>
       </p:sp>
@@ -3539,8 +3487,8 @@
         </p:nvSpPr>
         <p:spPr>
           <a:xfrm>
-            <a:off x="1545544" y="2712854"/>
-            <a:ext cx="4600075" cy="338554"/>
+            <a:off x="1347424" y="1656037"/>
+            <a:ext cx="6179227" cy="4473019"/>
           </a:xfrm>
           <a:prstGeom prst="rect">
             <a:avLst/>
@@ -3553,23 +3501,164 @@
           </a:bodyPr>
           <a:lstStyle/>
           <a:p>
+            <a:r>
+              <a:rPr lang="en-AT" sz="1800" b="1" dirty="0"/>
+              <a:t>Algorithm</a:t>
+            </a:r>
+            <a:endParaRPr lang="bs-Latn-BA" sz="1800" b="1" dirty="0"/>
+          </a:p>
+          <a:p>
             <a:pPr marL="285750" indent="-285750">
               <a:buFont typeface="Wingdings" panose="05000000000000000000" pitchFamily="2" charset="2"/>
               <a:buChar char="§"/>
             </a:pPr>
-            <a:r>
-              <a:rPr lang="en-AT" sz="1600" dirty="0"/>
+            <a:endParaRPr lang="en-GB" sz="1800" dirty="0"/>
+          </a:p>
+          <a:p>
+            <a:pPr marL="285750" indent="-285750">
+              <a:lnSpc>
+                <a:spcPct val="150000"/>
+              </a:lnSpc>
+              <a:buFont typeface="Wingdings" panose="05000000000000000000" pitchFamily="2" charset="2"/>
+              <a:buChar char="§"/>
+            </a:pPr>
+            <a:r>
+              <a:rPr lang="en-AT" sz="1800" dirty="0"/>
               <a:t>Find n furthest </a:t>
             </a:r>
             <a:r>
-              <a:rPr lang="en-AT" sz="1600" dirty="0">
+              <a:rPr lang="en-AT" sz="1800" dirty="0">
                 <a:solidFill>
                   <a:srgbClr val="FF0000"/>
                 </a:solidFill>
               </a:rPr>
               <a:t>node pairs</a:t>
             </a:r>
-            <a:endParaRPr lang="en-AT" sz="1600" dirty="0"/>
+            <a:endParaRPr lang="en-GB" sz="1800" dirty="0">
+              <a:solidFill>
+                <a:srgbClr val="FF0000"/>
+              </a:solidFill>
+            </a:endParaRPr>
+          </a:p>
+          <a:p>
+            <a:pPr marL="285750" indent="-285750">
+              <a:lnSpc>
+                <a:spcPct val="150000"/>
+              </a:lnSpc>
+              <a:buFont typeface="Wingdings" panose="05000000000000000000" pitchFamily="2" charset="2"/>
+              <a:buChar char="§"/>
+            </a:pPr>
+            <a:r>
+              <a:rPr lang="en-AT" sz="1800" dirty="0"/>
+              <a:t>Find the </a:t>
+            </a:r>
+            <a:r>
+              <a:rPr lang="en-AT" sz="1800" dirty="0">
+                <a:solidFill>
+                  <a:srgbClr val="FF0000"/>
+                </a:solidFill>
+              </a:rPr>
+              <a:t>shortest paths</a:t>
+            </a:r>
+            <a:r>
+              <a:rPr lang="en-AT" sz="1800" dirty="0"/>
+              <a:t> between the pairs</a:t>
+            </a:r>
+            <a:endParaRPr lang="en-GB" sz="1800" dirty="0"/>
+          </a:p>
+          <a:p>
+            <a:pPr marL="285750" indent="-285750">
+              <a:lnSpc>
+                <a:spcPct val="150000"/>
+              </a:lnSpc>
+              <a:buFont typeface="Wingdings" panose="05000000000000000000" pitchFamily="2" charset="2"/>
+              <a:buChar char="§"/>
+            </a:pPr>
+            <a:r>
+              <a:rPr lang="en-AT" sz="1800" dirty="0"/>
+              <a:t>Pick m </a:t>
+            </a:r>
+            <a:r>
+              <a:rPr lang="en-AT" sz="1800" b="1" dirty="0"/>
+              <a:t>most visited edges</a:t>
+            </a:r>
+            <a:endParaRPr lang="en-GB" sz="1800" b="1" dirty="0"/>
+          </a:p>
+          <a:p>
+            <a:pPr marL="285750" indent="-285750">
+              <a:lnSpc>
+                <a:spcPct val="150000"/>
+              </a:lnSpc>
+              <a:buFont typeface="Wingdings" panose="05000000000000000000" pitchFamily="2" charset="2"/>
+              <a:buChar char="§"/>
+            </a:pPr>
+            <a:r>
+              <a:rPr lang="en-GB" sz="1800" dirty="0"/>
+              <a:t>Adapt their attributes to simulate highways</a:t>
+            </a:r>
+          </a:p>
+          <a:p>
+            <a:pPr marL="285750" indent="-285750">
+              <a:lnSpc>
+                <a:spcPct val="150000"/>
+              </a:lnSpc>
+              <a:buFont typeface="Wingdings" panose="05000000000000000000" pitchFamily="2" charset="2"/>
+              <a:buChar char="§"/>
+            </a:pPr>
+            <a:r>
+              <a:rPr lang="en-GB" sz="1800" dirty="0"/>
+              <a:t>Compare metrics for different setups</a:t>
+            </a:r>
+            <a:endParaRPr lang="bs-Latn-BA" sz="1800" dirty="0"/>
+          </a:p>
+          <a:p>
+            <a:endParaRPr lang="en-GB" sz="1800" dirty="0"/>
+          </a:p>
+          <a:p>
+            <a:r>
+              <a:rPr lang="en-GB" sz="1800" b="1" dirty="0"/>
+              <a:t>Metrics</a:t>
+            </a:r>
+          </a:p>
+          <a:p>
+            <a:pPr marL="285750" indent="-285750">
+              <a:lnSpc>
+                <a:spcPct val="150000"/>
+              </a:lnSpc>
+              <a:buFont typeface="Wingdings" panose="05000000000000000000" pitchFamily="2" charset="2"/>
+              <a:buChar char="§"/>
+            </a:pPr>
+            <a:r>
+              <a:rPr lang="en-GB" sz="1800" dirty="0"/>
+              <a:t>Average shortest path (weights/ lengths)</a:t>
+            </a:r>
+          </a:p>
+          <a:p>
+            <a:pPr marL="285750" indent="-285750">
+              <a:lnSpc>
+                <a:spcPct val="150000"/>
+              </a:lnSpc>
+              <a:buFont typeface="Wingdings" panose="05000000000000000000" pitchFamily="2" charset="2"/>
+              <a:buChar char="§"/>
+            </a:pPr>
+            <a:r>
+              <a:rPr lang="en-GB" sz="1800" dirty="0"/>
+              <a:t>Graph resilience</a:t>
+            </a:r>
+          </a:p>
+          <a:p>
+            <a:pPr marL="285750" indent="-285750">
+              <a:lnSpc>
+                <a:spcPct val="150000"/>
+              </a:lnSpc>
+              <a:buFont typeface="Wingdings" panose="05000000000000000000" pitchFamily="2" charset="2"/>
+              <a:buChar char="§"/>
+            </a:pPr>
+            <a:r>
+              <a:rPr lang="en-GB" sz="1800" dirty="0"/>
+              <a:t>Degree</a:t>
+            </a:r>
+            <a:endParaRPr lang="en-AT" sz="1800" dirty="0"/>
           </a:p>
         </p:txBody>
       </p:sp>
@@ -3739,10 +3828,15 @@
                             </p:stCondLst>
                             <p:childTnLst>
                               <p:par>
-                                <p:cTn id="16" presetID="10" presetClass="entr" presetSubtype="0" fill="hold" grpId="0" nodeType="clickEffect">
+                                <p:cTn id="16" presetID="10" presetClass="entr" presetSubtype="0" fill="hold" grpId="0" nodeType="clickEffect" nodePh="1">
                                   <p:stCondLst>
                                     <p:cond delay="0"/>
                                   </p:stCondLst>
+                                  <p:endCondLst>
+                                    <p:cond evt="begin" delay="0">
+                                      <p:tn val="16"/>
+                                    </p:cond>
+                                  </p:endCondLst>
                                   <p:childTnLst>
                                     <p:set>
                                       <p:cBhvr>
@@ -3862,116 +3956,6 @@
       </p:grpSpPr>
       <p:sp>
         <p:nvSpPr>
-          <p:cNvPr id="35" name="TextBox 34">
-            <a:extLst>
-              <a:ext uri="{FF2B5EF4-FFF2-40B4-BE49-F238E27FC236}">
-                <a16:creationId xmlns:a16="http://schemas.microsoft.com/office/drawing/2014/main" id="{A30D720E-29E6-26E4-586D-1E95DC9A3D74}"/>
-              </a:ext>
-            </a:extLst>
-          </p:cNvPr>
-          <p:cNvSpPr txBox="1"/>
-          <p:nvPr/>
-        </p:nvSpPr>
-        <p:spPr>
-          <a:xfrm>
-            <a:off x="1545544" y="2717867"/>
-            <a:ext cx="4600075" cy="2308324"/>
-          </a:xfrm>
-          <a:prstGeom prst="rect">
-            <a:avLst/>
-          </a:prstGeom>
-          <a:noFill/>
-        </p:spPr>
-        <p:txBody>
-          <a:bodyPr wrap="square" lIns="0" rtlCol="0">
-            <a:spAutoFit/>
-          </a:bodyPr>
-          <a:lstStyle/>
-          <a:p>
-            <a:endParaRPr lang="en-AT" sz="1600" dirty="0"/>
-          </a:p>
-          <a:p>
-            <a:endParaRPr lang="en-AT" sz="1600" dirty="0"/>
-          </a:p>
-          <a:p>
-            <a:endParaRPr lang="en-AT" sz="1600" dirty="0"/>
-          </a:p>
-          <a:p>
-            <a:endParaRPr lang="en-AT" sz="1600" dirty="0"/>
-          </a:p>
-          <a:p>
-            <a:pPr marL="285750" indent="-285750">
-              <a:buFont typeface="Wingdings" panose="05000000000000000000" pitchFamily="2" charset="2"/>
-              <a:buChar char="§"/>
-            </a:pPr>
-            <a:endParaRPr lang="en-AT" sz="1600" dirty="0"/>
-          </a:p>
-          <a:p>
-            <a:pPr marL="285750" indent="-285750">
-              <a:buFont typeface="Wingdings" panose="05000000000000000000" pitchFamily="2" charset="2"/>
-              <a:buChar char="§"/>
-            </a:pPr>
-            <a:endParaRPr lang="en-AT" sz="1600" dirty="0"/>
-          </a:p>
-          <a:p>
-            <a:pPr marL="285750" indent="-285750">
-              <a:buFont typeface="Wingdings" panose="05000000000000000000" pitchFamily="2" charset="2"/>
-              <a:buChar char="§"/>
-            </a:pPr>
-            <a:endParaRPr lang="en-AT" sz="1600" dirty="0"/>
-          </a:p>
-          <a:p>
-            <a:pPr marL="285750" indent="-285750">
-              <a:buFont typeface="Wingdings" panose="05000000000000000000" pitchFamily="2" charset="2"/>
-              <a:buChar char="§"/>
-            </a:pPr>
-            <a:r>
-              <a:rPr lang="en-AT" sz="1600" dirty="0"/>
-              <a:t>Pick m </a:t>
-            </a:r>
-            <a:r>
-              <a:rPr lang="en-AT" sz="1600" b="1" dirty="0"/>
-              <a:t>most visited edges</a:t>
-            </a:r>
-            <a:r>
-              <a:rPr lang="en-AT" sz="1600" dirty="0"/>
-              <a:t> and lower their length</a:t>
-            </a:r>
-            <a:endParaRPr lang="bs-Latn-BA" sz="1600" dirty="0"/>
-          </a:p>
-        </p:txBody>
-      </p:sp>
-      <p:pic>
-        <p:nvPicPr>
-          <p:cNvPr id="37" name="Picture 36" descr="A map of a city&#10;&#10;Description automatically generated">
-            <a:extLst>
-              <a:ext uri="{FF2B5EF4-FFF2-40B4-BE49-F238E27FC236}">
-                <a16:creationId xmlns:a16="http://schemas.microsoft.com/office/drawing/2014/main" id="{7104ADF6-F511-F4C0-980E-A3EC182C3596}"/>
-              </a:ext>
-            </a:extLst>
-          </p:cNvPr>
-          <p:cNvPicPr>
-            <a:picLocks noChangeAspect="1"/>
-          </p:cNvPicPr>
-          <p:nvPr/>
-        </p:nvPicPr>
-        <p:blipFill rotWithShape="1">
-          <a:blip r:embed="rId2"/>
-          <a:srcRect l="15873" t="17368" r="15735" b="14368"/>
-          <a:stretch/>
-        </p:blipFill>
-        <p:spPr>
-          <a:xfrm>
-            <a:off x="8133906" y="2007984"/>
-            <a:ext cx="3880885" cy="3873389"/>
-          </a:xfrm>
-          <a:prstGeom prst="rect">
-            <a:avLst/>
-          </a:prstGeom>
-        </p:spPr>
-      </p:pic>
-      <p:sp>
-        <p:nvSpPr>
           <p:cNvPr id="2" name="Title 1">
             <a:extLst>
               <a:ext uri="{FF2B5EF4-FFF2-40B4-BE49-F238E27FC236}">
@@ -3992,8 +3976,8 @@
           <a:lstStyle/>
           <a:p>
             <a:r>
-              <a:rPr lang="bs-Latn-BA" dirty="0"/>
-              <a:t>Methodology</a:t>
+              <a:rPr lang="en-AT" dirty="0"/>
+              <a:t>Results</a:t>
             </a:r>
             <a:endParaRPr lang="en-US" dirty="0"/>
           </a:p>
@@ -4028,41 +4012,12 @@
           </a:p>
         </p:txBody>
       </p:sp>
-      <p:pic>
-        <p:nvPicPr>
-          <p:cNvPr id="3" name="Picture 2" descr="A map of a city&#10;&#10;Description automatically generated">
+      <p:sp>
+        <p:nvSpPr>
+          <p:cNvPr id="3" name="TextBox 2">
             <a:extLst>
               <a:ext uri="{FF2B5EF4-FFF2-40B4-BE49-F238E27FC236}">
-                <a16:creationId xmlns:a16="http://schemas.microsoft.com/office/drawing/2014/main" id="{FE86A2EF-4E4C-58D9-3709-9920B57800F9}"/>
-              </a:ext>
-            </a:extLst>
-          </p:cNvPr>
-          <p:cNvPicPr>
-            <a:picLocks noChangeAspect="1"/>
-          </p:cNvPicPr>
-          <p:nvPr/>
-        </p:nvPicPr>
-        <p:blipFill rotWithShape="1">
-          <a:blip r:embed="rId3"/>
-          <a:srcRect l="18567" t="17412" r="15978" b="16596"/>
-          <a:stretch/>
-        </p:blipFill>
-        <p:spPr>
-          <a:xfrm>
-            <a:off x="13577221" y="1968591"/>
-            <a:ext cx="3880885" cy="3912782"/>
-          </a:xfrm>
-          <a:prstGeom prst="rect">
-            <a:avLst/>
-          </a:prstGeom>
-        </p:spPr>
-      </p:pic>
-      <p:sp>
-        <p:nvSpPr>
-          <p:cNvPr id="5" name="TextBox 4">
-            <a:extLst>
-              <a:ext uri="{FF2B5EF4-FFF2-40B4-BE49-F238E27FC236}">
-                <a16:creationId xmlns:a16="http://schemas.microsoft.com/office/drawing/2014/main" id="{F4883D65-779E-A74D-9EF7-221862032848}"/>
+                <a16:creationId xmlns:a16="http://schemas.microsoft.com/office/drawing/2014/main" id="{6EF3D63B-0AD4-EB4C-E6A2-26CF7307089E}"/>
               </a:ext>
             </a:extLst>
           </p:cNvPr>
@@ -4072,7 +4027,7 @@
         <p:spPr>
           <a:xfrm>
             <a:off x="1545544" y="2273080"/>
-            <a:ext cx="4600075" cy="369332"/>
+            <a:ext cx="4600075" cy="400110"/>
           </a:xfrm>
           <a:prstGeom prst="rect">
             <a:avLst/>
@@ -4086,19 +4041,19 @@
           <a:lstStyle/>
           <a:p>
             <a:r>
-              <a:rPr lang="en-AT" sz="1800" b="1" dirty="0"/>
-              <a:t>Algorithm</a:t>
-            </a:r>
-            <a:endParaRPr lang="bs-Latn-BA" sz="1800" b="1" dirty="0"/>
+              <a:rPr lang="en-AT" sz="2000" b="1" dirty="0"/>
+              <a:t>Shortest paths</a:t>
+            </a:r>
+            <a:endParaRPr lang="bs-Latn-BA" sz="2000" b="1" dirty="0"/>
           </a:p>
         </p:txBody>
       </p:sp>
       <p:sp>
         <p:nvSpPr>
-          <p:cNvPr id="6" name="TextBox 5">
+          <p:cNvPr id="12" name="TextBox 11">
             <a:extLst>
               <a:ext uri="{FF2B5EF4-FFF2-40B4-BE49-F238E27FC236}">
-                <a16:creationId xmlns:a16="http://schemas.microsoft.com/office/drawing/2014/main" id="{D4B5C24B-A148-3A50-3DA2-6B751F6A0773}"/>
+                <a16:creationId xmlns:a16="http://schemas.microsoft.com/office/drawing/2014/main" id="{6353C1FB-8A2E-23A8-01AC-72317A7C237C}"/>
               </a:ext>
             </a:extLst>
           </p:cNvPr>
@@ -4107,8 +4062,8 @@
         </p:nvSpPr>
         <p:spPr>
           <a:xfrm>
-            <a:off x="1545544" y="2717867"/>
-            <a:ext cx="4600075" cy="1569660"/>
+            <a:off x="6792506" y="2273080"/>
+            <a:ext cx="4600075" cy="400110"/>
           </a:xfrm>
           <a:prstGeom prst="rect">
             <a:avLst/>
@@ -4121,482 +4076,11 @@
           </a:bodyPr>
           <a:lstStyle/>
           <a:p>
-            <a:endParaRPr lang="en-AT" sz="1600" dirty="0"/>
-          </a:p>
-          <a:p>
-            <a:endParaRPr lang="en-AT" sz="1600" dirty="0"/>
-          </a:p>
-          <a:p>
-            <a:endParaRPr lang="en-AT" sz="1600" dirty="0"/>
-          </a:p>
-          <a:p>
-            <a:endParaRPr lang="en-AT" sz="1600" dirty="0"/>
-          </a:p>
-          <a:p>
-            <a:pPr marL="285750" indent="-285750">
-              <a:buFont typeface="Wingdings" panose="05000000000000000000" pitchFamily="2" charset="2"/>
-              <a:buChar char="§"/>
-            </a:pPr>
-            <a:r>
-              <a:rPr lang="en-AT" sz="1600" dirty="0"/>
-              <a:t>Construct a </a:t>
-            </a:r>
-            <a:r>
-              <a:rPr lang="en-AT" sz="1600" b="1" dirty="0">
-                <a:highlight>
-                  <a:srgbClr val="FFFFFF"/>
-                </a:highlight>
-              </a:rPr>
-              <a:t>heatmap</a:t>
-            </a:r>
-            <a:r>
-              <a:rPr lang="en-AT" sz="1600" dirty="0"/>
-              <a:t> of the most visited edges</a:t>
-            </a:r>
-            <a:endParaRPr lang="bs-Latn-BA" sz="1600" dirty="0"/>
-          </a:p>
-        </p:txBody>
-      </p:sp>
-      <p:pic>
-        <p:nvPicPr>
-          <p:cNvPr id="8" name="Graphic 7" descr="Marker with solid fill">
-            <a:extLst>
-              <a:ext uri="{FF2B5EF4-FFF2-40B4-BE49-F238E27FC236}">
-                <a16:creationId xmlns:a16="http://schemas.microsoft.com/office/drawing/2014/main" id="{B5F74511-C3C2-21F7-F0CD-50F66112AD38}"/>
-              </a:ext>
-            </a:extLst>
-          </p:cNvPr>
-          <p:cNvPicPr>
-            <a:picLocks noChangeAspect="1"/>
-          </p:cNvPicPr>
-          <p:nvPr/>
-        </p:nvPicPr>
-        <p:blipFill>
-          <a:blip r:embed="rId4">
-            <a:extLst>
-              <a:ext uri="{96DAC541-7B7A-43D3-8B79-37D633B846F1}">
-                <asvg:svgBlip xmlns:asvg="http://schemas.microsoft.com/office/drawing/2016/SVG/main" r:embed="rId5"/>
-              </a:ext>
-            </a:extLst>
-          </a:blip>
-          <a:stretch>
-            <a:fillRect/>
-          </a:stretch>
-        </p:blipFill>
-        <p:spPr>
-          <a:xfrm>
-            <a:off x="15517663" y="5336491"/>
-            <a:ext cx="544882" cy="544882"/>
-          </a:xfrm>
-          <a:prstGeom prst="rect">
-            <a:avLst/>
-          </a:prstGeom>
-        </p:spPr>
-      </p:pic>
-      <p:pic>
-        <p:nvPicPr>
-          <p:cNvPr id="9" name="Graphic 8" descr="Marker with solid fill">
-            <a:extLst>
-              <a:ext uri="{FF2B5EF4-FFF2-40B4-BE49-F238E27FC236}">
-                <a16:creationId xmlns:a16="http://schemas.microsoft.com/office/drawing/2014/main" id="{F11C7FB5-4DEC-4FFF-6D5A-9E47D4FCC37D}"/>
-              </a:ext>
-            </a:extLst>
-          </p:cNvPr>
-          <p:cNvPicPr>
-            <a:picLocks noChangeAspect="1"/>
-          </p:cNvPicPr>
-          <p:nvPr/>
-        </p:nvPicPr>
-        <p:blipFill>
-          <a:blip r:embed="rId4">
-            <a:extLst>
-              <a:ext uri="{96DAC541-7B7A-43D3-8B79-37D633B846F1}">
-                <asvg:svgBlip xmlns:asvg="http://schemas.microsoft.com/office/drawing/2016/SVG/main" r:embed="rId5"/>
-              </a:ext>
-            </a:extLst>
-          </a:blip>
-          <a:stretch>
-            <a:fillRect/>
-          </a:stretch>
-        </p:blipFill>
-        <p:spPr>
-          <a:xfrm>
-            <a:off x="15403400" y="1571974"/>
-            <a:ext cx="544882" cy="544882"/>
-          </a:xfrm>
-          <a:prstGeom prst="rect">
-            <a:avLst/>
-          </a:prstGeom>
-        </p:spPr>
-      </p:pic>
-      <p:sp>
-        <p:nvSpPr>
-          <p:cNvPr id="33" name="TextBox 32">
-            <a:extLst>
-              <a:ext uri="{FF2B5EF4-FFF2-40B4-BE49-F238E27FC236}">
-                <a16:creationId xmlns:a16="http://schemas.microsoft.com/office/drawing/2014/main" id="{1C4D7E09-FE3F-7058-02D3-7F6A1ACFFB4A}"/>
-              </a:ext>
-            </a:extLst>
-          </p:cNvPr>
-          <p:cNvSpPr txBox="1"/>
-          <p:nvPr/>
-        </p:nvSpPr>
-        <p:spPr>
-          <a:xfrm>
-            <a:off x="1545544" y="2717867"/>
-            <a:ext cx="4600075" cy="830997"/>
-          </a:xfrm>
-          <a:prstGeom prst="rect">
-            <a:avLst/>
-          </a:prstGeom>
-          <a:noFill/>
-        </p:spPr>
-        <p:txBody>
-          <a:bodyPr wrap="square" lIns="0" rtlCol="0">
-            <a:spAutoFit/>
-          </a:bodyPr>
-          <a:lstStyle/>
-          <a:p>
-            <a:pPr marL="285750" indent="-285750">
-              <a:buFont typeface="Wingdings" panose="05000000000000000000" pitchFamily="2" charset="2"/>
-              <a:buChar char="§"/>
-            </a:pPr>
-            <a:endParaRPr lang="en-AT" sz="1600" dirty="0"/>
-          </a:p>
-          <a:p>
-            <a:pPr marL="285750" indent="-285750">
-              <a:buFont typeface="Wingdings" panose="05000000000000000000" pitchFamily="2" charset="2"/>
-              <a:buChar char="§"/>
-            </a:pPr>
-            <a:endParaRPr lang="en-AT" sz="1600" dirty="0"/>
-          </a:p>
-          <a:p>
-            <a:pPr marL="285750" indent="-285750">
-              <a:buFont typeface="Wingdings" panose="05000000000000000000" pitchFamily="2" charset="2"/>
-              <a:buChar char="§"/>
-            </a:pPr>
-            <a:r>
-              <a:rPr lang="en-AT" sz="1600" dirty="0"/>
-              <a:t>Find the </a:t>
-            </a:r>
-            <a:r>
-              <a:rPr lang="en-AT" sz="1600" dirty="0">
-                <a:solidFill>
-                  <a:srgbClr val="FF0000"/>
-                </a:solidFill>
-              </a:rPr>
-              <a:t>shortest paths</a:t>
-            </a:r>
-            <a:r>
-              <a:rPr lang="en-AT" sz="1600" dirty="0"/>
-              <a:t> between the pairs</a:t>
-            </a:r>
-          </a:p>
-        </p:txBody>
-      </p:sp>
-      <p:sp>
-        <p:nvSpPr>
-          <p:cNvPr id="34" name="TextBox 33">
-            <a:extLst>
-              <a:ext uri="{FF2B5EF4-FFF2-40B4-BE49-F238E27FC236}">
-                <a16:creationId xmlns:a16="http://schemas.microsoft.com/office/drawing/2014/main" id="{D04D6095-E65D-1600-F16F-E91004DFFC07}"/>
-              </a:ext>
-            </a:extLst>
-          </p:cNvPr>
-          <p:cNvSpPr txBox="1"/>
-          <p:nvPr/>
-        </p:nvSpPr>
-        <p:spPr>
-          <a:xfrm>
-            <a:off x="1545544" y="2712854"/>
-            <a:ext cx="4600075" cy="338554"/>
-          </a:xfrm>
-          <a:prstGeom prst="rect">
-            <a:avLst/>
-          </a:prstGeom>
-          <a:noFill/>
-        </p:spPr>
-        <p:txBody>
-          <a:bodyPr wrap="square" lIns="0" rtlCol="0">
-            <a:spAutoFit/>
-          </a:bodyPr>
-          <a:lstStyle/>
-          <a:p>
-            <a:pPr marL="285750" indent="-285750">
-              <a:buFont typeface="Wingdings" panose="05000000000000000000" pitchFamily="2" charset="2"/>
-              <a:buChar char="§"/>
-            </a:pPr>
-            <a:r>
-              <a:rPr lang="en-AT" sz="1600" dirty="0"/>
-              <a:t>Find n furthest </a:t>
-            </a:r>
-            <a:r>
-              <a:rPr lang="en-AT" sz="1600" dirty="0">
-                <a:solidFill>
-                  <a:srgbClr val="FF0000"/>
-                </a:solidFill>
-              </a:rPr>
-              <a:t>node pairs</a:t>
-            </a:r>
-            <a:endParaRPr lang="en-AT" sz="1600" dirty="0"/>
-          </a:p>
-        </p:txBody>
-      </p:sp>
-    </p:spTree>
-    <p:extLst>
-      <p:ext uri="{BB962C8B-B14F-4D97-AF65-F5344CB8AC3E}">
-        <p14:creationId xmlns:p14="http://schemas.microsoft.com/office/powerpoint/2010/main" val="4054966976"/>
-      </p:ext>
-    </p:extLst>
-  </p:cSld>
-  <p:clrMapOvr>
-    <a:masterClrMapping/>
-  </p:clrMapOvr>
-  <mc:AlternateContent xmlns:mc="http://schemas.openxmlformats.org/markup-compatibility/2006">
-    <mc:Choice xmlns:p159="http://schemas.microsoft.com/office/powerpoint/2015/09/main" Requires="p159">
-      <p:transition xmlns:p14="http://schemas.microsoft.com/office/powerpoint/2010/main" spd="slow" p14:dur="2000">
-        <p159:morph option="byObject"/>
-      </p:transition>
-    </mc:Choice>
-    <mc:Fallback>
-      <p:transition spd="slow">
-        <p:fade/>
-      </p:transition>
-    </mc:Fallback>
-  </mc:AlternateContent>
-  <p:timing>
-    <p:tnLst>
-      <p:par>
-        <p:cTn id="1" dur="indefinite" restart="never" nodeType="tmRoot">
-          <p:childTnLst>
-            <p:seq concurrent="1" nextAc="seek">
-              <p:cTn id="2" dur="indefinite" nodeType="mainSeq">
-                <p:childTnLst>
-                  <p:par>
-                    <p:cTn id="3" fill="hold">
-                      <p:stCondLst>
-                        <p:cond delay="indefinite"/>
-                      </p:stCondLst>
-                      <p:childTnLst>
-                        <p:par>
-                          <p:cTn id="4" fill="hold">
-                            <p:stCondLst>
-                              <p:cond delay="0"/>
-                            </p:stCondLst>
-                            <p:childTnLst>
-                              <p:par>
-                                <p:cTn id="5" presetID="10" presetClass="entr" presetSubtype="0" fill="hold" grpId="0" nodeType="clickEffect">
-                                  <p:stCondLst>
-                                    <p:cond delay="0"/>
-                                  </p:stCondLst>
-                                  <p:childTnLst>
-                                    <p:set>
-                                      <p:cBhvr>
-                                        <p:cTn id="6" dur="1" fill="hold">
-                                          <p:stCondLst>
-                                            <p:cond delay="0"/>
-                                          </p:stCondLst>
-                                        </p:cTn>
-                                        <p:tgtEl>
-                                          <p:spTgt spid="35"/>
-                                        </p:tgtEl>
-                                        <p:attrNameLst>
-                                          <p:attrName>style.visibility</p:attrName>
-                                        </p:attrNameLst>
-                                      </p:cBhvr>
-                                      <p:to>
-                                        <p:strVal val="visible"/>
-                                      </p:to>
-                                    </p:set>
-                                    <p:animEffect transition="in" filter="fade">
-                                      <p:cBhvr>
-                                        <p:cTn id="7" dur="500"/>
-                                        <p:tgtEl>
-                                          <p:spTgt spid="35"/>
-                                        </p:tgtEl>
-                                      </p:cBhvr>
-                                    </p:animEffect>
-                                  </p:childTnLst>
-                                </p:cTn>
-                              </p:par>
-                            </p:childTnLst>
-                          </p:cTn>
-                        </p:par>
-                      </p:childTnLst>
-                    </p:cTn>
-                  </p:par>
-                </p:childTnLst>
-              </p:cTn>
-              <p:prevCondLst>
-                <p:cond evt="onPrev" delay="0">
-                  <p:tgtEl>
-                    <p:sldTgt/>
-                  </p:tgtEl>
-                </p:cond>
-              </p:prevCondLst>
-              <p:nextCondLst>
-                <p:cond evt="onNext" delay="0">
-                  <p:tgtEl>
-                    <p:sldTgt/>
-                  </p:tgtEl>
-                </p:cond>
-              </p:nextCondLst>
-            </p:seq>
-          </p:childTnLst>
-        </p:cTn>
-      </p:par>
-    </p:tnLst>
-    <p:bldLst>
-      <p:bldP spid="35" grpId="0"/>
-    </p:bldLst>
-  </p:timing>
-</p:sld>
-</file>
-
-<file path=ppt/slides/slide6.xml><?xml version="1.0" encoding="utf-8"?>
-<p:sld xmlns:a="http://schemas.openxmlformats.org/drawingml/2006/main" xmlns:r="http://schemas.openxmlformats.org/officeDocument/2006/relationships" xmlns:p="http://schemas.openxmlformats.org/presentationml/2006/main">
-  <p:cSld>
-    <p:spTree>
-      <p:nvGrpSpPr>
-        <p:cNvPr id="1" name=""/>
-        <p:cNvGrpSpPr/>
-        <p:nvPr/>
-      </p:nvGrpSpPr>
-      <p:grpSpPr>
-        <a:xfrm>
-          <a:off x="0" y="0"/>
-          <a:ext cx="0" cy="0"/>
-          <a:chOff x="0" y="0"/>
-          <a:chExt cx="0" cy="0"/>
-        </a:xfrm>
-      </p:grpSpPr>
-      <p:sp>
-        <p:nvSpPr>
-          <p:cNvPr id="2" name="Title 1">
-            <a:extLst>
-              <a:ext uri="{FF2B5EF4-FFF2-40B4-BE49-F238E27FC236}">
-                <a16:creationId xmlns:a16="http://schemas.microsoft.com/office/drawing/2014/main" id="{0A39B26F-5187-4B71-D442-12D260D7EF6A}"/>
-              </a:ext>
-            </a:extLst>
-          </p:cNvPr>
-          <p:cNvSpPr>
-            <a:spLocks noGrp="1"/>
-          </p:cNvSpPr>
-          <p:nvPr>
-            <p:ph type="title"/>
-          </p:nvPr>
-        </p:nvSpPr>
-        <p:spPr/>
-        <p:txBody>
-          <a:bodyPr/>
-          <a:lstStyle/>
-          <a:p>
-            <a:r>
-              <a:rPr lang="en-AT" dirty="0"/>
-              <a:t>Results</a:t>
-            </a:r>
-            <a:endParaRPr lang="en-US" dirty="0"/>
-          </a:p>
-        </p:txBody>
-      </p:sp>
-      <p:sp>
-        <p:nvSpPr>
-          <p:cNvPr id="4" name="Slide Number Placeholder 3">
-            <a:extLst>
-              <a:ext uri="{FF2B5EF4-FFF2-40B4-BE49-F238E27FC236}">
-                <a16:creationId xmlns:a16="http://schemas.microsoft.com/office/drawing/2014/main" id="{7658BEF0-F774-4A14-846F-7ADB9625F36B}"/>
-              </a:ext>
-            </a:extLst>
-          </p:cNvPr>
-          <p:cNvSpPr>
-            <a:spLocks noGrp="1"/>
-          </p:cNvSpPr>
-          <p:nvPr>
-            <p:ph type="sldNum" sz="quarter" idx="12"/>
-          </p:nvPr>
-        </p:nvSpPr>
-        <p:spPr/>
-        <p:txBody>
-          <a:bodyPr/>
-          <a:lstStyle/>
-          <a:p>
-            <a:fld id="{4B64EC4D-37E3-EF42-B9AB-6337577588CB}" type="slidenum">
-              <a:rPr lang="de-DE" smtClean="0"/>
-              <a:t>6</a:t>
-            </a:fld>
-            <a:endParaRPr lang="de-DE" dirty="0"/>
-          </a:p>
-        </p:txBody>
-      </p:sp>
-      <p:sp>
-        <p:nvSpPr>
-          <p:cNvPr id="3" name="TextBox 2">
-            <a:extLst>
-              <a:ext uri="{FF2B5EF4-FFF2-40B4-BE49-F238E27FC236}">
-                <a16:creationId xmlns:a16="http://schemas.microsoft.com/office/drawing/2014/main" id="{6EF3D63B-0AD4-EB4C-E6A2-26CF7307089E}"/>
-              </a:ext>
-            </a:extLst>
-          </p:cNvPr>
-          <p:cNvSpPr txBox="1"/>
-          <p:nvPr/>
-        </p:nvSpPr>
-        <p:spPr>
-          <a:xfrm>
-            <a:off x="1545544" y="2273080"/>
-            <a:ext cx="4600075" cy="369332"/>
-          </a:xfrm>
-          <a:prstGeom prst="rect">
-            <a:avLst/>
-          </a:prstGeom>
-          <a:noFill/>
-        </p:spPr>
-        <p:txBody>
-          <a:bodyPr wrap="square" lIns="0" rtlCol="0">
-            <a:spAutoFit/>
-          </a:bodyPr>
-          <a:lstStyle/>
-          <a:p>
-            <a:r>
-              <a:rPr lang="en-AT" sz="1800" b="1" dirty="0"/>
-              <a:t>Shortest paths</a:t>
-            </a:r>
-            <a:endParaRPr lang="bs-Latn-BA" sz="1800" b="1" dirty="0"/>
-          </a:p>
-        </p:txBody>
-      </p:sp>
-      <p:sp>
-        <p:nvSpPr>
-          <p:cNvPr id="12" name="TextBox 11">
-            <a:extLst>
-              <a:ext uri="{FF2B5EF4-FFF2-40B4-BE49-F238E27FC236}">
-                <a16:creationId xmlns:a16="http://schemas.microsoft.com/office/drawing/2014/main" id="{6353C1FB-8A2E-23A8-01AC-72317A7C237C}"/>
-              </a:ext>
-            </a:extLst>
-          </p:cNvPr>
-          <p:cNvSpPr txBox="1"/>
-          <p:nvPr/>
-        </p:nvSpPr>
-        <p:spPr>
-          <a:xfrm>
-            <a:off x="6792506" y="2273080"/>
-            <a:ext cx="4600075" cy="369332"/>
-          </a:xfrm>
-          <a:prstGeom prst="rect">
-            <a:avLst/>
-          </a:prstGeom>
-          <a:noFill/>
-        </p:spPr>
-        <p:txBody>
-          <a:bodyPr wrap="square" lIns="0" rtlCol="0">
-            <a:spAutoFit/>
-          </a:bodyPr>
-          <a:lstStyle/>
-          <a:p>
-            <a:r>
-              <a:rPr lang="en-AT" sz="1800" b="1" dirty="0"/>
+            <a:r>
+              <a:rPr lang="en-AT" sz="2000" b="1" dirty="0"/>
               <a:t>Highways</a:t>
             </a:r>
-            <a:endParaRPr lang="bs-Latn-BA" sz="1800" b="1" dirty="0"/>
+            <a:endParaRPr lang="bs-Latn-BA" sz="2000" b="1" dirty="0"/>
           </a:p>
         </p:txBody>
       </p:sp>
@@ -4673,7 +4157,7 @@
         <p:spPr>
           <a:xfrm>
             <a:off x="1545544" y="2717867"/>
-            <a:ext cx="4600075" cy="338554"/>
+            <a:ext cx="4600075" cy="369332"/>
           </a:xfrm>
           <a:prstGeom prst="rect">
             <a:avLst/>
@@ -4687,18 +4171,18 @@
           <a:lstStyle/>
           <a:p>
             <a:r>
-              <a:rPr lang="bs-Latn-BA" sz="1600" dirty="0"/>
+              <a:rPr lang="bs-Latn-BA" sz="1800" dirty="0"/>
               <a:t>A</a:t>
             </a:r>
             <a:r>
-              <a:rPr lang="en-AT" sz="1600" dirty="0" err="1"/>
+              <a:rPr lang="en-AT" sz="1800" dirty="0" err="1"/>
               <a:t>verage</a:t>
             </a:r>
             <a:r>
-              <a:rPr lang="en-AT" sz="1600" dirty="0"/>
+              <a:rPr lang="en-AT" sz="1800" dirty="0"/>
               <a:t> shortest path = 40.69</a:t>
             </a:r>
-            <a:endParaRPr lang="bs-Latn-BA" sz="1600" dirty="0"/>
+            <a:endParaRPr lang="bs-Latn-BA" sz="1800" dirty="0"/>
           </a:p>
         </p:txBody>
       </p:sp>
@@ -4717,7 +4201,7 @@
         <p:spPr>
           <a:xfrm>
             <a:off x="6792506" y="2717867"/>
-            <a:ext cx="4600075" cy="338554"/>
+            <a:ext cx="4600075" cy="369332"/>
           </a:xfrm>
           <a:prstGeom prst="rect">
             <a:avLst/>
@@ -4731,10 +4215,10 @@
           <a:lstStyle/>
           <a:p>
             <a:r>
-              <a:rPr lang="en-AT" sz="1600" dirty="0"/>
+              <a:rPr lang="en-AT" sz="1800" dirty="0"/>
               <a:t>Average shortest path = 31.05</a:t>
             </a:r>
-            <a:endParaRPr lang="bs-Latn-BA" sz="1600" dirty="0"/>
+            <a:endParaRPr lang="bs-Latn-BA" sz="1800" dirty="0"/>
           </a:p>
         </p:txBody>
       </p:sp>
@@ -4891,7 +4375,7 @@
         <p:spPr>
           <a:xfrm>
             <a:off x="1545544" y="1591671"/>
-            <a:ext cx="11038143" cy="338554"/>
+            <a:ext cx="11038143" cy="369332"/>
           </a:xfrm>
           <a:prstGeom prst="rect">
             <a:avLst/>
@@ -4905,10 +4389,10 @@
           <a:lstStyle/>
           <a:p>
             <a:r>
-              <a:rPr lang="en-AT" sz="1600" dirty="0"/>
+              <a:rPr lang="en-AT" sz="1800" dirty="0"/>
               <a:t>The shortest path is one with the least number of edges in it</a:t>
             </a:r>
-            <a:endParaRPr lang="bs-Latn-BA" sz="1600" dirty="0"/>
+            <a:endParaRPr lang="bs-Latn-BA" sz="1800" dirty="0"/>
           </a:p>
         </p:txBody>
       </p:sp>
@@ -4958,13 +4442,13 @@
   <p:clrMapOvr>
     <a:masterClrMapping/>
   </p:clrMapOvr>
-  <mc:AlternateContent xmlns:mc="http://schemas.openxmlformats.org/markup-compatibility/2006">
-    <mc:Choice xmlns:p159="http://schemas.microsoft.com/office/powerpoint/2015/09/main" Requires="p159">
+  <mc:AlternateContent xmlns:mc="http://schemas.openxmlformats.org/markup-compatibility/2006" xmlns:p159="http://schemas.microsoft.com/office/powerpoint/2015/09/main">
+    <mc:Choice Requires="p159">
       <p:transition xmlns:p14="http://schemas.microsoft.com/office/powerpoint/2010/main" spd="slow" p14:dur="2000">
         <p159:morph option="byObject"/>
       </p:transition>
     </mc:Choice>
-    <mc:Fallback>
+    <mc:Fallback xmlns="">
       <p:transition spd="slow">
         <p:fade/>
       </p:transition>
@@ -5130,7 +4614,7 @@
 </p:sld>
 </file>
 
-<file path=ppt/slides/slide7.xml><?xml version="1.0" encoding="utf-8"?>
+<file path=ppt/slides/slide6.xml><?xml version="1.0" encoding="utf-8"?>
 <p:sld xmlns:a="http://schemas.openxmlformats.org/drawingml/2006/main" xmlns:r="http://schemas.openxmlformats.org/officeDocument/2006/relationships" xmlns:p="http://schemas.openxmlformats.org/presentationml/2006/main">
   <p:cSld>
     <p:spTree>
@@ -5220,7 +4704,7 @@
         <p:spPr>
           <a:xfrm>
             <a:off x="1545544" y="2273080"/>
-            <a:ext cx="4600075" cy="369332"/>
+            <a:ext cx="4600075" cy="400110"/>
           </a:xfrm>
           <a:prstGeom prst="rect">
             <a:avLst/>
@@ -5234,10 +4718,10 @@
           <a:lstStyle/>
           <a:p>
             <a:r>
-              <a:rPr lang="en-AT" sz="1800" b="1" dirty="0"/>
+              <a:rPr lang="en-AT" sz="2000" b="1" dirty="0"/>
               <a:t>Shortest paths</a:t>
             </a:r>
-            <a:endParaRPr lang="bs-Latn-BA" sz="1800" b="1" dirty="0"/>
+            <a:endParaRPr lang="bs-Latn-BA" sz="2000" b="1" dirty="0"/>
           </a:p>
         </p:txBody>
       </p:sp>
@@ -5256,7 +4740,7 @@
         <p:spPr>
           <a:xfrm>
             <a:off x="6792506" y="2273080"/>
-            <a:ext cx="4600075" cy="369332"/>
+            <a:ext cx="4600075" cy="400110"/>
           </a:xfrm>
           <a:prstGeom prst="rect">
             <a:avLst/>
@@ -5270,10 +4754,10 @@
           <a:lstStyle/>
           <a:p>
             <a:r>
-              <a:rPr lang="en-AT" sz="1800" b="1" dirty="0"/>
+              <a:rPr lang="en-AT" sz="2000" b="1" dirty="0"/>
               <a:t>Highways</a:t>
             </a:r>
-            <a:endParaRPr lang="bs-Latn-BA" sz="1800" b="1" dirty="0"/>
+            <a:endParaRPr lang="bs-Latn-BA" sz="2000" b="1" dirty="0"/>
           </a:p>
         </p:txBody>
       </p:sp>
@@ -5350,7 +4834,7 @@
         <p:spPr>
           <a:xfrm>
             <a:off x="1545544" y="2717867"/>
-            <a:ext cx="4600075" cy="338554"/>
+            <a:ext cx="4600075" cy="369332"/>
           </a:xfrm>
           <a:prstGeom prst="rect">
             <a:avLst/>
@@ -5364,18 +4848,18 @@
           <a:lstStyle/>
           <a:p>
             <a:r>
-              <a:rPr lang="bs-Latn-BA" sz="1600" dirty="0"/>
+              <a:rPr lang="bs-Latn-BA" sz="1800" dirty="0"/>
               <a:t>A</a:t>
             </a:r>
             <a:r>
-              <a:rPr lang="en-AT" sz="1600" dirty="0" err="1"/>
+              <a:rPr lang="en-AT" sz="1800" dirty="0" err="1"/>
               <a:t>verage</a:t>
             </a:r>
             <a:r>
-              <a:rPr lang="en-AT" sz="1600" dirty="0"/>
+              <a:rPr lang="en-AT" sz="1800" dirty="0"/>
               <a:t> shortest path = 4667.39</a:t>
             </a:r>
-            <a:endParaRPr lang="bs-Latn-BA" sz="1600" dirty="0"/>
+            <a:endParaRPr lang="bs-Latn-BA" sz="1800" dirty="0"/>
           </a:p>
         </p:txBody>
       </p:sp>
@@ -5394,7 +4878,7 @@
         <p:spPr>
           <a:xfrm>
             <a:off x="6792506" y="2717867"/>
-            <a:ext cx="4600075" cy="338554"/>
+            <a:ext cx="4600075" cy="369332"/>
           </a:xfrm>
           <a:prstGeom prst="rect">
             <a:avLst/>
@@ -5408,10 +4892,10 @@
           <a:lstStyle/>
           <a:p>
             <a:r>
-              <a:rPr lang="en-AT" sz="1600" dirty="0"/>
+              <a:rPr lang="en-AT" sz="1800" dirty="0"/>
               <a:t>Average shortest path = 3538.07</a:t>
             </a:r>
-            <a:endParaRPr lang="bs-Latn-BA" sz="1600" dirty="0"/>
+            <a:endParaRPr lang="bs-Latn-BA" sz="1800" dirty="0"/>
           </a:p>
         </p:txBody>
       </p:sp>
@@ -5568,7 +5052,7 @@
         <p:spPr>
           <a:xfrm>
             <a:off x="1545544" y="1591671"/>
-            <a:ext cx="11038143" cy="338554"/>
+            <a:ext cx="11038143" cy="369332"/>
           </a:xfrm>
           <a:prstGeom prst="rect">
             <a:avLst/>
@@ -5582,10 +5066,10 @@
           <a:lstStyle/>
           <a:p>
             <a:r>
-              <a:rPr lang="en-AT" sz="1600" dirty="0"/>
+              <a:rPr lang="en-AT" sz="1800" dirty="0"/>
               <a:t>The shortest path is one with the shortest length</a:t>
             </a:r>
-            <a:endParaRPr lang="bs-Latn-BA" sz="1600" dirty="0"/>
+            <a:endParaRPr lang="bs-Latn-BA" sz="1800" dirty="0"/>
           </a:p>
         </p:txBody>
       </p:sp>
@@ -5635,13 +5119,13 @@
   <p:clrMapOvr>
     <a:masterClrMapping/>
   </p:clrMapOvr>
-  <mc:AlternateContent xmlns:mc="http://schemas.openxmlformats.org/markup-compatibility/2006">
-    <mc:Choice xmlns:p159="http://schemas.microsoft.com/office/powerpoint/2015/09/main" Requires="p159">
+  <mc:AlternateContent xmlns:mc="http://schemas.openxmlformats.org/markup-compatibility/2006" xmlns:p159="http://schemas.microsoft.com/office/powerpoint/2015/09/main">
+    <mc:Choice Requires="p159">
       <p:transition xmlns:p14="http://schemas.microsoft.com/office/powerpoint/2010/main" spd="slow" p14:dur="2000">
         <p159:morph option="byObject"/>
       </p:transition>
     </mc:Choice>
-    <mc:Fallback>
+    <mc:Fallback xmlns="">
       <p:transition spd="slow">
         <p:fade/>
       </p:transition>
@@ -5650,7 +5134,7 @@
 </p:sld>
 </file>
 
-<file path=ppt/slides/slide8.xml><?xml version="1.0" encoding="utf-8"?>
+<file path=ppt/slides/slide7.xml><?xml version="1.0" encoding="utf-8"?>
 <p:sld xmlns:a="http://schemas.openxmlformats.org/drawingml/2006/main" xmlns:r="http://schemas.openxmlformats.org/officeDocument/2006/relationships" xmlns:p="http://schemas.openxmlformats.org/presentationml/2006/main">
   <p:cSld>
     <p:spTree>
@@ -6338,13 +5822,13 @@
   <p:clrMapOvr>
     <a:masterClrMapping/>
   </p:clrMapOvr>
-  <mc:AlternateContent xmlns:mc="http://schemas.openxmlformats.org/markup-compatibility/2006">
-    <mc:Choice xmlns:p159="http://schemas.microsoft.com/office/powerpoint/2015/09/main" Requires="p159">
+  <mc:AlternateContent xmlns:mc="http://schemas.openxmlformats.org/markup-compatibility/2006" xmlns:p159="http://schemas.microsoft.com/office/powerpoint/2015/09/main">
+    <mc:Choice Requires="p159">
       <p:transition xmlns:p14="http://schemas.microsoft.com/office/powerpoint/2010/main" spd="slow" p14:dur="2000">
         <p159:morph option="byObject"/>
       </p:transition>
     </mc:Choice>
-    <mc:Fallback>
+    <mc:Fallback xmlns="">
       <p:transition spd="slow">
         <p:fade/>
       </p:transition>

--- a/presentation.pptx
+++ b/presentation.pptx
@@ -1147,14 +1147,14 @@
           </a:ln>
           <a:extLst>
             <a:ext uri="{909E8E84-426E-40dd-AFC4-6F175D3DCCD1}">
-              <a14:hiddenFill xmlns:a14="http://schemas.microsoft.com/office/drawing/2010/main" xmlns="">
+              <a14:hiddenFill xmlns="" xmlns:a14="http://schemas.microsoft.com/office/drawing/2010/main">
                 <a:solidFill>
                   <a:srgbClr val="FFFFFF"/>
                 </a:solidFill>
               </a14:hiddenFill>
             </a:ext>
             <a:ext uri="{91240B29-F687-4f45-9708-019B960494DF}">
-              <a14:hiddenLine xmlns:a14="http://schemas.microsoft.com/office/drawing/2010/main" xmlns="" w="9525">
+              <a14:hiddenLine xmlns="" xmlns:a14="http://schemas.microsoft.com/office/drawing/2010/main" w="9525">
                 <a:solidFill>
                   <a:srgbClr val="000000"/>
                 </a:solidFill>
@@ -3488,7 +3488,7 @@
         <p:spPr>
           <a:xfrm>
             <a:off x="1347424" y="1656037"/>
-            <a:ext cx="6179227" cy="4473019"/>
+            <a:ext cx="6179227" cy="4057521"/>
           </a:xfrm>
           <a:prstGeom prst="rect">
             <a:avLst/>
@@ -3502,8 +3502,8 @@
           <a:lstStyle/>
           <a:p>
             <a:r>
-              <a:rPr lang="en-AT" sz="1800" b="1" dirty="0"/>
-              <a:t>Algorithm</a:t>
+              <a:rPr lang="en-GB" sz="1800" b="1" dirty="0"/>
+              <a:t>General Approach</a:t>
             </a:r>
             <a:endParaRPr lang="bs-Latn-BA" sz="1800" b="1" dirty="0"/>
           </a:p>
@@ -3534,11 +3534,18 @@
               </a:rPr>
               <a:t>node pairs</a:t>
             </a:r>
-            <a:endParaRPr lang="en-GB" sz="1800" dirty="0">
-              <a:solidFill>
-                <a:srgbClr val="FF0000"/>
-              </a:solidFill>
-            </a:endParaRPr>
+            <a:r>
+              <a:rPr lang="en-GB" sz="1800" dirty="0">
+                <a:solidFill>
+                  <a:srgbClr val="FF0000"/>
+                </a:solidFill>
+              </a:rPr>
+              <a:t> </a:t>
+            </a:r>
+            <a:r>
+              <a:rPr lang="en-GB" sz="1800" dirty="0"/>
+              <a:t>(Euclidean)</a:t>
+            </a:r>
           </a:p>
           <a:p>
             <a:pPr marL="285750" indent="-285750">
@@ -3564,6 +3571,14 @@
               <a:rPr lang="en-AT" sz="1800" dirty="0"/>
               <a:t> between the pairs</a:t>
             </a:r>
+            <a:r>
+              <a:rPr lang="en-GB" sz="1800" dirty="0"/>
+              <a:t> (</a:t>
+            </a:r>
+            <a:r>
+              <a:rPr lang="en-GB" sz="1800" i="1" dirty="0"/>
+              <a:t>Dijkstra)</a:t>
+            </a:r>
             <a:endParaRPr lang="en-GB" sz="1800" dirty="0"/>
           </a:p>
           <a:p>
@@ -3594,7 +3609,7 @@
             </a:pPr>
             <a:r>
               <a:rPr lang="en-GB" sz="1800" dirty="0"/>
-              <a:t>Adapt their attributes to simulate highways</a:t>
+              <a:t>Adapt / add attributes to simulate highways</a:t>
             </a:r>
           </a:p>
           <a:p>
@@ -3630,7 +3645,7 @@
             </a:pPr>
             <a:r>
               <a:rPr lang="en-GB" sz="1800" dirty="0"/>
-              <a:t>Average shortest path (weights/ lengths)</a:t>
+              <a:t>Average shortest path</a:t>
             </a:r>
           </a:p>
           <a:p>
@@ -3645,20 +3660,6 @@
               <a:rPr lang="en-GB" sz="1800" dirty="0"/>
               <a:t>Graph resilience</a:t>
             </a:r>
-          </a:p>
-          <a:p>
-            <a:pPr marL="285750" indent="-285750">
-              <a:lnSpc>
-                <a:spcPct val="150000"/>
-              </a:lnSpc>
-              <a:buFont typeface="Wingdings" panose="05000000000000000000" pitchFamily="2" charset="2"/>
-              <a:buChar char="§"/>
-            </a:pPr>
-            <a:r>
-              <a:rPr lang="en-GB" sz="1800" dirty="0"/>
-              <a:t>Degree</a:t>
-            </a:r>
-            <a:endParaRPr lang="en-AT" sz="1800" dirty="0"/>
           </a:p>
         </p:txBody>
       </p:sp>

--- a/presentation.pptx
+++ b/presentation.pptx
@@ -1147,14 +1147,14 @@
           </a:ln>
           <a:extLst>
             <a:ext uri="{909E8E84-426E-40dd-AFC4-6F175D3DCCD1}">
-              <a14:hiddenFill xmlns="" xmlns:a14="http://schemas.microsoft.com/office/drawing/2010/main">
+              <a14:hiddenFill xmlns:a14="http://schemas.microsoft.com/office/drawing/2010/main" xmlns="">
                 <a:solidFill>
                   <a:srgbClr val="FFFFFF"/>
                 </a:solidFill>
               </a14:hiddenFill>
             </a:ext>
             <a:ext uri="{91240B29-F687-4f45-9708-019B960494DF}">
-              <a14:hiddenLine xmlns="" xmlns:a14="http://schemas.microsoft.com/office/drawing/2010/main" w="9525">
+              <a14:hiddenLine xmlns:a14="http://schemas.microsoft.com/office/drawing/2010/main" xmlns="" w="9525">
                 <a:solidFill>
                   <a:srgbClr val="000000"/>
                 </a:solidFill>
@@ -3488,7 +3488,7 @@
         <p:spPr>
           <a:xfrm>
             <a:off x="1347424" y="1656037"/>
-            <a:ext cx="6179227" cy="4057521"/>
+            <a:ext cx="6179227" cy="4888518"/>
           </a:xfrm>
           <a:prstGeom prst="rect">
             <a:avLst/>
@@ -3614,6 +3614,32 @@
           </a:p>
           <a:p>
             <a:pPr marL="285750" indent="-285750">
+              <a:lnSpc>
+                <a:spcPct val="150000"/>
+              </a:lnSpc>
+              <a:buFont typeface="Wingdings" panose="05000000000000000000" pitchFamily="2" charset="2"/>
+              <a:buChar char="§"/>
+            </a:pPr>
+            <a:r>
+              <a:rPr lang="en-GB" sz="1800" dirty="0"/>
+              <a:t>For different setups:</a:t>
+            </a:r>
+          </a:p>
+          <a:p>
+            <a:pPr marL="933831" lvl="1" indent="-285750">
+              <a:lnSpc>
+                <a:spcPct val="150000"/>
+              </a:lnSpc>
+              <a:buFont typeface="Wingdings" panose="05000000000000000000" pitchFamily="2" charset="2"/>
+              <a:buChar char="§"/>
+            </a:pPr>
+            <a:r>
+              <a:rPr lang="en-GB" sz="1800" dirty="0"/>
+              <a:t>Repeat finding shortest paths &amp; visualize</a:t>
+            </a:r>
+          </a:p>
+          <a:p>
+            <a:pPr marL="933831" lvl="1" indent="-285750">
               <a:lnSpc>
                 <a:spcPct val="150000"/>
               </a:lnSpc>

--- a/presentation.pptx
+++ b/presentation.pptx
@@ -5,10 +5,10 @@
     <p:sldMasterId id="2147483648" r:id="rId1"/>
   </p:sldMasterIdLst>
   <p:notesMasterIdLst>
-    <p:notesMasterId r:id="rId9"/>
+    <p:notesMasterId r:id="rId10"/>
   </p:notesMasterIdLst>
   <p:handoutMasterIdLst>
-    <p:handoutMasterId r:id="rId10"/>
+    <p:handoutMasterId r:id="rId11"/>
   </p:handoutMasterIdLst>
   <p:sldIdLst>
     <p:sldId id="266" r:id="rId2"/>
@@ -18,6 +18,7 @@
     <p:sldId id="421" r:id="rId6"/>
     <p:sldId id="423" r:id="rId7"/>
     <p:sldId id="422" r:id="rId8"/>
+    <p:sldId id="425" r:id="rId9"/>
   </p:sldIdLst>
   <p:sldSz cx="12938125" cy="7315200"/>
   <p:notesSz cx="6858000" cy="9144000"/>
@@ -293,7 +294,7 @@
           <a:p>
             <a:fld id="{250C9E9C-1806-3D45-8625-F0002340C4C2}" type="slidenum">
               <a:rPr lang="de-DE" smtClean="0"/>
-              <a:t>‹Nr.›</a:t>
+              <a:t>‹#›</a:t>
             </a:fld>
             <a:endParaRPr lang="de-DE"/>
           </a:p>
@@ -552,7 +553,7 @@
           <a:p>
             <a:fld id="{5DACABA8-235B-9747-A3D2-12573A6AFA9D}" type="slidenum">
               <a:rPr lang="de-DE" smtClean="0"/>
-              <a:t>‹Nr.›</a:t>
+              <a:t>‹#›</a:t>
             </a:fld>
             <a:endParaRPr lang="de-DE"/>
           </a:p>
@@ -1147,14 +1148,14 @@
           </a:ln>
           <a:extLst>
             <a:ext uri="{909E8E84-426E-40dd-AFC4-6F175D3DCCD1}">
-              <a14:hiddenFill xmlns:a14="http://schemas.microsoft.com/office/drawing/2010/main" xmlns="">
+              <a14:hiddenFill xmlns="" xmlns:a14="http://schemas.microsoft.com/office/drawing/2010/main">
                 <a:solidFill>
                   <a:srgbClr val="FFFFFF"/>
                 </a:solidFill>
               </a14:hiddenFill>
             </a:ext>
             <a:ext uri="{91240B29-F687-4f45-9708-019B960494DF}">
-              <a14:hiddenLine xmlns:a14="http://schemas.microsoft.com/office/drawing/2010/main" xmlns="" w="9525">
+              <a14:hiddenLine xmlns="" xmlns:a14="http://schemas.microsoft.com/office/drawing/2010/main" w="9525">
                 <a:solidFill>
                   <a:srgbClr val="000000"/>
                 </a:solidFill>
@@ -1438,7 +1439,7 @@
           <a:p>
             <a:fld id="{4B64EC4D-37E3-EF42-B9AB-6337577588CB}" type="slidenum">
               <a:rPr lang="de-DE" smtClean="0"/>
-              <a:t>‹Nr.›</a:t>
+              <a:t>‹#›</a:t>
             </a:fld>
             <a:endParaRPr lang="de-DE"/>
           </a:p>
@@ -1810,7 +1811,7 @@
             <a:fld id="{4B64EC4D-37E3-EF42-B9AB-6337577588CB}" type="slidenum">
               <a:rPr lang="de-DE" smtClean="0"/>
               <a:pPr/>
-              <a:t>‹Nr.›</a:t>
+              <a:t>‹#›</a:t>
             </a:fld>
             <a:endParaRPr lang="de-DE" dirty="0"/>
           </a:p>
@@ -3711,256 +3712,6 @@
       </p:transition>
     </mc:Fallback>
   </mc:AlternateContent>
-  <p:timing>
-    <p:tnLst>
-      <p:par>
-        <p:cTn id="1" dur="indefinite" restart="never" nodeType="tmRoot">
-          <p:childTnLst>
-            <p:seq concurrent="1" nextAc="seek">
-              <p:cTn id="2" dur="indefinite" nodeType="mainSeq">
-                <p:childTnLst>
-                  <p:par>
-                    <p:cTn id="3" fill="hold">
-                      <p:stCondLst>
-                        <p:cond delay="indefinite"/>
-                      </p:stCondLst>
-                      <p:childTnLst>
-                        <p:par>
-                          <p:cTn id="4" fill="hold">
-                            <p:stCondLst>
-                              <p:cond delay="0"/>
-                            </p:stCondLst>
-                            <p:childTnLst>
-                              <p:par>
-                                <p:cTn id="5" presetID="10" presetClass="entr" presetSubtype="0" fill="hold" grpId="0" nodeType="clickEffect">
-                                  <p:stCondLst>
-                                    <p:cond delay="0"/>
-                                  </p:stCondLst>
-                                  <p:childTnLst>
-                                    <p:set>
-                                      <p:cBhvr>
-                                        <p:cTn id="6" dur="1" fill="hold">
-                                          <p:stCondLst>
-                                            <p:cond delay="0"/>
-                                          </p:stCondLst>
-                                        </p:cTn>
-                                        <p:tgtEl>
-                                          <p:spTgt spid="10"/>
-                                        </p:tgtEl>
-                                        <p:attrNameLst>
-                                          <p:attrName>style.visibility</p:attrName>
-                                        </p:attrNameLst>
-                                      </p:cBhvr>
-                                      <p:to>
-                                        <p:strVal val="visible"/>
-                                      </p:to>
-                                    </p:set>
-                                    <p:animEffect transition="in" filter="fade">
-                                      <p:cBhvr>
-                                        <p:cTn id="7" dur="500"/>
-                                        <p:tgtEl>
-                                          <p:spTgt spid="10"/>
-                                        </p:tgtEl>
-                                      </p:cBhvr>
-                                    </p:animEffect>
-                                  </p:childTnLst>
-                                </p:cTn>
-                              </p:par>
-                              <p:par>
-                                <p:cTn id="8" presetID="10" presetClass="entr" presetSubtype="0" fill="hold" nodeType="withEffect">
-                                  <p:stCondLst>
-                                    <p:cond delay="0"/>
-                                  </p:stCondLst>
-                                  <p:childTnLst>
-                                    <p:set>
-                                      <p:cBhvr>
-                                        <p:cTn id="9" dur="1" fill="hold">
-                                          <p:stCondLst>
-                                            <p:cond delay="0"/>
-                                          </p:stCondLst>
-                                        </p:cTn>
-                                        <p:tgtEl>
-                                          <p:spTgt spid="9"/>
-                                        </p:tgtEl>
-                                        <p:attrNameLst>
-                                          <p:attrName>style.visibility</p:attrName>
-                                        </p:attrNameLst>
-                                      </p:cBhvr>
-                                      <p:to>
-                                        <p:strVal val="visible"/>
-                                      </p:to>
-                                    </p:set>
-                                    <p:animEffect transition="in" filter="fade">
-                                      <p:cBhvr>
-                                        <p:cTn id="10" dur="500"/>
-                                        <p:tgtEl>
-                                          <p:spTgt spid="9"/>
-                                        </p:tgtEl>
-                                      </p:cBhvr>
-                                    </p:animEffect>
-                                  </p:childTnLst>
-                                </p:cTn>
-                              </p:par>
-                              <p:par>
-                                <p:cTn id="11" presetID="10" presetClass="entr" presetSubtype="0" fill="hold" nodeType="withEffect">
-                                  <p:stCondLst>
-                                    <p:cond delay="0"/>
-                                  </p:stCondLst>
-                                  <p:childTnLst>
-                                    <p:set>
-                                      <p:cBhvr>
-                                        <p:cTn id="12" dur="1" fill="hold">
-                                          <p:stCondLst>
-                                            <p:cond delay="0"/>
-                                          </p:stCondLst>
-                                        </p:cTn>
-                                        <p:tgtEl>
-                                          <p:spTgt spid="8"/>
-                                        </p:tgtEl>
-                                        <p:attrNameLst>
-                                          <p:attrName>style.visibility</p:attrName>
-                                        </p:attrNameLst>
-                                      </p:cBhvr>
-                                      <p:to>
-                                        <p:strVal val="visible"/>
-                                      </p:to>
-                                    </p:set>
-                                    <p:animEffect transition="in" filter="fade">
-                                      <p:cBhvr>
-                                        <p:cTn id="13" dur="500"/>
-                                        <p:tgtEl>
-                                          <p:spTgt spid="8"/>
-                                        </p:tgtEl>
-                                      </p:cBhvr>
-                                    </p:animEffect>
-                                  </p:childTnLst>
-                                </p:cTn>
-                              </p:par>
-                            </p:childTnLst>
-                          </p:cTn>
-                        </p:par>
-                      </p:childTnLst>
-                    </p:cTn>
-                  </p:par>
-                  <p:par>
-                    <p:cTn id="14" fill="hold">
-                      <p:stCondLst>
-                        <p:cond delay="indefinite"/>
-                      </p:stCondLst>
-                      <p:childTnLst>
-                        <p:par>
-                          <p:cTn id="15" fill="hold">
-                            <p:stCondLst>
-                              <p:cond delay="0"/>
-                            </p:stCondLst>
-                            <p:childTnLst>
-                              <p:par>
-                                <p:cTn id="16" presetID="10" presetClass="entr" presetSubtype="0" fill="hold" grpId="0" nodeType="clickEffect" nodePh="1">
-                                  <p:stCondLst>
-                                    <p:cond delay="0"/>
-                                  </p:stCondLst>
-                                  <p:endCondLst>
-                                    <p:cond evt="begin" delay="0">
-                                      <p:tn val="16"/>
-                                    </p:cond>
-                                  </p:endCondLst>
-                                  <p:childTnLst>
-                                    <p:set>
-                                      <p:cBhvr>
-                                        <p:cTn id="17" dur="1" fill="hold">
-                                          <p:stCondLst>
-                                            <p:cond delay="0"/>
-                                          </p:stCondLst>
-                                        </p:cTn>
-                                        <p:tgtEl>
-                                          <p:spTgt spid="6"/>
-                                        </p:tgtEl>
-                                        <p:attrNameLst>
-                                          <p:attrName>style.visibility</p:attrName>
-                                        </p:attrNameLst>
-                                      </p:cBhvr>
-                                      <p:to>
-                                        <p:strVal val="visible"/>
-                                      </p:to>
-                                    </p:set>
-                                    <p:animEffect transition="in" filter="fade">
-                                      <p:cBhvr>
-                                        <p:cTn id="18" dur="500"/>
-                                        <p:tgtEl>
-                                          <p:spTgt spid="6"/>
-                                        </p:tgtEl>
-                                      </p:cBhvr>
-                                    </p:animEffect>
-                                  </p:childTnLst>
-                                </p:cTn>
-                              </p:par>
-                              <p:par>
-                                <p:cTn id="19" presetID="10" presetClass="entr" presetSubtype="0" fill="hold" nodeType="withEffect">
-                                  <p:stCondLst>
-                                    <p:cond delay="0"/>
-                                  </p:stCondLst>
-                                  <p:childTnLst>
-                                    <p:set>
-                                      <p:cBhvr>
-                                        <p:cTn id="20" dur="1" fill="hold">
-                                          <p:stCondLst>
-                                            <p:cond delay="0"/>
-                                          </p:stCondLst>
-                                        </p:cTn>
-                                        <p:tgtEl>
-                                          <p:spTgt spid="12"/>
-                                        </p:tgtEl>
-                                        <p:attrNameLst>
-                                          <p:attrName>style.visibility</p:attrName>
-                                        </p:attrNameLst>
-                                      </p:cBhvr>
-                                      <p:to>
-                                        <p:strVal val="visible"/>
-                                      </p:to>
-                                    </p:set>
-                                    <p:animEffect transition="in" filter="fade">
-                                      <p:cBhvr>
-                                        <p:cTn id="21" dur="500"/>
-                                        <p:tgtEl>
-                                          <p:spTgt spid="12"/>
-                                        </p:tgtEl>
-                                      </p:cBhvr>
-                                    </p:animEffect>
-                                  </p:childTnLst>
-                                </p:cTn>
-                              </p:par>
-                            </p:childTnLst>
-                          </p:cTn>
-                        </p:par>
-                      </p:childTnLst>
-                    </p:cTn>
-                  </p:par>
-                </p:childTnLst>
-              </p:cTn>
-              <p:prevCondLst>
-                <p:cond evt="onPrev" delay="0">
-                  <p:tgtEl>
-                    <p:sldTgt/>
-                  </p:tgtEl>
-                </p:cond>
-              </p:prevCondLst>
-              <p:nextCondLst>
-                <p:cond evt="onNext" delay="0">
-                  <p:tgtEl>
-                    <p:sldTgt/>
-                  </p:tgtEl>
-                </p:cond>
-              </p:nextCondLst>
-            </p:seq>
-          </p:childTnLst>
-        </p:cTn>
-      </p:par>
-    </p:tnLst>
-    <p:bldLst>
-      <p:bldP spid="6" grpId="0"/>
-      <p:bldP spid="10" grpId="0"/>
-    </p:bldLst>
-  </p:timing>
 </p:sld>
 </file>
 
@@ -4069,7 +3820,7 @@
           <a:p>
             <a:r>
               <a:rPr lang="en-AT" sz="2000" b="1" dirty="0"/>
-              <a:t>Shortest paths</a:t>
+              <a:t>Before</a:t>
             </a:r>
             <a:endParaRPr lang="bs-Latn-BA" sz="2000" b="1" dirty="0"/>
           </a:p>
@@ -4105,7 +3856,7 @@
           <a:p>
             <a:r>
               <a:rPr lang="en-AT" sz="2000" b="1" dirty="0"/>
-              <a:t>Highways</a:t>
+              <a:t>After</a:t>
             </a:r>
             <a:endParaRPr lang="bs-Latn-BA" sz="2000" b="1" dirty="0"/>
           </a:p>
@@ -4132,8 +3883,8 @@
         </p:blipFill>
         <p:spPr>
           <a:xfrm>
-            <a:off x="2082489" y="3151156"/>
-            <a:ext cx="3526187" cy="3519376"/>
+            <a:off x="2082489" y="3820776"/>
+            <a:ext cx="2855271" cy="2849756"/>
           </a:xfrm>
           <a:prstGeom prst="rect">
             <a:avLst/>
@@ -4161,58 +3912,14 @@
         </p:blipFill>
         <p:spPr>
           <a:xfrm>
-            <a:off x="7329449" y="3151156"/>
-            <a:ext cx="3526187" cy="3550507"/>
+            <a:off x="7329449" y="3826699"/>
+            <a:ext cx="2855271" cy="2874964"/>
           </a:xfrm>
           <a:prstGeom prst="rect">
             <a:avLst/>
           </a:prstGeom>
         </p:spPr>
       </p:pic>
-      <p:sp>
-        <p:nvSpPr>
-          <p:cNvPr id="25" name="TextBox 24">
-            <a:extLst>
-              <a:ext uri="{FF2B5EF4-FFF2-40B4-BE49-F238E27FC236}">
-                <a16:creationId xmlns:a16="http://schemas.microsoft.com/office/drawing/2014/main" id="{B9D46646-D51F-76EC-839E-0E4B29AD3D33}"/>
-              </a:ext>
-            </a:extLst>
-          </p:cNvPr>
-          <p:cNvSpPr txBox="1"/>
-          <p:nvPr/>
-        </p:nvSpPr>
-        <p:spPr>
-          <a:xfrm>
-            <a:off x="1545544" y="2717867"/>
-            <a:ext cx="4600075" cy="369332"/>
-          </a:xfrm>
-          <a:prstGeom prst="rect">
-            <a:avLst/>
-          </a:prstGeom>
-          <a:noFill/>
-        </p:spPr>
-        <p:txBody>
-          <a:bodyPr wrap="square" lIns="0" rtlCol="0">
-            <a:spAutoFit/>
-          </a:bodyPr>
-          <a:lstStyle/>
-          <a:p>
-            <a:r>
-              <a:rPr lang="bs-Latn-BA" sz="1800" dirty="0"/>
-              <a:t>A</a:t>
-            </a:r>
-            <a:r>
-              <a:rPr lang="en-AT" sz="1800" dirty="0" err="1"/>
-              <a:t>verage</a:t>
-            </a:r>
-            <a:r>
-              <a:rPr lang="en-AT" sz="1800" dirty="0"/>
-              <a:t> shortest path = 40.69</a:t>
-            </a:r>
-            <a:endParaRPr lang="bs-Latn-BA" sz="1800" dirty="0"/>
-          </a:p>
-        </p:txBody>
-      </p:sp>
       <p:sp>
         <p:nvSpPr>
           <p:cNvPr id="26" name="TextBox 25">
@@ -4228,7 +3935,7 @@
         <p:spPr>
           <a:xfrm>
             <a:off x="6792506" y="2717867"/>
-            <a:ext cx="4600075" cy="369332"/>
+            <a:ext cx="4600075" cy="923330"/>
           </a:xfrm>
           <a:prstGeom prst="rect">
             <a:avLst/>
@@ -4243,7 +3950,126 @@
           <a:p>
             <a:r>
               <a:rPr lang="en-AT" sz="1800" dirty="0"/>
-              <a:t>Average shortest path = 31.05</a:t>
+              <a:t>Weight 	31.05</a:t>
+            </a:r>
+            <a:br>
+              <a:rPr lang="en-AT" sz="1800" dirty="0"/>
+            </a:br>
+            <a:r>
+              <a:rPr lang="en-AT" sz="1800" dirty="0"/>
+              <a:t>Length	3269.11</a:t>
+            </a:r>
+          </a:p>
+          <a:p>
+            <a:r>
+              <a:rPr lang="en-AT" sz="1800" dirty="0"/>
+              <a:t>Resilience 	1</a:t>
+            </a:r>
+            <a:endParaRPr lang="bs-Latn-BA" sz="1800" dirty="0"/>
+          </a:p>
+        </p:txBody>
+      </p:sp>
+      <p:sp>
+        <p:nvSpPr>
+          <p:cNvPr id="33" name="TextBox 32">
+            <a:extLst>
+              <a:ext uri="{FF2B5EF4-FFF2-40B4-BE49-F238E27FC236}">
+                <a16:creationId xmlns:a16="http://schemas.microsoft.com/office/drawing/2014/main" id="{093E20D2-CBE3-E81F-48CD-BD6C93CFF1B0}"/>
+              </a:ext>
+            </a:extLst>
+          </p:cNvPr>
+          <p:cNvSpPr txBox="1"/>
+          <p:nvPr/>
+        </p:nvSpPr>
+        <p:spPr>
+          <a:xfrm>
+            <a:off x="1545544" y="1591671"/>
+            <a:ext cx="11038143" cy="369332"/>
+          </a:xfrm>
+          <a:prstGeom prst="rect">
+            <a:avLst/>
+          </a:prstGeom>
+          <a:noFill/>
+        </p:spPr>
+        <p:txBody>
+          <a:bodyPr wrap="square" lIns="0" rtlCol="0">
+            <a:spAutoFit/>
+          </a:bodyPr>
+          <a:lstStyle/>
+          <a:p>
+            <a:r>
+              <a:rPr lang="en-AT" sz="1800" dirty="0"/>
+              <a:t>The shortest path is one with the </a:t>
+            </a:r>
+            <a:r>
+              <a:rPr lang="en-AT" sz="1800" dirty="0">
+                <a:solidFill>
+                  <a:srgbClr val="FF0000"/>
+                </a:solidFill>
+              </a:rPr>
+              <a:t>minimum weight</a:t>
+            </a:r>
+            <a:endParaRPr lang="bs-Latn-BA" sz="1800" dirty="0">
+              <a:solidFill>
+                <a:srgbClr val="FF0000"/>
+              </a:solidFill>
+            </a:endParaRPr>
+          </a:p>
+        </p:txBody>
+      </p:sp>
+      <p:sp>
+        <p:nvSpPr>
+          <p:cNvPr id="6" name="TextBox 5">
+            <a:extLst>
+              <a:ext uri="{FF2B5EF4-FFF2-40B4-BE49-F238E27FC236}">
+                <a16:creationId xmlns:a16="http://schemas.microsoft.com/office/drawing/2014/main" id="{85E48B25-CB89-07C7-1B10-055212537EB3}"/>
+              </a:ext>
+            </a:extLst>
+          </p:cNvPr>
+          <p:cNvSpPr txBox="1"/>
+          <p:nvPr/>
+        </p:nvSpPr>
+        <p:spPr>
+          <a:xfrm>
+            <a:off x="1545544" y="2717867"/>
+            <a:ext cx="4600075" cy="923330"/>
+          </a:xfrm>
+          <a:prstGeom prst="rect">
+            <a:avLst/>
+          </a:prstGeom>
+          <a:noFill/>
+        </p:spPr>
+        <p:txBody>
+          <a:bodyPr wrap="square" lIns="0" rtlCol="0">
+            <a:spAutoFit/>
+          </a:bodyPr>
+          <a:lstStyle/>
+          <a:p>
+            <a:r>
+              <a:rPr lang="bs-Latn-BA" sz="1800" dirty="0"/>
+              <a:t>Weight </a:t>
+            </a:r>
+            <a:r>
+              <a:rPr lang="en-AT" sz="1800" dirty="0"/>
+              <a:t>	</a:t>
+            </a:r>
+            <a:r>
+              <a:rPr lang="bs-Latn-BA" sz="1800" dirty="0"/>
+              <a:t>40.69</a:t>
+            </a:r>
+            <a:br>
+              <a:rPr lang="en-AT" sz="1800" dirty="0"/>
+            </a:br>
+            <a:r>
+              <a:rPr lang="en-AT" sz="1800" dirty="0"/>
+              <a:t>Length 	4667.39</a:t>
+            </a:r>
+            <a:br>
+              <a:rPr lang="en-AT" sz="1800" dirty="0"/>
+            </a:br>
+            <a:r>
+              <a:rPr lang="en-AT" sz="1800" dirty="0"/>
+              <a:t>Resilience 	1</a:t>
             </a:r>
             <a:endParaRPr lang="bs-Latn-BA" sz="1800" dirty="0"/>
           </a:p>
@@ -4251,10 +4077,10 @@
       </p:sp>
       <p:pic>
         <p:nvPicPr>
-          <p:cNvPr id="29" name="Picture 28" descr="A map of a city&#10;&#10;Description automatically generated">
+          <p:cNvPr id="7" name="Picture 6" descr="A map of a city&#10;&#10;Description automatically generated">
             <a:extLst>
               <a:ext uri="{FF2B5EF4-FFF2-40B4-BE49-F238E27FC236}">
-                <a16:creationId xmlns:a16="http://schemas.microsoft.com/office/drawing/2014/main" id="{F8C37F15-DF15-778A-8004-9E6016DE593C}"/>
+                <a16:creationId xmlns:a16="http://schemas.microsoft.com/office/drawing/2014/main" id="{6BE8F530-7B2F-8094-D9D0-EABE973EFE70}"/>
               </a:ext>
             </a:extLst>
           </p:cNvPr>
@@ -4265,13 +4091,13 @@
         </p:nvPicPr>
         <p:blipFill rotWithShape="1">
           <a:blip r:embed="rId4"/>
-          <a:srcRect l="17847" t="17747" r="14406" b="16382"/>
+          <a:srcRect l="17409" t="16848" r="15336" b="16440"/>
           <a:stretch/>
         </p:blipFill>
         <p:spPr>
           <a:xfrm>
-            <a:off x="20403053" y="3275000"/>
-            <a:ext cx="3530009" cy="3432200"/>
+            <a:off x="18905432" y="3823812"/>
+            <a:ext cx="2855272" cy="2832199"/>
           </a:xfrm>
           <a:prstGeom prst="rect">
             <a:avLst/>
@@ -4280,10 +4106,10 @@
       </p:pic>
       <p:pic>
         <p:nvPicPr>
-          <p:cNvPr id="30" name="Picture 29" descr="A map of a city&#10;&#10;Description automatically generated">
+          <p:cNvPr id="10" name="Picture 9" descr="A map of a city&#10;&#10;Description automatically generated">
             <a:extLst>
               <a:ext uri="{FF2B5EF4-FFF2-40B4-BE49-F238E27FC236}">
-                <a16:creationId xmlns:a16="http://schemas.microsoft.com/office/drawing/2014/main" id="{95AD7169-474E-F2B2-86AC-45BA7228E78F}"/>
+                <a16:creationId xmlns:a16="http://schemas.microsoft.com/office/drawing/2014/main" id="{AE6380B0-9322-79DD-8D45-3F72C047FC02}"/>
               </a:ext>
             </a:extLst>
           </p:cNvPr>
@@ -4299,8 +4125,8 @@
         </p:blipFill>
         <p:spPr>
           <a:xfrm>
-            <a:off x="15156091" y="3154994"/>
-            <a:ext cx="3530009" cy="3499043"/>
+            <a:off x="13921394" y="3823812"/>
+            <a:ext cx="2855272" cy="2830225"/>
           </a:xfrm>
           <a:prstGeom prst="rect">
             <a:avLst/>
@@ -4309,10 +4135,10 @@
       </p:pic>
       <p:sp>
         <p:nvSpPr>
-          <p:cNvPr id="31" name="TextBox 30">
+          <p:cNvPr id="13" name="TextBox 12">
             <a:extLst>
               <a:ext uri="{FF2B5EF4-FFF2-40B4-BE49-F238E27FC236}">
-                <a16:creationId xmlns:a16="http://schemas.microsoft.com/office/drawing/2014/main" id="{F9FB9E54-CA86-AF36-0CE4-DBDADB4F5076}"/>
+                <a16:creationId xmlns:a16="http://schemas.microsoft.com/office/drawing/2014/main" id="{67877306-95A9-1466-2140-3CA910A25884}"/>
               </a:ext>
             </a:extLst>
           </p:cNvPr>
@@ -4321,8 +4147,8 @@
         </p:nvSpPr>
         <p:spPr>
           <a:xfrm>
-            <a:off x="14621059" y="2717867"/>
-            <a:ext cx="4600075" cy="338554"/>
+            <a:off x="18633323" y="2717867"/>
+            <a:ext cx="4600075" cy="923330"/>
           </a:xfrm>
           <a:prstGeom prst="rect">
             <a:avLst/>
@@ -4336,27 +4162,31 @@
           <a:lstStyle/>
           <a:p>
             <a:r>
-              <a:rPr lang="bs-Latn-BA" sz="1600" dirty="0"/>
-              <a:t>A</a:t>
-            </a:r>
-            <a:r>
-              <a:rPr lang="en-AT" sz="1600" dirty="0" err="1"/>
-              <a:t>verage</a:t>
-            </a:r>
-            <a:r>
-              <a:rPr lang="en-AT" sz="1600" dirty="0"/>
-              <a:t> shortest path = 4667.39</a:t>
-            </a:r>
-            <a:endParaRPr lang="bs-Latn-BA" sz="1600" dirty="0"/>
-          </a:p>
-        </p:txBody>
-      </p:sp>
-      <p:sp>
-        <p:nvSpPr>
-          <p:cNvPr id="32" name="TextBox 31">
+              <a:rPr lang="en-AT" sz="1800" dirty="0"/>
+              <a:t>Weight	35.43</a:t>
+            </a:r>
+          </a:p>
+          <a:p>
+            <a:r>
+              <a:rPr lang="en-AT" sz="1800" dirty="0"/>
+              <a:t>Length 	3538.07</a:t>
+            </a:r>
+          </a:p>
+          <a:p>
+            <a:r>
+              <a:rPr lang="en-AT" sz="1800" dirty="0"/>
+              <a:t>Resilience	1</a:t>
+            </a:r>
+            <a:endParaRPr lang="bs-Latn-BA" sz="1800" dirty="0"/>
+          </a:p>
+        </p:txBody>
+      </p:sp>
+      <p:sp>
+        <p:nvSpPr>
+          <p:cNvPr id="14" name="TextBox 13">
             <a:extLst>
               <a:ext uri="{FF2B5EF4-FFF2-40B4-BE49-F238E27FC236}">
-                <a16:creationId xmlns:a16="http://schemas.microsoft.com/office/drawing/2014/main" id="{321594FC-5B11-A977-AE2C-B08C8E08F58E}"/>
+                <a16:creationId xmlns:a16="http://schemas.microsoft.com/office/drawing/2014/main" id="{1837E594-7A8F-DF0E-FCCE-72EEE4DAA88D}"/>
               </a:ext>
             </a:extLst>
           </p:cNvPr>
@@ -4365,43 +4195,7 @@
         </p:nvSpPr>
         <p:spPr>
           <a:xfrm>
-            <a:off x="19868021" y="2717867"/>
-            <a:ext cx="4600075" cy="338554"/>
-          </a:xfrm>
-          <a:prstGeom prst="rect">
-            <a:avLst/>
-          </a:prstGeom>
-          <a:noFill/>
-        </p:spPr>
-        <p:txBody>
-          <a:bodyPr wrap="square" lIns="0" rtlCol="0">
-            <a:spAutoFit/>
-          </a:bodyPr>
-          <a:lstStyle/>
-          <a:p>
-            <a:r>
-              <a:rPr lang="en-AT" sz="1600" dirty="0"/>
-              <a:t>Average shortest path = 3538.07</a:t>
-            </a:r>
-            <a:endParaRPr lang="bs-Latn-BA" sz="1600" dirty="0"/>
-          </a:p>
-        </p:txBody>
-      </p:sp>
-      <p:sp>
-        <p:nvSpPr>
-          <p:cNvPr id="33" name="TextBox 32">
-            <a:extLst>
-              <a:ext uri="{FF2B5EF4-FFF2-40B4-BE49-F238E27FC236}">
-                <a16:creationId xmlns:a16="http://schemas.microsoft.com/office/drawing/2014/main" id="{093E20D2-CBE3-E81F-48CD-BD6C93CFF1B0}"/>
-              </a:ext>
-            </a:extLst>
-          </p:cNvPr>
-          <p:cNvSpPr txBox="1"/>
-          <p:nvPr/>
-        </p:nvSpPr>
-        <p:spPr>
-          <a:xfrm>
-            <a:off x="1545544" y="1591671"/>
+            <a:off x="13386361" y="1591671"/>
             <a:ext cx="11038143" cy="369332"/>
           </a:xfrm>
           <a:prstGeom prst="rect">
@@ -4417,45 +4211,21 @@
           <a:p>
             <a:r>
               <a:rPr lang="en-AT" sz="1800" dirty="0"/>
-              <a:t>The shortest path is one with the least number of edges in it</a:t>
-            </a:r>
-            <a:endParaRPr lang="bs-Latn-BA" sz="1800" dirty="0"/>
-          </a:p>
-        </p:txBody>
-      </p:sp>
-      <p:sp>
-        <p:nvSpPr>
-          <p:cNvPr id="34" name="TextBox 33">
-            <a:extLst>
-              <a:ext uri="{FF2B5EF4-FFF2-40B4-BE49-F238E27FC236}">
-                <a16:creationId xmlns:a16="http://schemas.microsoft.com/office/drawing/2014/main" id="{516A5B36-DD10-33C2-7224-E4C2F58D8CF6}"/>
-              </a:ext>
-            </a:extLst>
-          </p:cNvPr>
-          <p:cNvSpPr txBox="1"/>
-          <p:nvPr/>
-        </p:nvSpPr>
-        <p:spPr>
-          <a:xfrm>
-            <a:off x="14621059" y="1591671"/>
-            <a:ext cx="11038143" cy="338554"/>
-          </a:xfrm>
-          <a:prstGeom prst="rect">
-            <a:avLst/>
-          </a:prstGeom>
-          <a:noFill/>
-        </p:spPr>
-        <p:txBody>
-          <a:bodyPr wrap="square" lIns="0" rtlCol="0">
-            <a:spAutoFit/>
-          </a:bodyPr>
-          <a:lstStyle/>
-          <a:p>
-            <a:r>
-              <a:rPr lang="en-AT" sz="1600" dirty="0"/>
-              <a:t>The shortest path is one with the shortest length</a:t>
-            </a:r>
-            <a:endParaRPr lang="bs-Latn-BA" sz="1600" dirty="0"/>
+              <a:t>The shortest path is one with the </a:t>
+            </a:r>
+            <a:r>
+              <a:rPr lang="en-AT" sz="1800" dirty="0">
+                <a:solidFill>
+                  <a:srgbClr val="FF0000"/>
+                </a:solidFill>
+              </a:rPr>
+              <a:t>shortest length</a:t>
+            </a:r>
+            <a:endParaRPr lang="bs-Latn-BA" sz="1800" dirty="0">
+              <a:solidFill>
+                <a:srgbClr val="FF0000"/>
+              </a:solidFill>
+            </a:endParaRPr>
           </a:p>
         </p:txBody>
       </p:sp>
@@ -4658,6 +4428,35 @@
           <a:chExt cx="0" cy="0"/>
         </a:xfrm>
       </p:grpSpPr>
+      <p:pic>
+        <p:nvPicPr>
+          <p:cNvPr id="7" name="Picture 6" descr="A map of a city&#10;&#10;Description automatically generated">
+            <a:extLst>
+              <a:ext uri="{FF2B5EF4-FFF2-40B4-BE49-F238E27FC236}">
+                <a16:creationId xmlns:a16="http://schemas.microsoft.com/office/drawing/2014/main" id="{36E49E28-7687-457D-4AA3-EA4C8D5B4C26}"/>
+              </a:ext>
+            </a:extLst>
+          </p:cNvPr>
+          <p:cNvPicPr>
+            <a:picLocks noChangeAspect="1"/>
+          </p:cNvPicPr>
+          <p:nvPr/>
+        </p:nvPicPr>
+        <p:blipFill rotWithShape="1">
+          <a:blip r:embed="rId2"/>
+          <a:srcRect l="17409" t="16848" r="15336" b="16440"/>
+          <a:stretch/>
+        </p:blipFill>
+        <p:spPr>
+          <a:xfrm>
+            <a:off x="7064615" y="3823812"/>
+            <a:ext cx="2855272" cy="2832199"/>
+          </a:xfrm>
+          <a:prstGeom prst="rect">
+            <a:avLst/>
+          </a:prstGeom>
+        </p:spPr>
+      </p:pic>
       <p:sp>
         <p:nvSpPr>
           <p:cNvPr id="2" name="Title 1">
@@ -4746,7 +4545,7 @@
           <a:p>
             <a:r>
               <a:rPr lang="en-AT" sz="2000" b="1" dirty="0"/>
-              <a:t>Shortest paths</a:t>
+              <a:t>Before</a:t>
             </a:r>
             <a:endParaRPr lang="bs-Latn-BA" sz="2000" b="1" dirty="0"/>
           </a:p>
@@ -4782,41 +4581,12 @@
           <a:p>
             <a:r>
               <a:rPr lang="en-AT" sz="2000" b="1" dirty="0"/>
-              <a:t>Highways</a:t>
+              <a:t>After</a:t>
             </a:r>
             <a:endParaRPr lang="bs-Latn-BA" sz="2000" b="1" dirty="0"/>
           </a:p>
         </p:txBody>
       </p:sp>
-      <p:pic>
-        <p:nvPicPr>
-          <p:cNvPr id="6" name="Picture 5" descr="A map of a city&#10;&#10;Description automatically generated">
-            <a:extLst>
-              <a:ext uri="{FF2B5EF4-FFF2-40B4-BE49-F238E27FC236}">
-                <a16:creationId xmlns:a16="http://schemas.microsoft.com/office/drawing/2014/main" id="{C18A032E-F739-29CE-624D-E0EA9A40B0B9}"/>
-              </a:ext>
-            </a:extLst>
-          </p:cNvPr>
-          <p:cNvPicPr>
-            <a:picLocks noChangeAspect="1"/>
-          </p:cNvPicPr>
-          <p:nvPr/>
-        </p:nvPicPr>
-        <p:blipFill rotWithShape="1">
-          <a:blip r:embed="rId2"/>
-          <a:srcRect l="17847" t="17747" r="14406" b="16382"/>
-          <a:stretch/>
-        </p:blipFill>
-        <p:spPr>
-          <a:xfrm>
-            <a:off x="7327538" y="3275000"/>
-            <a:ext cx="3530009" cy="3432200"/>
-          </a:xfrm>
-          <a:prstGeom prst="rect">
-            <a:avLst/>
-          </a:prstGeom>
-        </p:spPr>
-      </p:pic>
       <p:pic>
         <p:nvPicPr>
           <p:cNvPr id="8" name="Picture 7" descr="A map of a city&#10;&#10;Description automatically generated">
@@ -4838,8 +4608,8 @@
         </p:blipFill>
         <p:spPr>
           <a:xfrm>
-            <a:off x="2080576" y="3154994"/>
-            <a:ext cx="3530009" cy="3499043"/>
+            <a:off x="2080577" y="3823812"/>
+            <a:ext cx="2855272" cy="2830225"/>
           </a:xfrm>
           <a:prstGeom prst="rect">
             <a:avLst/>
@@ -4861,7 +4631,7 @@
         <p:spPr>
           <a:xfrm>
             <a:off x="1545544" y="2717867"/>
-            <a:ext cx="4600075" cy="369332"/>
+            <a:ext cx="4600075" cy="923330"/>
           </a:xfrm>
           <a:prstGeom prst="rect">
             <a:avLst/>
@@ -4876,15 +4646,29 @@
           <a:p>
             <a:r>
               <a:rPr lang="bs-Latn-BA" sz="1800" dirty="0"/>
-              <a:t>A</a:t>
-            </a:r>
-            <a:r>
-              <a:rPr lang="en-AT" sz="1800" dirty="0" err="1"/>
-              <a:t>verage</a:t>
+              <a:t>Weight </a:t>
             </a:r>
             <a:r>
               <a:rPr lang="en-AT" sz="1800" dirty="0"/>
-              <a:t> shortest path = 4667.39</a:t>
+              <a:t>	</a:t>
+            </a:r>
+            <a:r>
+              <a:rPr lang="bs-Latn-BA" sz="1800" dirty="0"/>
+              <a:t>40.69</a:t>
+            </a:r>
+            <a:br>
+              <a:rPr lang="en-AT" sz="1800" dirty="0"/>
+            </a:br>
+            <a:r>
+              <a:rPr lang="en-AT" sz="1800" dirty="0"/>
+              <a:t>Length 	4667.39</a:t>
+            </a:r>
+            <a:br>
+              <a:rPr lang="en-AT" sz="1800" dirty="0"/>
+            </a:br>
+            <a:r>
+              <a:rPr lang="en-AT" sz="1800" dirty="0"/>
+              <a:t>Resilience 	1</a:t>
             </a:r>
             <a:endParaRPr lang="bs-Latn-BA" sz="1800" dirty="0"/>
           </a:p>
@@ -4905,7 +4689,7 @@
         <p:spPr>
           <a:xfrm>
             <a:off x="6792506" y="2717867"/>
-            <a:ext cx="4600075" cy="369332"/>
+            <a:ext cx="4600075" cy="923330"/>
           </a:xfrm>
           <a:prstGeom prst="rect">
             <a:avLst/>
@@ -4920,9 +4704,69 @@
           <a:p>
             <a:r>
               <a:rPr lang="en-AT" sz="1800" dirty="0"/>
-              <a:t>Average shortest path = 3538.07</a:t>
+              <a:t>Weight	35.43</a:t>
+            </a:r>
+          </a:p>
+          <a:p>
+            <a:r>
+              <a:rPr lang="en-AT" sz="1800" dirty="0"/>
+              <a:t>Length 	3538.07</a:t>
+            </a:r>
+          </a:p>
+          <a:p>
+            <a:r>
+              <a:rPr lang="en-AT" sz="1800" dirty="0"/>
+              <a:t>Resilience	1</a:t>
             </a:r>
             <a:endParaRPr lang="bs-Latn-BA" sz="1800" dirty="0"/>
+          </a:p>
+        </p:txBody>
+      </p:sp>
+      <p:sp>
+        <p:nvSpPr>
+          <p:cNvPr id="19" name="TextBox 18">
+            <a:extLst>
+              <a:ext uri="{FF2B5EF4-FFF2-40B4-BE49-F238E27FC236}">
+                <a16:creationId xmlns:a16="http://schemas.microsoft.com/office/drawing/2014/main" id="{CEE4149B-813D-4941-F186-CFCD1ECAFA7B}"/>
+              </a:ext>
+            </a:extLst>
+          </p:cNvPr>
+          <p:cNvSpPr txBox="1"/>
+          <p:nvPr/>
+        </p:nvSpPr>
+        <p:spPr>
+          <a:xfrm>
+            <a:off x="1545544" y="1591671"/>
+            <a:ext cx="11038143" cy="369332"/>
+          </a:xfrm>
+          <a:prstGeom prst="rect">
+            <a:avLst/>
+          </a:prstGeom>
+          <a:noFill/>
+        </p:spPr>
+        <p:txBody>
+          <a:bodyPr wrap="square" lIns="0" rtlCol="0">
+            <a:spAutoFit/>
+          </a:bodyPr>
+          <a:lstStyle/>
+          <a:p>
+            <a:r>
+              <a:rPr lang="en-AT" sz="1800" dirty="0"/>
+              <a:t>The shortest path is one with the </a:t>
+            </a:r>
+            <a:r>
+              <a:rPr lang="en-AT" sz="1800" dirty="0">
+                <a:solidFill>
+                  <a:srgbClr val="FF0000"/>
+                </a:solidFill>
+              </a:rPr>
+              <a:t>shortest length</a:t>
+            </a:r>
+            <a:endParaRPr lang="bs-Latn-BA" sz="1800" dirty="0">
+              <a:solidFill>
+                <a:srgbClr val="FF0000"/>
+              </a:solidFill>
+            </a:endParaRPr>
           </a:p>
         </p:txBody>
       </p:sp>
@@ -4931,7 +4775,7 @@
           <p:cNvPr id="14" name="Picture 13" descr="A map of a city&#10;&#10;Description automatically generated">
             <a:extLst>
               <a:ext uri="{FF2B5EF4-FFF2-40B4-BE49-F238E27FC236}">
-                <a16:creationId xmlns:a16="http://schemas.microsoft.com/office/drawing/2014/main" id="{9F48A993-2322-5029-5113-4965FE3954C5}"/>
+                <a16:creationId xmlns:a16="http://schemas.microsoft.com/office/drawing/2014/main" id="{7218E79D-2929-FCEC-0C15-0C51D57A87F4}"/>
               </a:ext>
             </a:extLst>
           </p:cNvPr>
@@ -4947,8 +4791,8 @@
         </p:blipFill>
         <p:spPr>
           <a:xfrm>
-            <a:off x="-11360271" y="3151156"/>
-            <a:ext cx="3526187" cy="3519376"/>
+            <a:off x="-10292146" y="3820776"/>
+            <a:ext cx="2855271" cy="2849756"/>
           </a:xfrm>
           <a:prstGeom prst="rect">
             <a:avLst/>
@@ -4960,7 +4804,7 @@
           <p:cNvPr id="15" name="Picture 14" descr="A map of a city&#10;&#10;Description automatically generated">
             <a:extLst>
               <a:ext uri="{FF2B5EF4-FFF2-40B4-BE49-F238E27FC236}">
-                <a16:creationId xmlns:a16="http://schemas.microsoft.com/office/drawing/2014/main" id="{E7BBA353-40C4-FBCF-EFCC-2693CEE9E628}"/>
+                <a16:creationId xmlns:a16="http://schemas.microsoft.com/office/drawing/2014/main" id="{5C580E1D-B52C-5699-BBBA-D15250AE182B}"/>
               </a:ext>
             </a:extLst>
           </p:cNvPr>
@@ -4976,8 +4820,8 @@
         </p:blipFill>
         <p:spPr>
           <a:xfrm>
-            <a:off x="-6113311" y="3151156"/>
-            <a:ext cx="3526187" cy="3550507"/>
+            <a:off x="-5045186" y="3826699"/>
+            <a:ext cx="2855271" cy="2874964"/>
           </a:xfrm>
           <a:prstGeom prst="rect">
             <a:avLst/>
@@ -4986,10 +4830,10 @@
       </p:pic>
       <p:sp>
         <p:nvSpPr>
-          <p:cNvPr id="17" name="TextBox 16">
+          <p:cNvPr id="16" name="TextBox 15">
             <a:extLst>
               <a:ext uri="{FF2B5EF4-FFF2-40B4-BE49-F238E27FC236}">
-                <a16:creationId xmlns:a16="http://schemas.microsoft.com/office/drawing/2014/main" id="{244CE634-B5E4-B1DB-59B6-48FA5C44C5C8}"/>
+                <a16:creationId xmlns:a16="http://schemas.microsoft.com/office/drawing/2014/main" id="{3E662E2B-7B6A-5EF2-EE7E-1643793B0C49}"/>
               </a:ext>
             </a:extLst>
           </p:cNvPr>
@@ -4998,8 +4842,8 @@
         </p:nvSpPr>
         <p:spPr>
           <a:xfrm>
-            <a:off x="-11897216" y="2717867"/>
-            <a:ext cx="4600075" cy="338554"/>
+            <a:off x="-5582129" y="2717867"/>
+            <a:ext cx="4600075" cy="923330"/>
           </a:xfrm>
           <a:prstGeom prst="rect">
             <a:avLst/>
@@ -5013,27 +4857,32 @@
           <a:lstStyle/>
           <a:p>
             <a:r>
-              <a:rPr lang="bs-Latn-BA" sz="1600" dirty="0"/>
-              <a:t>A</a:t>
-            </a:r>
-            <a:r>
-              <a:rPr lang="en-AT" sz="1600" dirty="0" err="1"/>
-              <a:t>verage</a:t>
-            </a:r>
-            <a:r>
-              <a:rPr lang="en-AT" sz="1600" dirty="0"/>
-              <a:t> shortest path = 40.69</a:t>
-            </a:r>
-            <a:endParaRPr lang="bs-Latn-BA" sz="1600" dirty="0"/>
-          </a:p>
-        </p:txBody>
-      </p:sp>
-      <p:sp>
-        <p:nvSpPr>
-          <p:cNvPr id="18" name="TextBox 17">
+              <a:rPr lang="en-AT" sz="1800" dirty="0"/>
+              <a:t>Weight 	31.05</a:t>
+            </a:r>
+            <a:br>
+              <a:rPr lang="en-AT" sz="1800" dirty="0"/>
+            </a:br>
+            <a:r>
+              <a:rPr lang="en-AT" sz="1800" dirty="0"/>
+              <a:t>Length	3269.11</a:t>
+            </a:r>
+          </a:p>
+          <a:p>
+            <a:r>
+              <a:rPr lang="en-AT" sz="1800" dirty="0"/>
+              <a:t>Resilience 	1</a:t>
+            </a:r>
+            <a:endParaRPr lang="bs-Latn-BA" sz="1800" dirty="0"/>
+          </a:p>
+        </p:txBody>
+      </p:sp>
+      <p:sp>
+        <p:nvSpPr>
+          <p:cNvPr id="17" name="TextBox 16">
             <a:extLst>
               <a:ext uri="{FF2B5EF4-FFF2-40B4-BE49-F238E27FC236}">
-                <a16:creationId xmlns:a16="http://schemas.microsoft.com/office/drawing/2014/main" id="{2B7DA198-93BF-61BB-91C9-57CBCB12EA00}"/>
+                <a16:creationId xmlns:a16="http://schemas.microsoft.com/office/drawing/2014/main" id="{382B852C-C1C2-99F5-6FD2-B2C0CF2C06A4}"/>
               </a:ext>
             </a:extLst>
           </p:cNvPr>
@@ -5042,43 +4891,7 @@
         </p:nvSpPr>
         <p:spPr>
           <a:xfrm>
-            <a:off x="-6650254" y="2717867"/>
-            <a:ext cx="4600075" cy="338554"/>
-          </a:xfrm>
-          <a:prstGeom prst="rect">
-            <a:avLst/>
-          </a:prstGeom>
-          <a:noFill/>
-        </p:spPr>
-        <p:txBody>
-          <a:bodyPr wrap="square" lIns="0" rtlCol="0">
-            <a:spAutoFit/>
-          </a:bodyPr>
-          <a:lstStyle/>
-          <a:p>
-            <a:r>
-              <a:rPr lang="en-AT" sz="1600" dirty="0"/>
-              <a:t>Average shortest path = 31.05</a:t>
-            </a:r>
-            <a:endParaRPr lang="bs-Latn-BA" sz="1600" dirty="0"/>
-          </a:p>
-        </p:txBody>
-      </p:sp>
-      <p:sp>
-        <p:nvSpPr>
-          <p:cNvPr id="19" name="TextBox 18">
-            <a:extLst>
-              <a:ext uri="{FF2B5EF4-FFF2-40B4-BE49-F238E27FC236}">
-                <a16:creationId xmlns:a16="http://schemas.microsoft.com/office/drawing/2014/main" id="{CEE4149B-813D-4941-F186-CFCD1ECAFA7B}"/>
-              </a:ext>
-            </a:extLst>
-          </p:cNvPr>
-          <p:cNvSpPr txBox="1"/>
-          <p:nvPr/>
-        </p:nvSpPr>
-        <p:spPr>
-          <a:xfrm>
-            <a:off x="1545544" y="1591671"/>
+            <a:off x="-10829091" y="1591671"/>
             <a:ext cx="11038143" cy="369332"/>
           </a:xfrm>
           <a:prstGeom prst="rect">
@@ -5094,45 +4907,21 @@
           <a:p>
             <a:r>
               <a:rPr lang="en-AT" sz="1800" dirty="0"/>
-              <a:t>The shortest path is one with the shortest length</a:t>
+              <a:t>The shortest path is one with the </a:t>
+            </a:r>
+            <a:r>
+              <a:rPr lang="en-AT" sz="1800" dirty="0">
+                <a:solidFill>
+                  <a:srgbClr val="FF0000"/>
+                </a:solidFill>
+              </a:rPr>
+              <a:t>least number of edges</a:t>
+            </a:r>
+            <a:r>
+              <a:rPr lang="en-AT" sz="1800" dirty="0"/>
+              <a:t> in it</a:t>
             </a:r>
             <a:endParaRPr lang="bs-Latn-BA" sz="1800" dirty="0"/>
-          </a:p>
-        </p:txBody>
-      </p:sp>
-      <p:sp>
-        <p:nvSpPr>
-          <p:cNvPr id="21" name="TextBox 20">
-            <a:extLst>
-              <a:ext uri="{FF2B5EF4-FFF2-40B4-BE49-F238E27FC236}">
-                <a16:creationId xmlns:a16="http://schemas.microsoft.com/office/drawing/2014/main" id="{5A343297-BEAE-E6BE-4E80-8F5391D3012C}"/>
-              </a:ext>
-            </a:extLst>
-          </p:cNvPr>
-          <p:cNvSpPr txBox="1"/>
-          <p:nvPr/>
-        </p:nvSpPr>
-        <p:spPr>
-          <a:xfrm>
-            <a:off x="-11897216" y="1591671"/>
-            <a:ext cx="11038143" cy="338554"/>
-          </a:xfrm>
-          <a:prstGeom prst="rect">
-            <a:avLst/>
-          </a:prstGeom>
-          <a:noFill/>
-        </p:spPr>
-        <p:txBody>
-          <a:bodyPr wrap="square" lIns="0" rtlCol="0">
-            <a:spAutoFit/>
-          </a:bodyPr>
-          <a:lstStyle/>
-          <a:p>
-            <a:r>
-              <a:rPr lang="en-AT" sz="1600" dirty="0"/>
-              <a:t>The shortest path is one with the least number of edges in it</a:t>
-            </a:r>
-            <a:endParaRPr lang="bs-Latn-BA" sz="1600" dirty="0"/>
           </a:p>
         </p:txBody>
       </p:sp>
@@ -5140,709 +4929,6 @@
     <p:extLst>
       <p:ext uri="{BB962C8B-B14F-4D97-AF65-F5344CB8AC3E}">
         <p14:creationId xmlns:p14="http://schemas.microsoft.com/office/powerpoint/2010/main" val="2183684834"/>
-      </p:ext>
-    </p:extLst>
-  </p:cSld>
-  <p:clrMapOvr>
-    <a:masterClrMapping/>
-  </p:clrMapOvr>
-  <mc:AlternateContent xmlns:mc="http://schemas.openxmlformats.org/markup-compatibility/2006" xmlns:p159="http://schemas.microsoft.com/office/powerpoint/2015/09/main">
-    <mc:Choice Requires="p159">
-      <p:transition xmlns:p14="http://schemas.microsoft.com/office/powerpoint/2010/main" spd="slow" p14:dur="2000">
-        <p159:morph option="byObject"/>
-      </p:transition>
-    </mc:Choice>
-    <mc:Fallback xmlns="">
-      <p:transition spd="slow">
-        <p:fade/>
-      </p:transition>
-    </mc:Fallback>
-  </mc:AlternateContent>
-</p:sld>
-</file>
-
-<file path=ppt/slides/slide7.xml><?xml version="1.0" encoding="utf-8"?>
-<p:sld xmlns:a="http://schemas.openxmlformats.org/drawingml/2006/main" xmlns:r="http://schemas.openxmlformats.org/officeDocument/2006/relationships" xmlns:p="http://schemas.openxmlformats.org/presentationml/2006/main">
-  <p:cSld>
-    <p:spTree>
-      <p:nvGrpSpPr>
-        <p:cNvPr id="1" name=""/>
-        <p:cNvGrpSpPr/>
-        <p:nvPr/>
-      </p:nvGrpSpPr>
-      <p:grpSpPr>
-        <a:xfrm>
-          <a:off x="0" y="0"/>
-          <a:ext cx="0" cy="0"/>
-          <a:chOff x="0" y="0"/>
-          <a:chExt cx="0" cy="0"/>
-        </a:xfrm>
-      </p:grpSpPr>
-      <p:sp>
-        <p:nvSpPr>
-          <p:cNvPr id="2" name="Title 1">
-            <a:extLst>
-              <a:ext uri="{FF2B5EF4-FFF2-40B4-BE49-F238E27FC236}">
-                <a16:creationId xmlns:a16="http://schemas.microsoft.com/office/drawing/2014/main" id="{0A39B26F-5187-4B71-D442-12D260D7EF6A}"/>
-              </a:ext>
-            </a:extLst>
-          </p:cNvPr>
-          <p:cNvSpPr>
-            <a:spLocks noGrp="1"/>
-          </p:cNvSpPr>
-          <p:nvPr>
-            <p:ph type="title"/>
-          </p:nvPr>
-        </p:nvSpPr>
-        <p:spPr/>
-        <p:txBody>
-          <a:bodyPr/>
-          <a:lstStyle/>
-          <a:p>
-            <a:r>
-              <a:rPr lang="bs-Latn-BA" dirty="0"/>
-              <a:t>Discussion</a:t>
-            </a:r>
-            <a:endParaRPr lang="en-US" dirty="0"/>
-          </a:p>
-        </p:txBody>
-      </p:sp>
-      <p:sp>
-        <p:nvSpPr>
-          <p:cNvPr id="4" name="Slide Number Placeholder 3">
-            <a:extLst>
-              <a:ext uri="{FF2B5EF4-FFF2-40B4-BE49-F238E27FC236}">
-                <a16:creationId xmlns:a16="http://schemas.microsoft.com/office/drawing/2014/main" id="{7658BEF0-F774-4A14-846F-7ADB9625F36B}"/>
-              </a:ext>
-            </a:extLst>
-          </p:cNvPr>
-          <p:cNvSpPr>
-            <a:spLocks noGrp="1"/>
-          </p:cNvSpPr>
-          <p:nvPr>
-            <p:ph type="sldNum" sz="quarter" idx="12"/>
-          </p:nvPr>
-        </p:nvSpPr>
-        <p:spPr/>
-        <p:txBody>
-          <a:bodyPr/>
-          <a:lstStyle/>
-          <a:p>
-            <a:r>
-              <a:rPr lang="en-AT" dirty="0"/>
-              <a:t>6</a:t>
-            </a:r>
-            <a:endParaRPr lang="de-DE" dirty="0"/>
-          </a:p>
-        </p:txBody>
-      </p:sp>
-      <p:sp>
-        <p:nvSpPr>
-          <p:cNvPr id="9" name="TextBox 8">
-            <a:extLst>
-              <a:ext uri="{FF2B5EF4-FFF2-40B4-BE49-F238E27FC236}">
-                <a16:creationId xmlns:a16="http://schemas.microsoft.com/office/drawing/2014/main" id="{E2B9AB1F-3463-1B9A-F5D8-B77E2908410A}"/>
-              </a:ext>
-            </a:extLst>
-          </p:cNvPr>
-          <p:cNvSpPr txBox="1"/>
-          <p:nvPr/>
-        </p:nvSpPr>
-        <p:spPr>
-          <a:xfrm>
-            <a:off x="4300267" y="2420662"/>
-            <a:ext cx="5711833" cy="2800767"/>
-          </a:xfrm>
-          <a:prstGeom prst="rect">
-            <a:avLst/>
-          </a:prstGeom>
-          <a:noFill/>
-        </p:spPr>
-        <p:txBody>
-          <a:bodyPr wrap="square" lIns="0" rtlCol="0">
-            <a:spAutoFit/>
-          </a:bodyPr>
-          <a:lstStyle/>
-          <a:p>
-            <a:endParaRPr lang="en-AT" sz="1600" dirty="0"/>
-          </a:p>
-          <a:p>
-            <a:endParaRPr lang="en-AT" sz="1600" dirty="0"/>
-          </a:p>
-          <a:p>
-            <a:endParaRPr lang="en-AT" sz="1600" dirty="0"/>
-          </a:p>
-          <a:p>
-            <a:endParaRPr lang="en-AT" sz="1600" dirty="0"/>
-          </a:p>
-          <a:p>
-            <a:endParaRPr lang="en-AT" sz="1600" dirty="0"/>
-          </a:p>
-          <a:p>
-            <a:endParaRPr lang="en-AT" sz="1600" dirty="0"/>
-          </a:p>
-          <a:p>
-            <a:r>
-              <a:rPr lang="en-AT" sz="1600" dirty="0"/>
-              <a:t>How does addition and removal affect the method?</a:t>
-            </a:r>
-          </a:p>
-          <a:p>
-            <a:endParaRPr lang="en-AT" sz="1600" dirty="0"/>
-          </a:p>
-          <a:p>
-            <a:r>
-              <a:rPr lang="en-AT" sz="1600" dirty="0"/>
-              <a:t>Chosen edges might not be connected</a:t>
-            </a:r>
-          </a:p>
-          <a:p>
-            <a:endParaRPr lang="en-AT" sz="1600" dirty="0"/>
-          </a:p>
-          <a:p>
-            <a:r>
-              <a:rPr lang="en-AT" sz="1600" dirty="0"/>
-              <a:t>Take into account nodes closer to the </a:t>
-            </a:r>
-            <a:r>
-              <a:rPr lang="en-AT" sz="1600" dirty="0" err="1"/>
-              <a:t>center</a:t>
-            </a:r>
-            <a:endParaRPr lang="en-AT" sz="1600" dirty="0"/>
-          </a:p>
-        </p:txBody>
-      </p:sp>
-      <p:sp>
-        <p:nvSpPr>
-          <p:cNvPr id="10" name="Title 1">
-            <a:extLst>
-              <a:ext uri="{FF2B5EF4-FFF2-40B4-BE49-F238E27FC236}">
-                <a16:creationId xmlns:a16="http://schemas.microsoft.com/office/drawing/2014/main" id="{47277DFB-6F4D-191D-6C47-286A92458F4F}"/>
-              </a:ext>
-            </a:extLst>
-          </p:cNvPr>
-          <p:cNvSpPr txBox="1">
-            <a:spLocks/>
-          </p:cNvSpPr>
-          <p:nvPr/>
-        </p:nvSpPr>
-        <p:spPr>
-          <a:xfrm>
-            <a:off x="3724215" y="2443523"/>
-            <a:ext cx="386880" cy="289560"/>
-          </a:xfrm>
-          <a:prstGeom prst="rect">
-            <a:avLst/>
-          </a:prstGeom>
-        </p:spPr>
-        <p:txBody>
-          <a:bodyPr vert="horz" lIns="0" tIns="0" rIns="0" bIns="0" rtlCol="0" anchor="ctr">
-            <a:normAutofit lnSpcReduction="10000"/>
-          </a:bodyPr>
-          <a:lstStyle>
-            <a:lvl1pPr algn="l" defTabSz="648081" rtl="0" eaLnBrk="1" latinLnBrk="0" hangingPunct="1">
-              <a:spcBef>
-                <a:spcPct val="0"/>
-              </a:spcBef>
-              <a:buNone/>
-              <a:defRPr sz="3400" kern="1200">
-                <a:solidFill>
-                  <a:schemeClr val="tx1"/>
-                </a:solidFill>
-                <a:latin typeface="+mj-lt"/>
-                <a:ea typeface="+mj-ea"/>
-                <a:cs typeface="+mj-cs"/>
-              </a:defRPr>
-            </a:lvl1pPr>
-          </a:lstStyle>
-          <a:p>
-            <a:pPr marL="0" marR="0" lvl="0" indent="0" algn="ctr" defTabSz="648081" rtl="0" eaLnBrk="1" fontAlgn="auto" latinLnBrk="0" hangingPunct="1">
-              <a:lnSpc>
-                <a:spcPct val="100000"/>
-              </a:lnSpc>
-              <a:spcBef>
-                <a:spcPct val="0"/>
-              </a:spcBef>
-              <a:spcAft>
-                <a:spcPts val="0"/>
-              </a:spcAft>
-              <a:buClrTx/>
-              <a:buSzTx/>
-              <a:buFontTx/>
-              <a:buNone/>
-              <a:tabLst/>
-              <a:defRPr/>
-            </a:pPr>
-            <a:r>
-              <a:rPr lang="en-AT" sz="2000" b="1" dirty="0">
-                <a:solidFill>
-                  <a:srgbClr val="E72652"/>
-                </a:solidFill>
-                <a:latin typeface="Arial"/>
-              </a:rPr>
-              <a:t>01</a:t>
-            </a:r>
-            <a:endParaRPr lang="en-US" sz="2000" dirty="0">
-              <a:solidFill>
-                <a:srgbClr val="0F0F0F"/>
-              </a:solidFill>
-              <a:latin typeface="Arial"/>
-            </a:endParaRPr>
-          </a:p>
-        </p:txBody>
-      </p:sp>
-      <p:sp>
-        <p:nvSpPr>
-          <p:cNvPr id="11" name="Title 1">
-            <a:extLst>
-              <a:ext uri="{FF2B5EF4-FFF2-40B4-BE49-F238E27FC236}">
-                <a16:creationId xmlns:a16="http://schemas.microsoft.com/office/drawing/2014/main" id="{873766F0-6D32-44C9-2669-C0A7F3B4F0CC}"/>
-              </a:ext>
-            </a:extLst>
-          </p:cNvPr>
-          <p:cNvSpPr txBox="1">
-            <a:spLocks/>
-          </p:cNvSpPr>
-          <p:nvPr/>
-        </p:nvSpPr>
-        <p:spPr>
-          <a:xfrm>
-            <a:off x="3724215" y="2946443"/>
-            <a:ext cx="386880" cy="289560"/>
-          </a:xfrm>
-          <a:prstGeom prst="rect">
-            <a:avLst/>
-          </a:prstGeom>
-        </p:spPr>
-        <p:txBody>
-          <a:bodyPr vert="horz" lIns="0" tIns="0" rIns="0" bIns="0" rtlCol="0" anchor="ctr">
-            <a:normAutofit lnSpcReduction="10000"/>
-          </a:bodyPr>
-          <a:lstStyle>
-            <a:lvl1pPr algn="l" defTabSz="648081" rtl="0" eaLnBrk="1" latinLnBrk="0" hangingPunct="1">
-              <a:spcBef>
-                <a:spcPct val="0"/>
-              </a:spcBef>
-              <a:buNone/>
-              <a:defRPr sz="3400" kern="1200">
-                <a:solidFill>
-                  <a:schemeClr val="tx1"/>
-                </a:solidFill>
-                <a:latin typeface="+mj-lt"/>
-                <a:ea typeface="+mj-ea"/>
-                <a:cs typeface="+mj-cs"/>
-              </a:defRPr>
-            </a:lvl1pPr>
-          </a:lstStyle>
-          <a:p>
-            <a:pPr marL="0" marR="0" lvl="0" indent="0" algn="ctr" defTabSz="648081" rtl="0" eaLnBrk="1" fontAlgn="auto" latinLnBrk="0" hangingPunct="1">
-              <a:lnSpc>
-                <a:spcPct val="100000"/>
-              </a:lnSpc>
-              <a:spcBef>
-                <a:spcPct val="0"/>
-              </a:spcBef>
-              <a:spcAft>
-                <a:spcPts val="0"/>
-              </a:spcAft>
-              <a:buClrTx/>
-              <a:buSzTx/>
-              <a:buFontTx/>
-              <a:buNone/>
-              <a:tabLst/>
-              <a:defRPr/>
-            </a:pPr>
-            <a:r>
-              <a:rPr lang="en-AT" sz="2000" b="1" dirty="0">
-                <a:solidFill>
-                  <a:srgbClr val="E72652"/>
-                </a:solidFill>
-                <a:latin typeface="Arial"/>
-              </a:rPr>
-              <a:t>02</a:t>
-            </a:r>
-            <a:endParaRPr lang="en-US" sz="2000" dirty="0">
-              <a:solidFill>
-                <a:srgbClr val="0F0F0F"/>
-              </a:solidFill>
-              <a:latin typeface="Arial"/>
-            </a:endParaRPr>
-          </a:p>
-        </p:txBody>
-      </p:sp>
-      <p:sp>
-        <p:nvSpPr>
-          <p:cNvPr id="15" name="Title 1">
-            <a:extLst>
-              <a:ext uri="{FF2B5EF4-FFF2-40B4-BE49-F238E27FC236}">
-                <a16:creationId xmlns:a16="http://schemas.microsoft.com/office/drawing/2014/main" id="{0C3A6363-6B3E-8240-BB3E-EFE76E28E2B8}"/>
-              </a:ext>
-            </a:extLst>
-          </p:cNvPr>
-          <p:cNvSpPr txBox="1">
-            <a:spLocks/>
-          </p:cNvSpPr>
-          <p:nvPr/>
-        </p:nvSpPr>
-        <p:spPr>
-          <a:xfrm>
-            <a:off x="3733454" y="3399162"/>
-            <a:ext cx="386880" cy="289560"/>
-          </a:xfrm>
-          <a:prstGeom prst="rect">
-            <a:avLst/>
-          </a:prstGeom>
-        </p:spPr>
-        <p:txBody>
-          <a:bodyPr vert="horz" lIns="0" tIns="0" rIns="0" bIns="0" rtlCol="0" anchor="ctr">
-            <a:normAutofit lnSpcReduction="10000"/>
-          </a:bodyPr>
-          <a:lstStyle>
-            <a:lvl1pPr algn="l" defTabSz="648081" rtl="0" eaLnBrk="1" latinLnBrk="0" hangingPunct="1">
-              <a:spcBef>
-                <a:spcPct val="0"/>
-              </a:spcBef>
-              <a:buNone/>
-              <a:defRPr sz="3400" kern="1200">
-                <a:solidFill>
-                  <a:schemeClr val="tx1"/>
-                </a:solidFill>
-                <a:latin typeface="+mj-lt"/>
-                <a:ea typeface="+mj-ea"/>
-                <a:cs typeface="+mj-cs"/>
-              </a:defRPr>
-            </a:lvl1pPr>
-          </a:lstStyle>
-          <a:p>
-            <a:pPr marL="0" marR="0" lvl="0" indent="0" algn="ctr" defTabSz="648081" rtl="0" eaLnBrk="1" fontAlgn="auto" latinLnBrk="0" hangingPunct="1">
-              <a:lnSpc>
-                <a:spcPct val="100000"/>
-              </a:lnSpc>
-              <a:spcBef>
-                <a:spcPct val="0"/>
-              </a:spcBef>
-              <a:spcAft>
-                <a:spcPts val="0"/>
-              </a:spcAft>
-              <a:buClrTx/>
-              <a:buSzTx/>
-              <a:buFontTx/>
-              <a:buNone/>
-              <a:tabLst/>
-              <a:defRPr/>
-            </a:pPr>
-            <a:r>
-              <a:rPr lang="en-AT" sz="2000" b="1" dirty="0">
-                <a:solidFill>
-                  <a:srgbClr val="E72652"/>
-                </a:solidFill>
-                <a:latin typeface="Arial"/>
-              </a:rPr>
-              <a:t>03</a:t>
-            </a:r>
-            <a:endParaRPr lang="en-US" sz="2000" dirty="0">
-              <a:solidFill>
-                <a:srgbClr val="0F0F0F"/>
-              </a:solidFill>
-              <a:latin typeface="Arial"/>
-            </a:endParaRPr>
-          </a:p>
-        </p:txBody>
-      </p:sp>
-      <p:sp>
-        <p:nvSpPr>
-          <p:cNvPr id="16" name="Title 1">
-            <a:extLst>
-              <a:ext uri="{FF2B5EF4-FFF2-40B4-BE49-F238E27FC236}">
-                <a16:creationId xmlns:a16="http://schemas.microsoft.com/office/drawing/2014/main" id="{3309A973-7270-D789-0988-36DC741E805F}"/>
-              </a:ext>
-            </a:extLst>
-          </p:cNvPr>
-          <p:cNvSpPr txBox="1">
-            <a:spLocks/>
-          </p:cNvSpPr>
-          <p:nvPr/>
-        </p:nvSpPr>
-        <p:spPr>
-          <a:xfrm>
-            <a:off x="3724215" y="3902082"/>
-            <a:ext cx="386880" cy="289560"/>
-          </a:xfrm>
-          <a:prstGeom prst="rect">
-            <a:avLst/>
-          </a:prstGeom>
-        </p:spPr>
-        <p:txBody>
-          <a:bodyPr vert="horz" lIns="0" tIns="0" rIns="0" bIns="0" rtlCol="0" anchor="ctr">
-            <a:normAutofit lnSpcReduction="10000"/>
-          </a:bodyPr>
-          <a:lstStyle>
-            <a:lvl1pPr algn="l" defTabSz="648081" rtl="0" eaLnBrk="1" latinLnBrk="0" hangingPunct="1">
-              <a:spcBef>
-                <a:spcPct val="0"/>
-              </a:spcBef>
-              <a:buNone/>
-              <a:defRPr sz="3400" kern="1200">
-                <a:solidFill>
-                  <a:schemeClr val="tx1"/>
-                </a:solidFill>
-                <a:latin typeface="+mj-lt"/>
-                <a:ea typeface="+mj-ea"/>
-                <a:cs typeface="+mj-cs"/>
-              </a:defRPr>
-            </a:lvl1pPr>
-          </a:lstStyle>
-          <a:p>
-            <a:pPr marL="0" marR="0" lvl="0" indent="0" algn="ctr" defTabSz="648081" rtl="0" eaLnBrk="1" fontAlgn="auto" latinLnBrk="0" hangingPunct="1">
-              <a:lnSpc>
-                <a:spcPct val="100000"/>
-              </a:lnSpc>
-              <a:spcBef>
-                <a:spcPct val="0"/>
-              </a:spcBef>
-              <a:spcAft>
-                <a:spcPts val="0"/>
-              </a:spcAft>
-              <a:buClrTx/>
-              <a:buSzTx/>
-              <a:buFontTx/>
-              <a:buNone/>
-              <a:tabLst/>
-              <a:defRPr/>
-            </a:pPr>
-            <a:r>
-              <a:rPr lang="en-AT" sz="2000" b="1" dirty="0">
-                <a:solidFill>
-                  <a:srgbClr val="E72652"/>
-                </a:solidFill>
-                <a:latin typeface="Arial"/>
-              </a:rPr>
-              <a:t>04</a:t>
-            </a:r>
-            <a:endParaRPr lang="en-US" sz="2000" dirty="0">
-              <a:solidFill>
-                <a:srgbClr val="0F0F0F"/>
-              </a:solidFill>
-              <a:latin typeface="Arial"/>
-            </a:endParaRPr>
-          </a:p>
-        </p:txBody>
-      </p:sp>
-      <p:sp>
-        <p:nvSpPr>
-          <p:cNvPr id="17" name="Title 1">
-            <a:extLst>
-              <a:ext uri="{FF2B5EF4-FFF2-40B4-BE49-F238E27FC236}">
-                <a16:creationId xmlns:a16="http://schemas.microsoft.com/office/drawing/2014/main" id="{92346523-A861-F4B0-8AA2-30A36DA43EEA}"/>
-              </a:ext>
-            </a:extLst>
-          </p:cNvPr>
-          <p:cNvSpPr txBox="1">
-            <a:spLocks/>
-          </p:cNvSpPr>
-          <p:nvPr/>
-        </p:nvSpPr>
-        <p:spPr>
-          <a:xfrm>
-            <a:off x="3721036" y="4401676"/>
-            <a:ext cx="386880" cy="289560"/>
-          </a:xfrm>
-          <a:prstGeom prst="rect">
-            <a:avLst/>
-          </a:prstGeom>
-        </p:spPr>
-        <p:txBody>
-          <a:bodyPr vert="horz" lIns="0" tIns="0" rIns="0" bIns="0" rtlCol="0" anchor="ctr">
-            <a:normAutofit lnSpcReduction="10000"/>
-          </a:bodyPr>
-          <a:lstStyle>
-            <a:lvl1pPr algn="l" defTabSz="648081" rtl="0" eaLnBrk="1" latinLnBrk="0" hangingPunct="1">
-              <a:spcBef>
-                <a:spcPct val="0"/>
-              </a:spcBef>
-              <a:buNone/>
-              <a:defRPr sz="3400" kern="1200">
-                <a:solidFill>
-                  <a:schemeClr val="tx1"/>
-                </a:solidFill>
-                <a:latin typeface="+mj-lt"/>
-                <a:ea typeface="+mj-ea"/>
-                <a:cs typeface="+mj-cs"/>
-              </a:defRPr>
-            </a:lvl1pPr>
-          </a:lstStyle>
-          <a:p>
-            <a:pPr marL="0" marR="0" lvl="0" indent="0" algn="ctr" defTabSz="648081" rtl="0" eaLnBrk="1" fontAlgn="auto" latinLnBrk="0" hangingPunct="1">
-              <a:lnSpc>
-                <a:spcPct val="100000"/>
-              </a:lnSpc>
-              <a:spcBef>
-                <a:spcPct val="0"/>
-              </a:spcBef>
-              <a:spcAft>
-                <a:spcPts val="0"/>
-              </a:spcAft>
-              <a:buClrTx/>
-              <a:buSzTx/>
-              <a:buFontTx/>
-              <a:buNone/>
-              <a:tabLst/>
-              <a:defRPr/>
-            </a:pPr>
-            <a:r>
-              <a:rPr lang="en-AT" sz="2000" b="1" dirty="0">
-                <a:solidFill>
-                  <a:srgbClr val="E72652"/>
-                </a:solidFill>
-                <a:latin typeface="Arial"/>
-              </a:rPr>
-              <a:t>05</a:t>
-            </a:r>
-            <a:endParaRPr lang="en-US" sz="2000" dirty="0">
-              <a:solidFill>
-                <a:srgbClr val="0F0F0F"/>
-              </a:solidFill>
-              <a:latin typeface="Arial"/>
-            </a:endParaRPr>
-          </a:p>
-        </p:txBody>
-      </p:sp>
-      <p:sp>
-        <p:nvSpPr>
-          <p:cNvPr id="18" name="Title 1">
-            <a:extLst>
-              <a:ext uri="{FF2B5EF4-FFF2-40B4-BE49-F238E27FC236}">
-                <a16:creationId xmlns:a16="http://schemas.microsoft.com/office/drawing/2014/main" id="{1A2C046A-7743-A260-7CE1-896DF7C24D24}"/>
-              </a:ext>
-            </a:extLst>
-          </p:cNvPr>
-          <p:cNvSpPr txBox="1">
-            <a:spLocks/>
-          </p:cNvSpPr>
-          <p:nvPr/>
-        </p:nvSpPr>
-        <p:spPr>
-          <a:xfrm>
-            <a:off x="3721036" y="4869571"/>
-            <a:ext cx="386880" cy="289560"/>
-          </a:xfrm>
-          <a:prstGeom prst="rect">
-            <a:avLst/>
-          </a:prstGeom>
-        </p:spPr>
-        <p:txBody>
-          <a:bodyPr vert="horz" lIns="0" tIns="0" rIns="0" bIns="0" rtlCol="0" anchor="ctr">
-            <a:normAutofit lnSpcReduction="10000"/>
-          </a:bodyPr>
-          <a:lstStyle>
-            <a:lvl1pPr algn="l" defTabSz="648081" rtl="0" eaLnBrk="1" latinLnBrk="0" hangingPunct="1">
-              <a:spcBef>
-                <a:spcPct val="0"/>
-              </a:spcBef>
-              <a:buNone/>
-              <a:defRPr sz="3400" kern="1200">
-                <a:solidFill>
-                  <a:schemeClr val="tx1"/>
-                </a:solidFill>
-                <a:latin typeface="+mj-lt"/>
-                <a:ea typeface="+mj-ea"/>
-                <a:cs typeface="+mj-cs"/>
-              </a:defRPr>
-            </a:lvl1pPr>
-          </a:lstStyle>
-          <a:p>
-            <a:pPr marL="0" marR="0" lvl="0" indent="0" algn="ctr" defTabSz="648081" rtl="0" eaLnBrk="1" fontAlgn="auto" latinLnBrk="0" hangingPunct="1">
-              <a:lnSpc>
-                <a:spcPct val="100000"/>
-              </a:lnSpc>
-              <a:spcBef>
-                <a:spcPct val="0"/>
-              </a:spcBef>
-              <a:spcAft>
-                <a:spcPts val="0"/>
-              </a:spcAft>
-              <a:buClrTx/>
-              <a:buSzTx/>
-              <a:buFontTx/>
-              <a:buNone/>
-              <a:tabLst/>
-              <a:defRPr/>
-            </a:pPr>
-            <a:r>
-              <a:rPr lang="en-AT" sz="2000" b="1" dirty="0">
-                <a:solidFill>
-                  <a:srgbClr val="E72652"/>
-                </a:solidFill>
-                <a:latin typeface="Arial"/>
-              </a:rPr>
-              <a:t>06</a:t>
-            </a:r>
-            <a:endParaRPr lang="en-US" sz="2000" dirty="0">
-              <a:solidFill>
-                <a:srgbClr val="0F0F0F"/>
-              </a:solidFill>
-              <a:latin typeface="Arial"/>
-            </a:endParaRPr>
-          </a:p>
-        </p:txBody>
-      </p:sp>
-      <p:sp>
-        <p:nvSpPr>
-          <p:cNvPr id="7" name="TextBox 6">
-            <a:extLst>
-              <a:ext uri="{FF2B5EF4-FFF2-40B4-BE49-F238E27FC236}">
-                <a16:creationId xmlns:a16="http://schemas.microsoft.com/office/drawing/2014/main" id="{87A64CE7-CBC6-A4F7-3B20-619C2C69D421}"/>
-              </a:ext>
-            </a:extLst>
-          </p:cNvPr>
-          <p:cNvSpPr txBox="1"/>
-          <p:nvPr/>
-        </p:nvSpPr>
-        <p:spPr>
-          <a:xfrm>
-            <a:off x="4312685" y="2427774"/>
-            <a:ext cx="5711833" cy="1323439"/>
-          </a:xfrm>
-          <a:prstGeom prst="rect">
-            <a:avLst/>
-          </a:prstGeom>
-          <a:noFill/>
-        </p:spPr>
-        <p:txBody>
-          <a:bodyPr wrap="square" lIns="0" rtlCol="0">
-            <a:spAutoFit/>
-          </a:bodyPr>
-          <a:lstStyle/>
-          <a:p>
-            <a:r>
-              <a:rPr lang="en-AT" sz="1600" dirty="0"/>
-              <a:t>Algorithm based on shortest paths</a:t>
-            </a:r>
-          </a:p>
-          <a:p>
-            <a:endParaRPr lang="en-AT" sz="1600" dirty="0"/>
-          </a:p>
-          <a:p>
-            <a:r>
-              <a:rPr lang="en-AT" sz="1600" dirty="0"/>
-              <a:t>The algorithm can redirect traffic to the most used edges</a:t>
-            </a:r>
-          </a:p>
-          <a:p>
-            <a:endParaRPr lang="en-AT" sz="1600" dirty="0"/>
-          </a:p>
-          <a:p>
-            <a:r>
-              <a:rPr lang="en-AT" sz="1600" dirty="0"/>
-              <a:t>Lower travel time on average</a:t>
-            </a:r>
-          </a:p>
-        </p:txBody>
-      </p:sp>
-    </p:spTree>
-    <p:extLst>
-      <p:ext uri="{BB962C8B-B14F-4D97-AF65-F5344CB8AC3E}">
-        <p14:creationId xmlns:p14="http://schemas.microsoft.com/office/powerpoint/2010/main" val="1218217409"/>
       </p:ext>
     </p:extLst>
   </p:cSld>
@@ -5873,6 +4959,9 @@
                     <p:cTn id="3" fill="hold">
                       <p:stCondLst>
                         <p:cond delay="indefinite"/>
+                        <p:cond evt="onBegin" delay="0">
+                          <p:tn val="2"/>
+                        </p:cond>
                       </p:stCondLst>
                       <p:childTnLst>
                         <p:par>
@@ -5882,7 +4971,7 @@
                             </p:stCondLst>
                             <p:childTnLst>
                               <p:par>
-                                <p:cTn id="5" presetID="10" presetClass="entr" presetSubtype="0" fill="hold" grpId="0" nodeType="clickEffect">
+                                <p:cTn id="5" presetID="10" presetClass="entr" presetSubtype="0" fill="hold" grpId="0" nodeType="withEffect">
                                   <p:stCondLst>
                                     <p:cond delay="0"/>
                                   </p:stCondLst>
@@ -5917,7 +5006,7 @@
                                 </p:cTn>
                               </p:par>
                               <p:par>
-                                <p:cTn id="8" presetID="10" presetClass="entr" presetSubtype="0" fill="hold" grpId="0" nodeType="withEffect">
+                                <p:cTn id="8" presetID="10" presetClass="entr" presetSubtype="0" fill="hold" nodeType="withEffect">
                                   <p:stCondLst>
                                     <p:cond delay="0"/>
                                   </p:stCondLst>
@@ -5930,7 +5019,7 @@
                                           </p:stCondLst>
                                         </p:cTn>
                                         <p:tgtEl>
-                                          <p:spTgt spid="17"/>
+                                          <p:spTgt spid="15"/>
                                         </p:tgtEl>
                                         <p:attrNameLst>
                                           <p:attrName>style.visibility</p:attrName>
@@ -5944,77 +5033,7 @@
                                       <p:cBhvr>
                                         <p:cTn id="10" dur="500"/>
                                         <p:tgtEl>
-                                          <p:spTgt spid="17"/>
-                                        </p:tgtEl>
-                                      </p:cBhvr>
-                                    </p:animEffect>
-                                  </p:childTnLst>
-                                </p:cTn>
-                              </p:par>
-                              <p:par>
-                                <p:cTn id="11" presetID="10" presetClass="entr" presetSubtype="0" fill="hold" grpId="0" nodeType="withEffect">
-                                  <p:stCondLst>
-                                    <p:cond delay="0"/>
-                                  </p:stCondLst>
-                                  <p:childTnLst>
-                                    <p:set>
-                                      <p:cBhvr>
-                                        <p:cTn id="12" dur="1" fill="hold">
-                                          <p:stCondLst>
-                                            <p:cond delay="0"/>
-                                          </p:stCondLst>
-                                        </p:cTn>
-                                        <p:tgtEl>
-                                          <p:spTgt spid="18"/>
-                                        </p:tgtEl>
-                                        <p:attrNameLst>
-                                          <p:attrName>style.visibility</p:attrName>
-                                        </p:attrNameLst>
-                                      </p:cBhvr>
-                                      <p:to>
-                                        <p:strVal val="visible"/>
-                                      </p:to>
-                                    </p:set>
-                                    <p:animEffect transition="in" filter="fade">
-                                      <p:cBhvr>
-                                        <p:cTn id="13" dur="500"/>
-                                        <p:tgtEl>
-                                          <p:spTgt spid="18"/>
-                                        </p:tgtEl>
-                                      </p:cBhvr>
-                                    </p:animEffect>
-                                  </p:childTnLst>
-                                </p:cTn>
-                              </p:par>
-                              <p:par>
-                                <p:cTn id="14" presetID="10" presetClass="entr" presetSubtype="0" fill="hold" grpId="0" nodeType="withEffect">
-                                  <p:stCondLst>
-                                    <p:cond delay="0"/>
-                                  </p:stCondLst>
-                                  <p:childTnLst>
-                                    <p:set>
-                                      <p:cBhvr>
-                                        <p:cTn id="15" dur="1" fill="hold">
-                                          <p:stCondLst>
-                                            <p:cond delay="0"/>
-                                          </p:stCondLst>
-                                        </p:cTn>
-                                        <p:tgtEl>
-                                          <p:spTgt spid="9"/>
-                                        </p:tgtEl>
-                                        <p:attrNameLst>
-                                          <p:attrName>style.visibility</p:attrName>
-                                        </p:attrNameLst>
-                                      </p:cBhvr>
-                                      <p:to>
-                                        <p:strVal val="visible"/>
-                                      </p:to>
-                                    </p:set>
-                                    <p:animEffect transition="in" filter="fade">
-                                      <p:cBhvr>
-                                        <p:cTn id="16" dur="500"/>
-                                        <p:tgtEl>
-                                          <p:spTgt spid="9"/>
+                                          <p:spTgt spid="15"/>
                                         </p:tgtEl>
                                       </p:cBhvr>
                                     </p:animEffect>
@@ -6049,12 +5068,735 @@
       </p:par>
     </p:tnLst>
     <p:bldLst>
-      <p:bldP spid="9" grpId="0"/>
       <p:bldP spid="16" grpId="0"/>
-      <p:bldP spid="17" grpId="0"/>
-      <p:bldP spid="18" grpId="0"/>
     </p:bldLst>
   </p:timing>
+</p:sld>
+</file>
+
+<file path=ppt/slides/slide7.xml><?xml version="1.0" encoding="utf-8"?>
+<p:sld xmlns:a="http://schemas.openxmlformats.org/drawingml/2006/main" xmlns:r="http://schemas.openxmlformats.org/officeDocument/2006/relationships" xmlns:p="http://schemas.openxmlformats.org/presentationml/2006/main">
+  <p:cSld>
+    <p:spTree>
+      <p:nvGrpSpPr>
+        <p:cNvPr id="1" name=""/>
+        <p:cNvGrpSpPr/>
+        <p:nvPr/>
+      </p:nvGrpSpPr>
+      <p:grpSpPr>
+        <a:xfrm>
+          <a:off x="0" y="0"/>
+          <a:ext cx="0" cy="0"/>
+          <a:chOff x="0" y="0"/>
+          <a:chExt cx="0" cy="0"/>
+        </a:xfrm>
+      </p:grpSpPr>
+      <p:sp>
+        <p:nvSpPr>
+          <p:cNvPr id="2" name="Title 1">
+            <a:extLst>
+              <a:ext uri="{FF2B5EF4-FFF2-40B4-BE49-F238E27FC236}">
+                <a16:creationId xmlns:a16="http://schemas.microsoft.com/office/drawing/2014/main" id="{0A39B26F-5187-4B71-D442-12D260D7EF6A}"/>
+              </a:ext>
+            </a:extLst>
+          </p:cNvPr>
+          <p:cNvSpPr>
+            <a:spLocks noGrp="1"/>
+          </p:cNvSpPr>
+          <p:nvPr>
+            <p:ph type="title"/>
+          </p:nvPr>
+        </p:nvSpPr>
+        <p:spPr/>
+        <p:txBody>
+          <a:bodyPr/>
+          <a:lstStyle/>
+          <a:p>
+            <a:r>
+              <a:rPr lang="bs-Latn-BA" dirty="0"/>
+              <a:t>Discussion</a:t>
+            </a:r>
+            <a:endParaRPr lang="en-US" dirty="0"/>
+          </a:p>
+        </p:txBody>
+      </p:sp>
+      <p:sp>
+        <p:nvSpPr>
+          <p:cNvPr id="4" name="Slide Number Placeholder 3">
+            <a:extLst>
+              <a:ext uri="{FF2B5EF4-FFF2-40B4-BE49-F238E27FC236}">
+                <a16:creationId xmlns:a16="http://schemas.microsoft.com/office/drawing/2014/main" id="{7658BEF0-F774-4A14-846F-7ADB9625F36B}"/>
+              </a:ext>
+            </a:extLst>
+          </p:cNvPr>
+          <p:cNvSpPr>
+            <a:spLocks noGrp="1"/>
+          </p:cNvSpPr>
+          <p:nvPr>
+            <p:ph type="sldNum" sz="quarter" idx="12"/>
+          </p:nvPr>
+        </p:nvSpPr>
+        <p:spPr/>
+        <p:txBody>
+          <a:bodyPr/>
+          <a:lstStyle/>
+          <a:p>
+            <a:r>
+              <a:rPr lang="en-AT" dirty="0"/>
+              <a:t>6</a:t>
+            </a:r>
+            <a:endParaRPr lang="de-DE" dirty="0"/>
+          </a:p>
+        </p:txBody>
+      </p:sp>
+      <p:sp>
+        <p:nvSpPr>
+          <p:cNvPr id="10" name="Title 1">
+            <a:extLst>
+              <a:ext uri="{FF2B5EF4-FFF2-40B4-BE49-F238E27FC236}">
+                <a16:creationId xmlns:a16="http://schemas.microsoft.com/office/drawing/2014/main" id="{47277DFB-6F4D-191D-6C47-286A92458F4F}"/>
+              </a:ext>
+            </a:extLst>
+          </p:cNvPr>
+          <p:cNvSpPr txBox="1">
+            <a:spLocks/>
+          </p:cNvSpPr>
+          <p:nvPr/>
+        </p:nvSpPr>
+        <p:spPr>
+          <a:xfrm>
+            <a:off x="3724215" y="2443523"/>
+            <a:ext cx="386880" cy="289560"/>
+          </a:xfrm>
+          <a:prstGeom prst="rect">
+            <a:avLst/>
+          </a:prstGeom>
+        </p:spPr>
+        <p:txBody>
+          <a:bodyPr vert="horz" lIns="0" tIns="0" rIns="0" bIns="0" rtlCol="0" anchor="ctr">
+            <a:normAutofit lnSpcReduction="10000"/>
+          </a:bodyPr>
+          <a:lstStyle>
+            <a:lvl1pPr algn="l" defTabSz="648081" rtl="0" eaLnBrk="1" latinLnBrk="0" hangingPunct="1">
+              <a:spcBef>
+                <a:spcPct val="0"/>
+              </a:spcBef>
+              <a:buNone/>
+              <a:defRPr sz="3400" kern="1200">
+                <a:solidFill>
+                  <a:schemeClr val="tx1"/>
+                </a:solidFill>
+                <a:latin typeface="+mj-lt"/>
+                <a:ea typeface="+mj-ea"/>
+                <a:cs typeface="+mj-cs"/>
+              </a:defRPr>
+            </a:lvl1pPr>
+          </a:lstStyle>
+          <a:p>
+            <a:pPr marL="0" marR="0" lvl="0" indent="0" algn="ctr" defTabSz="648081" rtl="0" eaLnBrk="1" fontAlgn="auto" latinLnBrk="0" hangingPunct="1">
+              <a:lnSpc>
+                <a:spcPct val="100000"/>
+              </a:lnSpc>
+              <a:spcBef>
+                <a:spcPct val="0"/>
+              </a:spcBef>
+              <a:spcAft>
+                <a:spcPts val="0"/>
+              </a:spcAft>
+              <a:buClrTx/>
+              <a:buSzTx/>
+              <a:buFontTx/>
+              <a:buNone/>
+              <a:tabLst/>
+              <a:defRPr/>
+            </a:pPr>
+            <a:r>
+              <a:rPr lang="en-AT" sz="2000" b="1" dirty="0">
+                <a:solidFill>
+                  <a:srgbClr val="E72652"/>
+                </a:solidFill>
+                <a:latin typeface="Arial"/>
+              </a:rPr>
+              <a:t>01</a:t>
+            </a:r>
+            <a:endParaRPr lang="en-US" sz="2000" dirty="0">
+              <a:solidFill>
+                <a:srgbClr val="0F0F0F"/>
+              </a:solidFill>
+              <a:latin typeface="Arial"/>
+            </a:endParaRPr>
+          </a:p>
+        </p:txBody>
+      </p:sp>
+      <p:sp>
+        <p:nvSpPr>
+          <p:cNvPr id="11" name="Title 1">
+            <a:extLst>
+              <a:ext uri="{FF2B5EF4-FFF2-40B4-BE49-F238E27FC236}">
+                <a16:creationId xmlns:a16="http://schemas.microsoft.com/office/drawing/2014/main" id="{873766F0-6D32-44C9-2669-C0A7F3B4F0CC}"/>
+              </a:ext>
+            </a:extLst>
+          </p:cNvPr>
+          <p:cNvSpPr txBox="1">
+            <a:spLocks/>
+          </p:cNvSpPr>
+          <p:nvPr/>
+        </p:nvSpPr>
+        <p:spPr>
+          <a:xfrm>
+            <a:off x="3724215" y="2946443"/>
+            <a:ext cx="386880" cy="289560"/>
+          </a:xfrm>
+          <a:prstGeom prst="rect">
+            <a:avLst/>
+          </a:prstGeom>
+        </p:spPr>
+        <p:txBody>
+          <a:bodyPr vert="horz" lIns="0" tIns="0" rIns="0" bIns="0" rtlCol="0" anchor="ctr">
+            <a:normAutofit lnSpcReduction="10000"/>
+          </a:bodyPr>
+          <a:lstStyle>
+            <a:lvl1pPr algn="l" defTabSz="648081" rtl="0" eaLnBrk="1" latinLnBrk="0" hangingPunct="1">
+              <a:spcBef>
+                <a:spcPct val="0"/>
+              </a:spcBef>
+              <a:buNone/>
+              <a:defRPr sz="3400" kern="1200">
+                <a:solidFill>
+                  <a:schemeClr val="tx1"/>
+                </a:solidFill>
+                <a:latin typeface="+mj-lt"/>
+                <a:ea typeface="+mj-ea"/>
+                <a:cs typeface="+mj-cs"/>
+              </a:defRPr>
+            </a:lvl1pPr>
+          </a:lstStyle>
+          <a:p>
+            <a:pPr marL="0" marR="0" lvl="0" indent="0" algn="ctr" defTabSz="648081" rtl="0" eaLnBrk="1" fontAlgn="auto" latinLnBrk="0" hangingPunct="1">
+              <a:lnSpc>
+                <a:spcPct val="100000"/>
+              </a:lnSpc>
+              <a:spcBef>
+                <a:spcPct val="0"/>
+              </a:spcBef>
+              <a:spcAft>
+                <a:spcPts val="0"/>
+              </a:spcAft>
+              <a:buClrTx/>
+              <a:buSzTx/>
+              <a:buFontTx/>
+              <a:buNone/>
+              <a:tabLst/>
+              <a:defRPr/>
+            </a:pPr>
+            <a:r>
+              <a:rPr lang="en-AT" sz="2000" b="1" dirty="0">
+                <a:solidFill>
+                  <a:srgbClr val="E72652"/>
+                </a:solidFill>
+                <a:latin typeface="Arial"/>
+              </a:rPr>
+              <a:t>02</a:t>
+            </a:r>
+            <a:endParaRPr lang="en-US" sz="2000" dirty="0">
+              <a:solidFill>
+                <a:srgbClr val="0F0F0F"/>
+              </a:solidFill>
+              <a:latin typeface="Arial"/>
+            </a:endParaRPr>
+          </a:p>
+        </p:txBody>
+      </p:sp>
+      <p:sp>
+        <p:nvSpPr>
+          <p:cNvPr id="15" name="Title 1">
+            <a:extLst>
+              <a:ext uri="{FF2B5EF4-FFF2-40B4-BE49-F238E27FC236}">
+                <a16:creationId xmlns:a16="http://schemas.microsoft.com/office/drawing/2014/main" id="{0C3A6363-6B3E-8240-BB3E-EFE76E28E2B8}"/>
+              </a:ext>
+            </a:extLst>
+          </p:cNvPr>
+          <p:cNvSpPr txBox="1">
+            <a:spLocks/>
+          </p:cNvSpPr>
+          <p:nvPr/>
+        </p:nvSpPr>
+        <p:spPr>
+          <a:xfrm>
+            <a:off x="3733454" y="3399162"/>
+            <a:ext cx="386880" cy="289560"/>
+          </a:xfrm>
+          <a:prstGeom prst="rect">
+            <a:avLst/>
+          </a:prstGeom>
+        </p:spPr>
+        <p:txBody>
+          <a:bodyPr vert="horz" lIns="0" tIns="0" rIns="0" bIns="0" rtlCol="0" anchor="ctr">
+            <a:normAutofit lnSpcReduction="10000"/>
+          </a:bodyPr>
+          <a:lstStyle>
+            <a:lvl1pPr algn="l" defTabSz="648081" rtl="0" eaLnBrk="1" latinLnBrk="0" hangingPunct="1">
+              <a:spcBef>
+                <a:spcPct val="0"/>
+              </a:spcBef>
+              <a:buNone/>
+              <a:defRPr sz="3400" kern="1200">
+                <a:solidFill>
+                  <a:schemeClr val="tx1"/>
+                </a:solidFill>
+                <a:latin typeface="+mj-lt"/>
+                <a:ea typeface="+mj-ea"/>
+                <a:cs typeface="+mj-cs"/>
+              </a:defRPr>
+            </a:lvl1pPr>
+          </a:lstStyle>
+          <a:p>
+            <a:pPr marL="0" marR="0" lvl="0" indent="0" algn="ctr" defTabSz="648081" rtl="0" eaLnBrk="1" fontAlgn="auto" latinLnBrk="0" hangingPunct="1">
+              <a:lnSpc>
+                <a:spcPct val="100000"/>
+              </a:lnSpc>
+              <a:spcBef>
+                <a:spcPct val="0"/>
+              </a:spcBef>
+              <a:spcAft>
+                <a:spcPts val="0"/>
+              </a:spcAft>
+              <a:buClrTx/>
+              <a:buSzTx/>
+              <a:buFontTx/>
+              <a:buNone/>
+              <a:tabLst/>
+              <a:defRPr/>
+            </a:pPr>
+            <a:r>
+              <a:rPr lang="en-AT" sz="2000" b="1" dirty="0">
+                <a:solidFill>
+                  <a:srgbClr val="E72652"/>
+                </a:solidFill>
+                <a:latin typeface="Arial"/>
+              </a:rPr>
+              <a:t>03</a:t>
+            </a:r>
+            <a:endParaRPr lang="en-US" sz="2000" dirty="0">
+              <a:solidFill>
+                <a:srgbClr val="0F0F0F"/>
+              </a:solidFill>
+              <a:latin typeface="Arial"/>
+            </a:endParaRPr>
+          </a:p>
+        </p:txBody>
+      </p:sp>
+      <p:sp>
+        <p:nvSpPr>
+          <p:cNvPr id="16" name="Title 1">
+            <a:extLst>
+              <a:ext uri="{FF2B5EF4-FFF2-40B4-BE49-F238E27FC236}">
+                <a16:creationId xmlns:a16="http://schemas.microsoft.com/office/drawing/2014/main" id="{3309A973-7270-D789-0988-36DC741E805F}"/>
+              </a:ext>
+            </a:extLst>
+          </p:cNvPr>
+          <p:cNvSpPr txBox="1">
+            <a:spLocks/>
+          </p:cNvSpPr>
+          <p:nvPr/>
+        </p:nvSpPr>
+        <p:spPr>
+          <a:xfrm>
+            <a:off x="3724215" y="3902082"/>
+            <a:ext cx="386880" cy="289560"/>
+          </a:xfrm>
+          <a:prstGeom prst="rect">
+            <a:avLst/>
+          </a:prstGeom>
+        </p:spPr>
+        <p:txBody>
+          <a:bodyPr vert="horz" lIns="0" tIns="0" rIns="0" bIns="0" rtlCol="0" anchor="ctr">
+            <a:normAutofit lnSpcReduction="10000"/>
+          </a:bodyPr>
+          <a:lstStyle>
+            <a:lvl1pPr algn="l" defTabSz="648081" rtl="0" eaLnBrk="1" latinLnBrk="0" hangingPunct="1">
+              <a:spcBef>
+                <a:spcPct val="0"/>
+              </a:spcBef>
+              <a:buNone/>
+              <a:defRPr sz="3400" kern="1200">
+                <a:solidFill>
+                  <a:schemeClr val="tx1"/>
+                </a:solidFill>
+                <a:latin typeface="+mj-lt"/>
+                <a:ea typeface="+mj-ea"/>
+                <a:cs typeface="+mj-cs"/>
+              </a:defRPr>
+            </a:lvl1pPr>
+          </a:lstStyle>
+          <a:p>
+            <a:pPr marL="0" marR="0" lvl="0" indent="0" algn="ctr" defTabSz="648081" rtl="0" eaLnBrk="1" fontAlgn="auto" latinLnBrk="0" hangingPunct="1">
+              <a:lnSpc>
+                <a:spcPct val="100000"/>
+              </a:lnSpc>
+              <a:spcBef>
+                <a:spcPct val="0"/>
+              </a:spcBef>
+              <a:spcAft>
+                <a:spcPts val="0"/>
+              </a:spcAft>
+              <a:buClrTx/>
+              <a:buSzTx/>
+              <a:buFontTx/>
+              <a:buNone/>
+              <a:tabLst/>
+              <a:defRPr/>
+            </a:pPr>
+            <a:r>
+              <a:rPr lang="en-AT" sz="2000" b="1" dirty="0">
+                <a:solidFill>
+                  <a:srgbClr val="E72652"/>
+                </a:solidFill>
+                <a:latin typeface="Arial"/>
+              </a:rPr>
+              <a:t>04</a:t>
+            </a:r>
+            <a:endParaRPr lang="en-US" sz="2000" dirty="0">
+              <a:solidFill>
+                <a:srgbClr val="0F0F0F"/>
+              </a:solidFill>
+              <a:latin typeface="Arial"/>
+            </a:endParaRPr>
+          </a:p>
+        </p:txBody>
+      </p:sp>
+      <p:sp>
+        <p:nvSpPr>
+          <p:cNvPr id="17" name="Title 1">
+            <a:extLst>
+              <a:ext uri="{FF2B5EF4-FFF2-40B4-BE49-F238E27FC236}">
+                <a16:creationId xmlns:a16="http://schemas.microsoft.com/office/drawing/2014/main" id="{92346523-A861-F4B0-8AA2-30A36DA43EEA}"/>
+              </a:ext>
+            </a:extLst>
+          </p:cNvPr>
+          <p:cNvSpPr txBox="1">
+            <a:spLocks/>
+          </p:cNvSpPr>
+          <p:nvPr/>
+        </p:nvSpPr>
+        <p:spPr>
+          <a:xfrm>
+            <a:off x="3721036" y="4401676"/>
+            <a:ext cx="386880" cy="289560"/>
+          </a:xfrm>
+          <a:prstGeom prst="rect">
+            <a:avLst/>
+          </a:prstGeom>
+        </p:spPr>
+        <p:txBody>
+          <a:bodyPr vert="horz" lIns="0" tIns="0" rIns="0" bIns="0" rtlCol="0" anchor="ctr">
+            <a:normAutofit lnSpcReduction="10000"/>
+          </a:bodyPr>
+          <a:lstStyle>
+            <a:lvl1pPr algn="l" defTabSz="648081" rtl="0" eaLnBrk="1" latinLnBrk="0" hangingPunct="1">
+              <a:spcBef>
+                <a:spcPct val="0"/>
+              </a:spcBef>
+              <a:buNone/>
+              <a:defRPr sz="3400" kern="1200">
+                <a:solidFill>
+                  <a:schemeClr val="tx1"/>
+                </a:solidFill>
+                <a:latin typeface="+mj-lt"/>
+                <a:ea typeface="+mj-ea"/>
+                <a:cs typeface="+mj-cs"/>
+              </a:defRPr>
+            </a:lvl1pPr>
+          </a:lstStyle>
+          <a:p>
+            <a:pPr marL="0" marR="0" lvl="0" indent="0" algn="ctr" defTabSz="648081" rtl="0" eaLnBrk="1" fontAlgn="auto" latinLnBrk="0" hangingPunct="1">
+              <a:lnSpc>
+                <a:spcPct val="100000"/>
+              </a:lnSpc>
+              <a:spcBef>
+                <a:spcPct val="0"/>
+              </a:spcBef>
+              <a:spcAft>
+                <a:spcPts val="0"/>
+              </a:spcAft>
+              <a:buClrTx/>
+              <a:buSzTx/>
+              <a:buFontTx/>
+              <a:buNone/>
+              <a:tabLst/>
+              <a:defRPr/>
+            </a:pPr>
+            <a:r>
+              <a:rPr lang="en-AT" sz="2000" b="1" dirty="0">
+                <a:solidFill>
+                  <a:srgbClr val="E72652"/>
+                </a:solidFill>
+                <a:latin typeface="Arial"/>
+              </a:rPr>
+              <a:t>05</a:t>
+            </a:r>
+            <a:endParaRPr lang="en-US" sz="2000" dirty="0">
+              <a:solidFill>
+                <a:srgbClr val="0F0F0F"/>
+              </a:solidFill>
+              <a:latin typeface="Arial"/>
+            </a:endParaRPr>
+          </a:p>
+        </p:txBody>
+      </p:sp>
+      <p:sp>
+        <p:nvSpPr>
+          <p:cNvPr id="18" name="Title 1">
+            <a:extLst>
+              <a:ext uri="{FF2B5EF4-FFF2-40B4-BE49-F238E27FC236}">
+                <a16:creationId xmlns:a16="http://schemas.microsoft.com/office/drawing/2014/main" id="{1A2C046A-7743-A260-7CE1-896DF7C24D24}"/>
+              </a:ext>
+            </a:extLst>
+          </p:cNvPr>
+          <p:cNvSpPr txBox="1">
+            <a:spLocks/>
+          </p:cNvSpPr>
+          <p:nvPr/>
+        </p:nvSpPr>
+        <p:spPr>
+          <a:xfrm>
+            <a:off x="3721036" y="4869571"/>
+            <a:ext cx="386880" cy="289560"/>
+          </a:xfrm>
+          <a:prstGeom prst="rect">
+            <a:avLst/>
+          </a:prstGeom>
+        </p:spPr>
+        <p:txBody>
+          <a:bodyPr vert="horz" lIns="0" tIns="0" rIns="0" bIns="0" rtlCol="0" anchor="ctr">
+            <a:normAutofit lnSpcReduction="10000"/>
+          </a:bodyPr>
+          <a:lstStyle>
+            <a:lvl1pPr algn="l" defTabSz="648081" rtl="0" eaLnBrk="1" latinLnBrk="0" hangingPunct="1">
+              <a:spcBef>
+                <a:spcPct val="0"/>
+              </a:spcBef>
+              <a:buNone/>
+              <a:defRPr sz="3400" kern="1200">
+                <a:solidFill>
+                  <a:schemeClr val="tx1"/>
+                </a:solidFill>
+                <a:latin typeface="+mj-lt"/>
+                <a:ea typeface="+mj-ea"/>
+                <a:cs typeface="+mj-cs"/>
+              </a:defRPr>
+            </a:lvl1pPr>
+          </a:lstStyle>
+          <a:p>
+            <a:pPr marL="0" marR="0" lvl="0" indent="0" algn="ctr" defTabSz="648081" rtl="0" eaLnBrk="1" fontAlgn="auto" latinLnBrk="0" hangingPunct="1">
+              <a:lnSpc>
+                <a:spcPct val="100000"/>
+              </a:lnSpc>
+              <a:spcBef>
+                <a:spcPct val="0"/>
+              </a:spcBef>
+              <a:spcAft>
+                <a:spcPts val="0"/>
+              </a:spcAft>
+              <a:buClrTx/>
+              <a:buSzTx/>
+              <a:buFontTx/>
+              <a:buNone/>
+              <a:tabLst/>
+              <a:defRPr/>
+            </a:pPr>
+            <a:r>
+              <a:rPr lang="en-AT" sz="2000" b="1" dirty="0">
+                <a:solidFill>
+                  <a:srgbClr val="E72652"/>
+                </a:solidFill>
+                <a:latin typeface="Arial"/>
+              </a:rPr>
+              <a:t>06</a:t>
+            </a:r>
+            <a:endParaRPr lang="en-US" sz="2000" dirty="0">
+              <a:solidFill>
+                <a:srgbClr val="0F0F0F"/>
+              </a:solidFill>
+              <a:latin typeface="Arial"/>
+            </a:endParaRPr>
+          </a:p>
+        </p:txBody>
+      </p:sp>
+      <p:sp>
+        <p:nvSpPr>
+          <p:cNvPr id="7" name="TextBox 6">
+            <a:extLst>
+              <a:ext uri="{FF2B5EF4-FFF2-40B4-BE49-F238E27FC236}">
+                <a16:creationId xmlns:a16="http://schemas.microsoft.com/office/drawing/2014/main" id="{87A64CE7-CBC6-A4F7-3B20-619C2C69D421}"/>
+              </a:ext>
+            </a:extLst>
+          </p:cNvPr>
+          <p:cNvSpPr txBox="1"/>
+          <p:nvPr/>
+        </p:nvSpPr>
+        <p:spPr>
+          <a:xfrm>
+            <a:off x="4312685" y="2427774"/>
+            <a:ext cx="5711833" cy="3046988"/>
+          </a:xfrm>
+          <a:prstGeom prst="rect">
+            <a:avLst/>
+          </a:prstGeom>
+          <a:noFill/>
+        </p:spPr>
+        <p:txBody>
+          <a:bodyPr wrap="square" lIns="0" rtlCol="0">
+            <a:spAutoFit/>
+          </a:bodyPr>
+          <a:lstStyle/>
+          <a:p>
+            <a:r>
+              <a:rPr lang="en-AT" sz="1600" dirty="0"/>
+              <a:t>The algorithm can redirect traffic to the most used edges</a:t>
+            </a:r>
+          </a:p>
+          <a:p>
+            <a:endParaRPr lang="en-AT" sz="1600" dirty="0"/>
+          </a:p>
+          <a:p>
+            <a:r>
+              <a:rPr lang="en-AT" sz="1600" dirty="0"/>
+              <a:t>Lower travel time on average</a:t>
+            </a:r>
+          </a:p>
+          <a:p>
+            <a:endParaRPr lang="en-AT" sz="1600" dirty="0"/>
+          </a:p>
+          <a:p>
+            <a:r>
+              <a:rPr lang="en-AT" sz="1600" dirty="0"/>
+              <a:t>Minimization through weights performs better</a:t>
+            </a:r>
+          </a:p>
+          <a:p>
+            <a:endParaRPr lang="en-AT" sz="1600" dirty="0"/>
+          </a:p>
+          <a:p>
+            <a:r>
+              <a:rPr lang="en-AT" sz="1600" dirty="0"/>
+              <a:t>Chosen edges might not be connected</a:t>
+            </a:r>
+          </a:p>
+          <a:p>
+            <a:endParaRPr lang="en-AT" sz="1600" dirty="0"/>
+          </a:p>
+          <a:p>
+            <a:r>
+              <a:rPr lang="en-AT" sz="1600" dirty="0"/>
+              <a:t>Not all paths in the network are taken into account</a:t>
+            </a:r>
+          </a:p>
+          <a:p>
+            <a:endParaRPr lang="en-AT" sz="1600" dirty="0"/>
+          </a:p>
+          <a:p>
+            <a:r>
+              <a:rPr lang="en-AT" sz="1600" dirty="0"/>
+              <a:t>Depends on the number of node pairs and the number of chosen edges</a:t>
+            </a:r>
+          </a:p>
+        </p:txBody>
+      </p:sp>
+    </p:spTree>
+    <p:extLst>
+      <p:ext uri="{BB962C8B-B14F-4D97-AF65-F5344CB8AC3E}">
+        <p14:creationId xmlns:p14="http://schemas.microsoft.com/office/powerpoint/2010/main" val="1218217409"/>
+      </p:ext>
+    </p:extLst>
+  </p:cSld>
+  <p:clrMapOvr>
+    <a:masterClrMapping/>
+  </p:clrMapOvr>
+  <mc:AlternateContent xmlns:mc="http://schemas.openxmlformats.org/markup-compatibility/2006" xmlns:p159="http://schemas.microsoft.com/office/powerpoint/2015/09/main">
+    <mc:Choice Requires="p159">
+      <p:transition xmlns:p14="http://schemas.microsoft.com/office/powerpoint/2010/main" spd="slow" p14:dur="2000">
+        <p159:morph option="byObject"/>
+      </p:transition>
+    </mc:Choice>
+    <mc:Fallback xmlns="">
+      <p:transition spd="slow">
+        <p:fade/>
+      </p:transition>
+    </mc:Fallback>
+  </mc:AlternateContent>
+</p:sld>
+</file>
+
+<file path=ppt/slides/slide8.xml><?xml version="1.0" encoding="utf-8"?>
+<p:sld xmlns:a="http://schemas.openxmlformats.org/drawingml/2006/main" xmlns:r="http://schemas.openxmlformats.org/officeDocument/2006/relationships" xmlns:p="http://schemas.openxmlformats.org/presentationml/2006/main">
+  <p:cSld>
+    <p:spTree>
+      <p:nvGrpSpPr>
+        <p:cNvPr id="1" name=""/>
+        <p:cNvGrpSpPr/>
+        <p:nvPr/>
+      </p:nvGrpSpPr>
+      <p:grpSpPr>
+        <a:xfrm>
+          <a:off x="0" y="0"/>
+          <a:ext cx="0" cy="0"/>
+          <a:chOff x="0" y="0"/>
+          <a:chExt cx="0" cy="0"/>
+        </a:xfrm>
+      </p:grpSpPr>
+      <p:sp>
+        <p:nvSpPr>
+          <p:cNvPr id="6" name="Titel 5"/>
+          <p:cNvSpPr>
+            <a:spLocks noGrp="1"/>
+          </p:cNvSpPr>
+          <p:nvPr>
+            <p:ph type="ctrTitle"/>
+          </p:nvPr>
+        </p:nvSpPr>
+        <p:spPr>
+          <a:xfrm>
+            <a:off x="2510606" y="3094592"/>
+            <a:ext cx="7736637" cy="1126016"/>
+          </a:xfrm>
+        </p:spPr>
+        <p:txBody>
+          <a:bodyPr anchor="ctr">
+            <a:normAutofit/>
+          </a:bodyPr>
+          <a:lstStyle/>
+          <a:p>
+            <a:r>
+              <a:rPr lang="en-AT" sz="4000" dirty="0"/>
+              <a:t>Thank you for your attention!</a:t>
+            </a:r>
+            <a:endParaRPr lang="de-DE" sz="4000" dirty="0"/>
+          </a:p>
+        </p:txBody>
+      </p:sp>
+    </p:spTree>
+    <p:extLst>
+      <p:ext uri="{BB962C8B-B14F-4D97-AF65-F5344CB8AC3E}">
+        <p14:creationId xmlns:p14="http://schemas.microsoft.com/office/powerpoint/2010/main" val="1888210753"/>
+      </p:ext>
+    </p:extLst>
+  </p:cSld>
+  <p:clrMapOvr>
+    <a:masterClrMapping/>
+  </p:clrMapOvr>
+  <mc:AlternateContent xmlns:mc="http://schemas.openxmlformats.org/markup-compatibility/2006" xmlns:p159="http://schemas.microsoft.com/office/powerpoint/2015/09/main">
+    <mc:Choice Requires="p159">
+      <p:transition xmlns:p14="http://schemas.microsoft.com/office/powerpoint/2010/main" spd="slow" p14:dur="2000">
+        <p159:morph option="byObject"/>
+      </p:transition>
+    </mc:Choice>
+    <mc:Fallback xmlns="">
+      <p:transition spd="slow">
+        <p:fade/>
+      </p:transition>
+    </mc:Fallback>
+  </mc:AlternateContent>
 </p:sld>
 </file>
 
